--- a/C lang/정보보안 멘토링 - C언어 zeroday.pptx
+++ b/C lang/정보보안 멘토링 - C언어 zeroday.pptx
@@ -1,6 +1,6 @@
 
 <file path=ppt/presentation.xml><?xml version="1.0" encoding="utf-8"?>
-<p:presentation xmlns:a="http://schemas.openxmlformats.org/drawingml/2006/main" xmlns:r="http://schemas.openxmlformats.org/officeDocument/2006/relationships" xmlns:p="http://schemas.openxmlformats.org/presentationml/2006/main" saveSubsetFonts="1">
+<p:presentation xmlns:a="http://schemas.openxmlformats.org/drawingml/2006/main" xmlns:r="http://schemas.openxmlformats.org/officeDocument/2006/relationships" xmlns:p="http://schemas.openxmlformats.org/presentationml/2006/main">
   <p:sldMasterIdLst>
     <p:sldMasterId id="2147483648" r:id="rId1"/>
   </p:sldMasterIdLst>
@@ -8,12 +8,20 @@
     <p:sldId id="256" r:id="rId2"/>
     <p:sldId id="257" r:id="rId3"/>
     <p:sldId id="267" r:id="rId4"/>
-    <p:sldId id="259" r:id="rId5"/>
-    <p:sldId id="260" r:id="rId6"/>
-    <p:sldId id="261" r:id="rId7"/>
-    <p:sldId id="268" r:id="rId8"/>
-    <p:sldId id="269" r:id="rId9"/>
-    <p:sldId id="266" r:id="rId10"/>
+    <p:sldId id="274" r:id="rId5"/>
+    <p:sldId id="270" r:id="rId6"/>
+    <p:sldId id="273" r:id="rId7"/>
+    <p:sldId id="259" r:id="rId8"/>
+    <p:sldId id="276" r:id="rId9"/>
+    <p:sldId id="275" r:id="rId10"/>
+    <p:sldId id="260" r:id="rId11"/>
+    <p:sldId id="279" r:id="rId12"/>
+    <p:sldId id="261" r:id="rId13"/>
+    <p:sldId id="280" r:id="rId14"/>
+    <p:sldId id="268" r:id="rId15"/>
+    <p:sldId id="269" r:id="rId16"/>
+    <p:sldId id="278" r:id="rId17"/>
+    <p:sldId id="266" r:id="rId18"/>
   </p:sldIdLst>
   <p:sldSz cx="12192000" cy="6858000"/>
   <p:notesSz cx="6858000" cy="9144000"/>
@@ -112,6 +120,22 @@
       </a:defRPr>
     </a:lvl9pPr>
   </p:defaultTextStyle>
+  <p:extLst>
+    <p:ext uri="{EFAFB233-063F-42B5-8137-9DF3F51BA10A}">
+      <p15:sldGuideLst xmlns:p15="http://schemas.microsoft.com/office/powerpoint/2012/main">
+        <p15:guide id="1" orient="horz" pos="2159">
+          <p15:clr>
+            <a:srgbClr val="A4A3A4"/>
+          </p15:clr>
+        </p15:guide>
+        <p15:guide id="2" pos="3839">
+          <p15:clr>
+            <a:srgbClr val="A4A3A4"/>
+          </p15:clr>
+        </p15:guide>
+      </p15:sldGuideLst>
+    </p:ext>
+  </p:extLst>
 </p:presentation>
 </file>
 
@@ -3370,8 +3394,8 @@
         </p:nvSpPr>
         <p:spPr>
           <a:xfrm>
-            <a:off x="4732020" y="3429000"/>
-            <a:ext cx="2727960" cy="453073"/>
+            <a:off x="2640563" y="3428999"/>
+            <a:ext cx="6802017" cy="2197359"/>
           </a:xfrm>
         </p:spPr>
         <p:txBody>
@@ -3394,7 +3418,38 @@
               <a:rPr lang="en-US" altLang="ko-KR" dirty="0" err="1"/>
               <a:t>zeroday</a:t>
             </a:r>
-            <a:endParaRPr lang="ko-KR" altLang="en-US" dirty="0"/>
+            <a:endParaRPr lang="en-US" altLang="ko-KR" dirty="0"/>
+          </a:p>
+          <a:p>
+            <a:endParaRPr lang="en-US" altLang="ko-KR" dirty="0"/>
+          </a:p>
+          <a:p>
+            <a:r>
+              <a:rPr lang="ko-KR" altLang="en-US" dirty="0"/>
+              <a:t>수업 전에 </a:t>
+            </a:r>
+            <a:r>
+              <a:rPr lang="en-US" altLang="ko-KR" dirty="0" err="1"/>
+              <a:t>codeup</a:t>
+            </a:r>
+            <a:r>
+              <a:rPr lang="en-US" altLang="ko-KR" dirty="0"/>
+              <a:t> </a:t>
+            </a:r>
+            <a:r>
+              <a:rPr lang="ko-KR" altLang="en-US" dirty="0"/>
+              <a:t>회원가입 해주세요</a:t>
+            </a:r>
+            <a:r>
+              <a:rPr lang="en-US" altLang="ko-KR" dirty="0"/>
+              <a:t>!</a:t>
+            </a:r>
+          </a:p>
+          <a:p>
+            <a:r>
+              <a:rPr lang="en-US" altLang="ko-KR" dirty="0"/>
+              <a:t>https://codeup.kr/</a:t>
+            </a:r>
           </a:p>
         </p:txBody>
       </p:sp>
@@ -3408,6 +3463,2223 @@
   <p:clrMapOvr>
     <a:masterClrMapping/>
   </p:clrMapOvr>
+</p:sld>
+</file>
+
+<file path=ppt/slides/slide10.xml><?xml version="1.0" encoding="utf-8"?>
+<p:sld xmlns:a="http://schemas.openxmlformats.org/drawingml/2006/main" xmlns:r="http://schemas.openxmlformats.org/officeDocument/2006/relationships" xmlns:p="http://schemas.openxmlformats.org/presentationml/2006/main">
+  <p:cSld>
+    <p:spTree>
+      <p:nvGrpSpPr>
+        <p:cNvPr id="1" name=""/>
+        <p:cNvGrpSpPr/>
+        <p:nvPr/>
+      </p:nvGrpSpPr>
+      <p:grpSpPr>
+        <a:xfrm>
+          <a:off x="0" y="0"/>
+          <a:ext cx="0" cy="0"/>
+          <a:chOff x="0" y="0"/>
+          <a:chExt cx="0" cy="0"/>
+        </a:xfrm>
+      </p:grpSpPr>
+      <p:sp>
+        <p:nvSpPr>
+          <p:cNvPr id="2" name="제목 1">
+            <a:extLst>
+              <a:ext uri="{FF2B5EF4-FFF2-40B4-BE49-F238E27FC236}">
+                <a16:creationId xmlns:a16="http://schemas.microsoft.com/office/drawing/2014/main" id="{0743F23E-AA9A-39EE-9ACF-C121FC7EC016}"/>
+              </a:ext>
+            </a:extLst>
+          </p:cNvPr>
+          <p:cNvSpPr>
+            <a:spLocks noGrp="1"/>
+          </p:cNvSpPr>
+          <p:nvPr>
+            <p:ph type="title"/>
+          </p:nvPr>
+        </p:nvSpPr>
+        <p:spPr/>
+        <p:txBody>
+          <a:bodyPr>
+            <a:normAutofit fontScale="90000"/>
+          </a:bodyPr>
+          <a:lstStyle/>
+          <a:p>
+            <a:r>
+              <a:rPr lang="ko-KR" altLang="en-US" dirty="0"/>
+              <a:t>연산자 </a:t>
+            </a:r>
+            <a:r>
+              <a:rPr lang="en-US" altLang="ko-KR" dirty="0"/>
+              <a:t>: </a:t>
+            </a:r>
+            <a:r>
+              <a:rPr lang="ko-KR" altLang="en-US" dirty="0"/>
+              <a:t>변수나 값들을 연산하는 기호를 의미</a:t>
+            </a:r>
+          </a:p>
+        </p:txBody>
+      </p:sp>
+      <p:sp>
+        <p:nvSpPr>
+          <p:cNvPr id="3" name="내용 개체 틀 2">
+            <a:extLst>
+              <a:ext uri="{FF2B5EF4-FFF2-40B4-BE49-F238E27FC236}">
+                <a16:creationId xmlns:a16="http://schemas.microsoft.com/office/drawing/2014/main" id="{2E722D8F-488B-F34F-058E-5E9EA42959C1}"/>
+              </a:ext>
+            </a:extLst>
+          </p:cNvPr>
+          <p:cNvSpPr>
+            <a:spLocks noGrp="1"/>
+          </p:cNvSpPr>
+          <p:nvPr>
+            <p:ph idx="1"/>
+          </p:nvPr>
+        </p:nvSpPr>
+        <p:spPr/>
+        <p:txBody>
+          <a:bodyPr/>
+          <a:lstStyle/>
+          <a:p>
+            <a:r>
+              <a:rPr lang="ko-KR" altLang="en-US" dirty="0"/>
+              <a:t>사칙연산 </a:t>
+            </a:r>
+            <a:r>
+              <a:rPr lang="en-US" altLang="ko-KR" dirty="0"/>
+              <a:t>: </a:t>
+            </a:r>
+            <a:r>
+              <a:rPr lang="ko-KR" altLang="en-US" dirty="0"/>
+              <a:t>우리가 수학에서 배우는 </a:t>
+            </a:r>
+            <a:r>
+              <a:rPr lang="ko-KR" altLang="en-US" dirty="0" err="1"/>
+              <a:t>그거임</a:t>
+            </a:r>
+            <a:r>
+              <a:rPr lang="en-US" altLang="ko-KR" dirty="0"/>
+              <a:t>.</a:t>
+            </a:r>
+          </a:p>
+          <a:p>
+            <a:r>
+              <a:rPr lang="en-US" altLang="ko-KR" sz="2400" dirty="0"/>
+              <a:t>+, -, *, / </a:t>
+            </a:r>
+            <a:r>
+              <a:rPr lang="ko-KR" altLang="en-US" sz="2400" dirty="0"/>
+              <a:t>가 있고</a:t>
+            </a:r>
+            <a:r>
+              <a:rPr lang="en-US" altLang="ko-KR" sz="2400" dirty="0"/>
+              <a:t>, </a:t>
+            </a:r>
+            <a:r>
+              <a:rPr lang="ko-KR" altLang="en-US" sz="2400" dirty="0"/>
+              <a:t>추가적으로 나누기를 했을 때 </a:t>
+            </a:r>
+            <a:r>
+              <a:rPr lang="ko-KR" altLang="en-US" sz="2400" dirty="0" err="1"/>
+              <a:t>정수값만</a:t>
+            </a:r>
+            <a:r>
+              <a:rPr lang="ko-KR" altLang="en-US" sz="2400" dirty="0"/>
+              <a:t> 출력하는 </a:t>
+            </a:r>
+            <a:r>
+              <a:rPr lang="en-US" altLang="ko-KR" sz="2400" dirty="0"/>
+              <a:t>// </a:t>
+            </a:r>
+            <a:r>
+              <a:rPr lang="ko-KR" altLang="en-US" sz="2400" dirty="0"/>
+              <a:t>과 나누기 값에 나머지만 출력하는 </a:t>
+            </a:r>
+            <a:r>
+              <a:rPr lang="en-US" altLang="ko-KR" sz="2400" dirty="0"/>
+              <a:t>%</a:t>
+            </a:r>
+            <a:r>
+              <a:rPr lang="ko-KR" altLang="en-US" sz="2400" dirty="0"/>
+              <a:t>가</a:t>
+            </a:r>
+            <a:r>
+              <a:rPr lang="en-US" altLang="ko-KR" sz="2400" dirty="0"/>
+              <a:t> </a:t>
+            </a:r>
+            <a:r>
+              <a:rPr lang="ko-KR" altLang="en-US" sz="2400" dirty="0"/>
+              <a:t>있음</a:t>
+            </a:r>
+            <a:r>
+              <a:rPr lang="en-US" altLang="ko-KR" sz="2400" dirty="0"/>
+              <a:t>.</a:t>
+            </a:r>
+          </a:p>
+          <a:p>
+            <a:endParaRPr lang="en-US" altLang="ko-KR" sz="2000" dirty="0"/>
+          </a:p>
+          <a:p>
+            <a:r>
+              <a:rPr lang="ko-KR" altLang="en-US" dirty="0"/>
+              <a:t>논리연산 </a:t>
+            </a:r>
+            <a:r>
+              <a:rPr lang="en-US" altLang="ko-KR" dirty="0"/>
+              <a:t>: LOGIC GATE</a:t>
+            </a:r>
+            <a:r>
+              <a:rPr lang="ko-KR" altLang="en-US" dirty="0"/>
+              <a:t>를 이용한 연산자</a:t>
+            </a:r>
+            <a:r>
+              <a:rPr lang="en-US" altLang="ko-KR" dirty="0"/>
+              <a:t>.</a:t>
+            </a:r>
+          </a:p>
+          <a:p>
+            <a:r>
+              <a:rPr lang="en-US" altLang="ko-KR" sz="2400" dirty="0"/>
+              <a:t>&amp;&amp; : and, || : or, ! : not </a:t>
+            </a:r>
+            <a:r>
+              <a:rPr lang="ko-KR" altLang="en-US" sz="2400" dirty="0"/>
+              <a:t>이 있음</a:t>
+            </a:r>
+            <a:r>
+              <a:rPr lang="en-US" altLang="ko-KR" sz="2400" dirty="0"/>
+              <a:t>.</a:t>
+            </a:r>
+          </a:p>
+          <a:p>
+            <a:endParaRPr lang="en-US" altLang="ko-KR" sz="2000" dirty="0"/>
+          </a:p>
+          <a:p>
+            <a:r>
+              <a:rPr lang="ko-KR" altLang="en-US" dirty="0" err="1"/>
+              <a:t>할당연산</a:t>
+            </a:r>
+            <a:r>
+              <a:rPr lang="ko-KR" altLang="en-US" dirty="0"/>
+              <a:t> </a:t>
+            </a:r>
+            <a:r>
+              <a:rPr lang="en-US" altLang="ko-KR" dirty="0"/>
+              <a:t>: A = 13, </a:t>
+            </a:r>
+            <a:r>
+              <a:rPr lang="ko-KR" altLang="en-US" dirty="0"/>
+              <a:t>이처럼 어떤 변수에 값을 할당하는 연산자</a:t>
+            </a:r>
+            <a:r>
+              <a:rPr lang="en-US" altLang="ko-KR" dirty="0"/>
+              <a:t>.</a:t>
+            </a:r>
+          </a:p>
+          <a:p>
+            <a:r>
+              <a:rPr lang="en-US" altLang="ko-KR" sz="2400" dirty="0"/>
+              <a:t>= : </a:t>
+            </a:r>
+            <a:r>
+              <a:rPr lang="ko-KR" altLang="en-US" sz="2400" dirty="0"/>
+              <a:t>값을 할당하거나 저장할 때 주로 사용</a:t>
+            </a:r>
+            <a:r>
+              <a:rPr lang="en-US" altLang="ko-KR" sz="2400" dirty="0"/>
+              <a:t>.</a:t>
+            </a:r>
+          </a:p>
+          <a:p>
+            <a:r>
+              <a:rPr lang="en-US" altLang="ko-KR" sz="2400" dirty="0"/>
+              <a:t>+= : A+=13 =&gt; A=13+A</a:t>
+            </a:r>
+            <a:r>
+              <a:rPr lang="ko-KR" altLang="en-US" sz="2400" dirty="0"/>
+              <a:t>와 같음</a:t>
+            </a:r>
+            <a:r>
+              <a:rPr lang="en-US" altLang="ko-KR" sz="2400" dirty="0"/>
+              <a:t>. </a:t>
+            </a:r>
+            <a:r>
+              <a:rPr lang="ko-KR" altLang="en-US" sz="2400" dirty="0"/>
+              <a:t>이와 비슷한 </a:t>
+            </a:r>
+            <a:r>
+              <a:rPr lang="en-US" altLang="ko-KR" sz="2400" dirty="0"/>
+              <a:t>-=, *=, /= </a:t>
+            </a:r>
+            <a:r>
+              <a:rPr lang="ko-KR" altLang="en-US" sz="2400" dirty="0"/>
+              <a:t>가 있음</a:t>
+            </a:r>
+            <a:r>
+              <a:rPr lang="en-US" altLang="ko-KR" sz="2400" dirty="0"/>
+              <a:t>.</a:t>
+            </a:r>
+          </a:p>
+        </p:txBody>
+      </p:sp>
+    </p:spTree>
+    <p:extLst>
+      <p:ext uri="{BB962C8B-B14F-4D97-AF65-F5344CB8AC3E}">
+        <p14:creationId xmlns:p14="http://schemas.microsoft.com/office/powerpoint/2010/main" val="1006168419"/>
+      </p:ext>
+    </p:extLst>
+  </p:cSld>
+  <p:clrMapOvr>
+    <a:masterClrMapping/>
+  </p:clrMapOvr>
+</p:sld>
+</file>
+
+<file path=ppt/slides/slide11.xml><?xml version="1.0" encoding="utf-8"?>
+<p:sld xmlns:a="http://schemas.openxmlformats.org/drawingml/2006/main" xmlns:r="http://schemas.openxmlformats.org/officeDocument/2006/relationships" xmlns:p="http://schemas.openxmlformats.org/presentationml/2006/main">
+  <p:cSld>
+    <p:spTree>
+      <p:nvGrpSpPr>
+        <p:cNvPr id="1" name=""/>
+        <p:cNvGrpSpPr/>
+        <p:nvPr/>
+      </p:nvGrpSpPr>
+      <p:grpSpPr>
+        <a:xfrm>
+          <a:off x="0" y="0"/>
+          <a:ext cx="0" cy="0"/>
+          <a:chOff x="0" y="0"/>
+          <a:chExt cx="0" cy="0"/>
+        </a:xfrm>
+      </p:grpSpPr>
+      <p:sp>
+        <p:nvSpPr>
+          <p:cNvPr id="2" name="제목 1"/>
+          <p:cNvSpPr>
+            <a:spLocks noGrp="1"/>
+          </p:cNvSpPr>
+          <p:nvPr>
+            <p:ph type="title"/>
+          </p:nvPr>
+        </p:nvSpPr>
+        <p:spPr/>
+        <p:txBody>
+          <a:bodyPr>
+            <a:normAutofit/>
+          </a:bodyPr>
+          <a:lstStyle/>
+          <a:p>
+            <a:pPr lvl="0">
+              <a:defRPr/>
+            </a:pPr>
+            <a:r>
+              <a:rPr lang="ko-KR" altLang="en-US" sz="3200"/>
+              <a:t>조건문 </a:t>
+            </a:r>
+            <a:r>
+              <a:rPr lang="en-US" altLang="ko-KR" sz="3200"/>
+              <a:t>: </a:t>
+            </a:r>
+            <a:r>
+              <a:rPr lang="ko-KR" altLang="en-US" sz="3200"/>
+              <a:t>값을 비교하고 참과 거짓을 판별하는 문장</a:t>
+            </a:r>
+          </a:p>
+        </p:txBody>
+      </p:sp>
+      <p:sp>
+        <p:nvSpPr>
+          <p:cNvPr id="3" name="내용 개체 틀 2"/>
+          <p:cNvSpPr>
+            <a:spLocks noGrp="1"/>
+          </p:cNvSpPr>
+          <p:nvPr>
+            <p:ph idx="1"/>
+          </p:nvPr>
+        </p:nvSpPr>
+        <p:spPr/>
+        <p:txBody>
+          <a:bodyPr/>
+          <a:lstStyle/>
+          <a:p>
+            <a:pPr lvl="0">
+              <a:defRPr/>
+            </a:pPr>
+            <a:r>
+              <a:rPr lang="en-US" altLang="ko-KR" sz="2400"/>
+              <a:t>2</a:t>
+            </a:r>
+            <a:r>
+              <a:rPr lang="ko-KR" altLang="en-US" sz="2400"/>
+              <a:t>개의 값을 가지고 비교해 </a:t>
+            </a:r>
+            <a:r>
+              <a:rPr lang="en-US" altLang="ko-KR" sz="2400"/>
+              <a:t>1(</a:t>
+            </a:r>
+            <a:r>
+              <a:rPr lang="ko-KR" altLang="en-US" sz="2400"/>
+              <a:t>참</a:t>
+            </a:r>
+            <a:r>
+              <a:rPr lang="en-US" altLang="ko-KR" sz="2400"/>
+              <a:t>)</a:t>
+            </a:r>
+            <a:r>
+              <a:rPr lang="ko-KR" altLang="en-US" sz="2400"/>
+              <a:t>과 </a:t>
+            </a:r>
+            <a:r>
+              <a:rPr lang="en-US" altLang="ko-KR" sz="2400"/>
+              <a:t>0(</a:t>
+            </a:r>
+            <a:r>
+              <a:rPr lang="ko-KR" altLang="en-US" sz="2400"/>
+              <a:t>거짓</a:t>
+            </a:r>
+            <a:r>
+              <a:rPr lang="en-US" altLang="ko-KR" sz="2400"/>
+              <a:t>)</a:t>
+            </a:r>
+            <a:r>
+              <a:rPr lang="ko-KR" altLang="en-US" sz="2400"/>
+              <a:t>으로 판별함</a:t>
+            </a:r>
+            <a:r>
+              <a:rPr lang="en-US" altLang="ko-KR" sz="2400"/>
+              <a:t>.</a:t>
+            </a:r>
+            <a:endParaRPr lang="en-US" altLang="ko-KR" sz="2900"/>
+          </a:p>
+          <a:p>
+            <a:pPr lvl="0">
+              <a:defRPr/>
+            </a:pPr>
+            <a:endParaRPr lang="en-US" altLang="ko-KR" sz="1100"/>
+          </a:p>
+          <a:p>
+            <a:pPr lvl="0">
+              <a:defRPr/>
+            </a:pPr>
+            <a:r>
+              <a:rPr lang="ko-KR" altLang="en-US" sz="2400"/>
+              <a:t>예시 문제 </a:t>
+            </a:r>
+            <a:r>
+              <a:rPr lang="en-US" altLang="ko-KR" sz="2400"/>
+              <a:t>(int a=10; int b=25;)</a:t>
+            </a:r>
+          </a:p>
+          <a:p>
+            <a:pPr lvl="0">
+              <a:defRPr/>
+            </a:pPr>
+            <a:r>
+              <a:rPr lang="en-US" altLang="ko-KR" sz="2200"/>
+              <a:t>Ex1) a &lt; b =&gt; 1	//’b</a:t>
+            </a:r>
+            <a:r>
+              <a:rPr lang="ko-KR" altLang="en-US" sz="2200"/>
+              <a:t>가 </a:t>
+            </a:r>
+            <a:r>
+              <a:rPr lang="en-US" altLang="ko-KR" sz="2200"/>
+              <a:t>a</a:t>
+            </a:r>
+            <a:r>
+              <a:rPr lang="ko-KR" altLang="en-US" sz="2200"/>
+              <a:t>보다 크다</a:t>
+            </a:r>
+            <a:r>
+              <a:rPr lang="en-US" altLang="ko-KR" sz="2200"/>
+              <a:t>’</a:t>
+            </a:r>
+            <a:r>
+              <a:rPr lang="ko-KR" altLang="en-US" sz="2200"/>
+              <a:t>는 참</a:t>
+            </a:r>
+            <a:r>
+              <a:rPr lang="en-US" altLang="ko-KR" sz="2200"/>
+              <a:t>.</a:t>
+            </a:r>
+          </a:p>
+          <a:p>
+            <a:pPr lvl="0">
+              <a:defRPr/>
+            </a:pPr>
+            <a:r>
+              <a:rPr lang="en-US" altLang="ko-KR" sz="2200"/>
+              <a:t>Ex2) a &gt; b =&gt; 0	//’a</a:t>
+            </a:r>
+            <a:r>
+              <a:rPr lang="ko-KR" altLang="en-US" sz="2200"/>
+              <a:t>가 </a:t>
+            </a:r>
+            <a:r>
+              <a:rPr lang="en-US" altLang="ko-KR" sz="2200"/>
+              <a:t>b</a:t>
+            </a:r>
+            <a:r>
+              <a:rPr lang="ko-KR" altLang="en-US" sz="2200"/>
+              <a:t>보다 크다</a:t>
+            </a:r>
+            <a:r>
+              <a:rPr lang="en-US" altLang="ko-KR" sz="2200"/>
+              <a:t>’</a:t>
+            </a:r>
+            <a:r>
+              <a:rPr lang="ko-KR" altLang="en-US" sz="2200"/>
+              <a:t>는 거짓</a:t>
+            </a:r>
+            <a:r>
+              <a:rPr lang="en-US" altLang="ko-KR" sz="2200"/>
+              <a:t>.</a:t>
+            </a:r>
+          </a:p>
+          <a:p>
+            <a:pPr lvl="0">
+              <a:defRPr/>
+            </a:pPr>
+            <a:r>
+              <a:rPr lang="en-US" altLang="ko-KR" sz="2200"/>
+              <a:t>Ex3) a == b =&gt; 0	//’a</a:t>
+            </a:r>
+            <a:r>
+              <a:rPr lang="ko-KR" altLang="en-US" sz="2200"/>
+              <a:t>와 </a:t>
+            </a:r>
+            <a:r>
+              <a:rPr lang="en-US" altLang="ko-KR" sz="2200"/>
+              <a:t>b</a:t>
+            </a:r>
+            <a:r>
+              <a:rPr lang="ko-KR" altLang="en-US" sz="2200"/>
+              <a:t>는 같다</a:t>
+            </a:r>
+            <a:r>
+              <a:rPr lang="en-US" altLang="ko-KR" sz="2200"/>
+              <a:t>’</a:t>
+            </a:r>
+            <a:r>
+              <a:rPr lang="ko-KR" altLang="en-US" sz="2200"/>
+              <a:t>는 거짓</a:t>
+            </a:r>
+            <a:r>
+              <a:rPr lang="en-US" altLang="ko-KR" sz="2200"/>
+              <a:t>.</a:t>
+            </a:r>
+          </a:p>
+          <a:p>
+            <a:pPr lvl="0">
+              <a:defRPr/>
+            </a:pPr>
+            <a:r>
+              <a:rPr lang="en-US" altLang="ko-KR" sz="2200"/>
+              <a:t>Ex4) a || b =&gt; 1	//’a</a:t>
+            </a:r>
+            <a:r>
+              <a:rPr lang="ko-KR" altLang="en-US" sz="2200"/>
+              <a:t> </a:t>
+            </a:r>
+            <a:r>
+              <a:rPr lang="en-US" altLang="ko-KR" sz="2200"/>
+              <a:t>OR b’</a:t>
+            </a:r>
+            <a:r>
+              <a:rPr lang="ko-KR" altLang="en-US" sz="2200"/>
+              <a:t>는 참</a:t>
+            </a:r>
+            <a:r>
+              <a:rPr lang="en-US" altLang="ko-KR" sz="2200"/>
+              <a:t>.</a:t>
+            </a:r>
+            <a:r>
+              <a:rPr lang="ko-KR" altLang="en-US" sz="2200"/>
+              <a:t> </a:t>
+            </a:r>
+            <a:r>
+              <a:rPr lang="en-US" altLang="ko-KR" sz="2200"/>
+              <a:t>(</a:t>
+            </a:r>
+            <a:r>
+              <a:rPr lang="ko-KR" altLang="en-US" sz="2200"/>
+              <a:t>논리연산</a:t>
+            </a:r>
+            <a:r>
+              <a:rPr lang="en-US" altLang="ko-KR" sz="2200"/>
+              <a:t>)</a:t>
+            </a:r>
+          </a:p>
+          <a:p>
+            <a:pPr lvl="0">
+              <a:defRPr/>
+            </a:pPr>
+            <a:endParaRPr lang="en-US" altLang="ko-KR" sz="1000"/>
+          </a:p>
+          <a:p>
+            <a:pPr lvl="0">
+              <a:defRPr/>
+            </a:pPr>
+            <a:r>
+              <a:rPr lang="ko-KR" altLang="en-US" sz="2400"/>
+              <a:t>위와 같이 부등호와 논리 연산자를 이용해 </a:t>
+            </a:r>
+            <a:r>
+              <a:rPr lang="en-US" altLang="ko-KR" sz="2400"/>
+              <a:t>1</a:t>
+            </a:r>
+            <a:r>
+              <a:rPr lang="ko-KR" altLang="en-US" sz="2400"/>
+              <a:t>과 </a:t>
+            </a:r>
+            <a:r>
+              <a:rPr lang="en-US" altLang="ko-KR" sz="2400"/>
+              <a:t>0</a:t>
+            </a:r>
+            <a:r>
+              <a:rPr lang="ko-KR" altLang="en-US" sz="2400"/>
+              <a:t>의 값을 출력한다</a:t>
+            </a:r>
+            <a:r>
+              <a:rPr lang="en-US" altLang="ko-KR" sz="2400"/>
+              <a:t>.</a:t>
+            </a:r>
+          </a:p>
+        </p:txBody>
+      </p:sp>
+      <p:pic>
+        <p:nvPicPr>
+          <p:cNvPr id="4" name="object 2"/>
+          <p:cNvPicPr/>
+          <p:nvPr/>
+        </p:nvPicPr>
+        <p:blipFill rotWithShape="1">
+          <a:blip r:embed="rId2"/>
+          <a:stretch>
+            <a:fillRect/>
+          </a:stretch>
+        </p:blipFill>
+        <p:spPr>
+          <a:xfrm>
+            <a:off x="8607531" y="1341947"/>
+            <a:ext cx="3089154" cy="3059861"/>
+          </a:xfrm>
+          <a:prstGeom prst="rect">
+            <a:avLst/>
+          </a:prstGeom>
+        </p:spPr>
+      </p:pic>
+    </p:spTree>
+  </p:cSld>
+  <p:clrMapOvr>
+    <a:masterClrMapping/>
+  </p:clrMapOvr>
+  <mc:AlternateContent xmlns:mc="http://schemas.openxmlformats.org/markup-compatibility/2006" xmlns:p14="http://schemas.microsoft.com/office/powerpoint/2010/main">
+    <mc:Choice Requires="p14">
+      <p:transition/>
+    </mc:Choice>
+    <mc:Fallback xmlns:dsp="http://schemas.microsoft.com/office/drawing/2008/diagram" xmlns:dgm="http://schemas.openxmlformats.org/drawingml/2006/diagram" xmlns:c="http://schemas.openxmlformats.org/drawingml/2006/chart" xmlns="">
+      <p:transition/>
+    </mc:Fallback>
+  </mc:AlternateContent>
+</p:sld>
+</file>
+
+<file path=ppt/slides/slide12.xml><?xml version="1.0" encoding="utf-8"?>
+<p:sld xmlns:a="http://schemas.openxmlformats.org/drawingml/2006/main" xmlns:r="http://schemas.openxmlformats.org/officeDocument/2006/relationships" xmlns:p="http://schemas.openxmlformats.org/presentationml/2006/main">
+  <p:cSld>
+    <p:spTree>
+      <p:nvGrpSpPr>
+        <p:cNvPr id="1" name=""/>
+        <p:cNvGrpSpPr/>
+        <p:nvPr/>
+      </p:nvGrpSpPr>
+      <p:grpSpPr>
+        <a:xfrm>
+          <a:off x="0" y="0"/>
+          <a:ext cx="0" cy="0"/>
+          <a:chOff x="0" y="0"/>
+          <a:chExt cx="0" cy="0"/>
+        </a:xfrm>
+      </p:grpSpPr>
+      <p:sp>
+        <p:nvSpPr>
+          <p:cNvPr id="2" name="제목 1"/>
+          <p:cNvSpPr>
+            <a:spLocks noGrp="1"/>
+          </p:cNvSpPr>
+          <p:nvPr>
+            <p:ph type="title"/>
+          </p:nvPr>
+        </p:nvSpPr>
+        <p:spPr/>
+        <p:txBody>
+          <a:bodyPr>
+            <a:normAutofit fontScale="90000"/>
+          </a:bodyPr>
+          <a:lstStyle/>
+          <a:p>
+            <a:pPr lvl="0">
+              <a:defRPr/>
+            </a:pPr>
+            <a:r>
+              <a:rPr lang="ko-KR" altLang="en-US"/>
+              <a:t>제어문</a:t>
+            </a:r>
+            <a:r>
+              <a:rPr lang="en-US" altLang="ko-KR"/>
+              <a:t>1</a:t>
+            </a:r>
+            <a:r>
+              <a:rPr lang="ko-KR" altLang="en-US"/>
+              <a:t> </a:t>
+            </a:r>
+            <a:r>
+              <a:rPr lang="en-US" altLang="ko-KR"/>
+              <a:t>: </a:t>
+            </a:r>
+            <a:r>
+              <a:rPr lang="ko-KR" altLang="en-US" sz="4000"/>
+              <a:t>프로그램의 실행 흐름을 제어하는 문장</a:t>
+            </a:r>
+            <a:endParaRPr lang="ko-KR" altLang="en-US"/>
+          </a:p>
+        </p:txBody>
+      </p:sp>
+      <p:sp>
+        <p:nvSpPr>
+          <p:cNvPr id="3" name="내용 개체 틀 2"/>
+          <p:cNvSpPr>
+            <a:spLocks noGrp="1"/>
+          </p:cNvSpPr>
+          <p:nvPr>
+            <p:ph idx="1"/>
+          </p:nvPr>
+        </p:nvSpPr>
+        <p:spPr>
+          <a:xfrm>
+            <a:off x="369849" y="1269845"/>
+            <a:ext cx="11452301" cy="5223509"/>
+          </a:xfrm>
+        </p:spPr>
+        <p:txBody>
+          <a:bodyPr/>
+          <a:lstStyle/>
+          <a:p>
+            <a:pPr lvl="0">
+              <a:defRPr/>
+            </a:pPr>
+            <a:r>
+              <a:rPr lang="en-US" altLang="ko-KR" sz="2000"/>
+              <a:t>If</a:t>
+            </a:r>
+            <a:r>
+              <a:rPr lang="ko-KR" altLang="en-US" sz="2000"/>
+              <a:t> 문 </a:t>
+            </a:r>
+            <a:r>
+              <a:rPr lang="en-US" altLang="ko-KR" sz="2000"/>
+              <a:t>(</a:t>
+            </a:r>
+            <a:r>
+              <a:rPr lang="ko-KR" altLang="en-US" sz="2000"/>
+              <a:t>만약에 </a:t>
+            </a:r>
+            <a:r>
+              <a:rPr lang="en-US" altLang="ko-KR" sz="2000"/>
+              <a:t>~ </a:t>
+            </a:r>
+            <a:r>
+              <a:rPr lang="ko-KR" altLang="en-US" sz="2000"/>
+              <a:t>라면</a:t>
+            </a:r>
+            <a:r>
+              <a:rPr lang="en-US" altLang="ko-KR" sz="2000"/>
+              <a:t>) : </a:t>
+            </a:r>
+            <a:r>
+              <a:rPr lang="ko-KR" altLang="en-US" sz="2000"/>
+              <a:t>어떤 조건이 참인지 거짓인지 확인하고 맞는 조건의 작업을 수행하는 도구</a:t>
+            </a:r>
+            <a:r>
+              <a:rPr lang="en-US" altLang="ko-KR" sz="2000"/>
+              <a:t>.</a:t>
+            </a:r>
+          </a:p>
+          <a:p>
+            <a:pPr lvl="0">
+              <a:defRPr/>
+            </a:pPr>
+            <a:r>
+              <a:rPr lang="en-US" altLang="ko-KR" sz="2000"/>
+              <a:t>Ex)</a:t>
+            </a:r>
+            <a:r>
+              <a:rPr lang="ko-KR" altLang="en-US" sz="2000"/>
+              <a:t>오늘 비가 오는가</a:t>
+            </a:r>
+            <a:r>
+              <a:rPr lang="en-US" altLang="ko-KR" sz="2000"/>
+              <a:t>? / </a:t>
+            </a:r>
+            <a:r>
+              <a:rPr lang="ko-KR" altLang="en-US" sz="2000"/>
+              <a:t>참 </a:t>
+            </a:r>
+            <a:r>
+              <a:rPr lang="en-US" altLang="ko-KR" sz="2000"/>
+              <a:t>=&gt; </a:t>
+            </a:r>
+            <a:r>
+              <a:rPr lang="ko-KR" altLang="en-US" sz="2000"/>
+              <a:t>우산을 챙긴다</a:t>
+            </a:r>
+            <a:r>
+              <a:rPr lang="en-US" altLang="ko-KR" sz="2000"/>
+              <a:t>. </a:t>
+            </a:r>
+          </a:p>
+          <a:p>
+            <a:pPr lvl="0">
+              <a:defRPr/>
+            </a:pPr>
+            <a:endParaRPr lang="en-US" altLang="ko-KR" sz="1050"/>
+          </a:p>
+          <a:p>
+            <a:pPr lvl="0">
+              <a:defRPr/>
+            </a:pPr>
+            <a:r>
+              <a:rPr lang="en-US" altLang="ko-KR" sz="2000"/>
+              <a:t>Else</a:t>
+            </a:r>
+            <a:r>
+              <a:rPr lang="ko-KR" altLang="en-US" sz="2000"/>
+              <a:t> </a:t>
+            </a:r>
+            <a:r>
+              <a:rPr lang="en-US" altLang="ko-KR" sz="2000"/>
+              <a:t>: </a:t>
+            </a:r>
+            <a:r>
+              <a:rPr lang="ko-KR" altLang="en-US" sz="2000"/>
+              <a:t>위 </a:t>
+            </a:r>
+            <a:r>
+              <a:rPr lang="en-US" altLang="ko-KR" sz="2000"/>
+              <a:t>If</a:t>
+            </a:r>
+            <a:r>
+              <a:rPr lang="ko-KR" altLang="en-US" sz="2000"/>
+              <a:t>문에서 거짓일 경우</a:t>
+            </a:r>
+            <a:r>
+              <a:rPr lang="en-US" altLang="ko-KR" sz="2000"/>
+              <a:t>, </a:t>
+            </a:r>
+            <a:r>
+              <a:rPr lang="ko-KR" altLang="en-US" sz="2000"/>
+              <a:t>추가적인 조건 없이 정해진 작업을 수행하는 도구</a:t>
+            </a:r>
+            <a:r>
+              <a:rPr lang="en-US" altLang="ko-KR" sz="2000"/>
+              <a:t>.</a:t>
+            </a:r>
+          </a:p>
+          <a:p>
+            <a:pPr lvl="0">
+              <a:defRPr/>
+            </a:pPr>
+            <a:r>
+              <a:rPr lang="en-US" altLang="ko-KR" sz="2000"/>
+              <a:t>Ex)</a:t>
+            </a:r>
+            <a:r>
+              <a:rPr lang="ko-KR" altLang="en-US" sz="2000"/>
+              <a:t>오늘 비가 오는가</a:t>
+            </a:r>
+            <a:r>
+              <a:rPr lang="en-US" altLang="ko-KR" sz="2000"/>
+              <a:t>?</a:t>
+            </a:r>
+            <a:r>
+              <a:rPr lang="en-US" altLang="ko-KR" sz="2400"/>
+              <a:t> / </a:t>
+            </a:r>
+            <a:r>
+              <a:rPr lang="ko-KR" altLang="en-US" sz="2000"/>
+              <a:t>거짓 </a:t>
+            </a:r>
+            <a:r>
+              <a:rPr lang="en-US" altLang="ko-KR" sz="2000"/>
+              <a:t>=&gt; </a:t>
+            </a:r>
+            <a:r>
+              <a:rPr lang="ko-KR" altLang="en-US" sz="2000"/>
+              <a:t>그냥 놀러 나간다</a:t>
+            </a:r>
+            <a:r>
+              <a:rPr lang="en-US" altLang="ko-KR" sz="2000"/>
+              <a:t>.</a:t>
+            </a:r>
+          </a:p>
+          <a:p>
+            <a:pPr lvl="0">
+              <a:defRPr/>
+            </a:pPr>
+            <a:endParaRPr lang="en-US" altLang="ko-KR" sz="1050"/>
+          </a:p>
+          <a:p>
+            <a:pPr lvl="0" algn="just">
+              <a:defRPr/>
+            </a:pPr>
+            <a:r>
+              <a:rPr lang="en-US" altLang="ko-KR" sz="2000"/>
+              <a:t>Else if</a:t>
+            </a:r>
+            <a:r>
+              <a:rPr lang="ko-KR" altLang="en-US" sz="2000"/>
+              <a:t> </a:t>
+            </a:r>
+            <a:r>
+              <a:rPr lang="en-US" altLang="ko-KR" sz="2000"/>
+              <a:t>: </a:t>
+            </a:r>
+            <a:r>
+              <a:rPr lang="ko-KR" altLang="en-US" sz="2000"/>
+              <a:t>위 </a:t>
+            </a:r>
+            <a:r>
+              <a:rPr lang="en-US" altLang="ko-KR" sz="2000"/>
+              <a:t>If</a:t>
+            </a:r>
+            <a:r>
+              <a:rPr lang="ko-KR" altLang="en-US" sz="2000"/>
+              <a:t>문에서 거짓일 경우</a:t>
+            </a:r>
+            <a:r>
+              <a:rPr lang="en-US" altLang="ko-KR" sz="2000"/>
+              <a:t>, </a:t>
+            </a:r>
+            <a:r>
+              <a:rPr lang="ko-KR" altLang="en-US" sz="2000"/>
+              <a:t>다른 조건에 충족하는지에 따라 참이면 작업을 수행하는 도구</a:t>
+            </a:r>
+            <a:r>
+              <a:rPr lang="en-US" altLang="ko-KR" sz="2000"/>
+              <a:t>.</a:t>
+            </a:r>
+          </a:p>
+          <a:p>
+            <a:pPr lvl="0">
+              <a:defRPr/>
+            </a:pPr>
+            <a:r>
+              <a:rPr lang="en-US" altLang="ko-KR" sz="2000"/>
+              <a:t>Ex)</a:t>
+            </a:r>
+            <a:r>
+              <a:rPr lang="ko-KR" altLang="en-US" sz="2000"/>
+              <a:t>오늘 비가 오는가</a:t>
+            </a:r>
+            <a:r>
+              <a:rPr lang="en-US" altLang="ko-KR" sz="2000"/>
+              <a:t>? / </a:t>
+            </a:r>
+            <a:r>
+              <a:rPr lang="ko-KR" altLang="en-US" sz="2000"/>
+              <a:t>거짓 </a:t>
+            </a:r>
+            <a:r>
+              <a:rPr lang="en-US" altLang="ko-KR" sz="2000"/>
+              <a:t>=&gt; </a:t>
+            </a:r>
+            <a:r>
+              <a:rPr lang="ko-KR" altLang="en-US" sz="2000"/>
+              <a:t>오늘 눈이 오는가</a:t>
+            </a:r>
+            <a:r>
+              <a:rPr lang="en-US" altLang="ko-KR" sz="2000"/>
+              <a:t>? / </a:t>
+            </a:r>
+            <a:r>
+              <a:rPr lang="ko-KR" altLang="en-US" sz="2000"/>
+              <a:t>참 </a:t>
+            </a:r>
+            <a:r>
+              <a:rPr lang="en-US" altLang="ko-KR" sz="2000"/>
+              <a:t>=&gt; </a:t>
+            </a:r>
+            <a:r>
+              <a:rPr lang="ko-KR" altLang="en-US" sz="2000"/>
+              <a:t>패딩을 입는다</a:t>
+            </a:r>
+            <a:r>
+              <a:rPr lang="en-US" altLang="ko-KR" sz="2000"/>
+              <a:t>.</a:t>
+            </a:r>
+          </a:p>
+          <a:p>
+            <a:pPr lvl="0">
+              <a:defRPr/>
+            </a:pPr>
+            <a:r>
+              <a:rPr lang="en-US" altLang="ko-KR" sz="2000"/>
+              <a:t># </a:t>
+            </a:r>
+            <a:r>
+              <a:rPr lang="ko-KR" altLang="en-US" sz="2000"/>
+              <a:t>예제 코드</a:t>
+            </a:r>
+          </a:p>
+          <a:p>
+            <a:pPr lvl="0">
+              <a:defRPr/>
+            </a:pPr>
+            <a:r>
+              <a:rPr lang="en-US" altLang="ko-KR" sz="1200" b="1"/>
+              <a:t>If (</a:t>
+            </a:r>
+            <a:r>
+              <a:rPr lang="ko-KR" altLang="en-US" sz="1200" b="1"/>
+              <a:t>비가 오는가</a:t>
+            </a:r>
+            <a:r>
+              <a:rPr lang="en-US" altLang="ko-KR" sz="1200" b="1"/>
+              <a:t>?) {</a:t>
+            </a:r>
+            <a:br>
+              <a:rPr lang="en-US" altLang="ko-KR" sz="1200" b="1"/>
+            </a:br>
+            <a:r>
+              <a:rPr lang="en-US" altLang="ko-KR" sz="1200" b="1"/>
+              <a:t>	</a:t>
+            </a:r>
+            <a:r>
+              <a:rPr lang="ko-KR" altLang="en-US" sz="1200" b="1"/>
+              <a:t>우산을 가져간다</a:t>
+            </a:r>
+            <a:r>
+              <a:rPr lang="en-US" altLang="ko-KR" sz="1200" b="1"/>
+              <a:t>();  //</a:t>
+            </a:r>
+            <a:r>
+              <a:rPr lang="ko-KR" altLang="en-US" sz="1200" b="1"/>
+              <a:t>비 올 때 우산을 가져가는 코드</a:t>
+            </a:r>
+            <a:br>
+              <a:rPr lang="en-US" altLang="ko-KR" sz="1200" b="1"/>
+            </a:br>
+            <a:r>
+              <a:rPr lang="en-US" altLang="ko-KR" sz="1200" b="1"/>
+              <a:t>}</a:t>
+            </a:r>
+            <a:br>
+              <a:rPr lang="en-US" altLang="ko-KR" sz="1200" b="1"/>
+            </a:br>
+            <a:r>
+              <a:rPr lang="en-US" altLang="ko-KR" sz="1200" b="1"/>
+              <a:t>Else if (</a:t>
+            </a:r>
+            <a:r>
+              <a:rPr lang="ko-KR" altLang="en-US" sz="1200" b="1"/>
+              <a:t>눈이 오는가</a:t>
+            </a:r>
+            <a:r>
+              <a:rPr lang="en-US" altLang="ko-KR" sz="1200" b="1"/>
+              <a:t>?) {</a:t>
+            </a:r>
+            <a:br>
+              <a:rPr lang="en-US" altLang="ko-KR" sz="1200" b="1"/>
+            </a:br>
+            <a:r>
+              <a:rPr lang="en-US" altLang="ko-KR" sz="1200" b="1"/>
+              <a:t>	</a:t>
+            </a:r>
+            <a:r>
+              <a:rPr lang="ko-KR" altLang="en-US" sz="1200" b="1"/>
+              <a:t>패딩을 입는다</a:t>
+            </a:r>
+            <a:r>
+              <a:rPr lang="en-US" altLang="ko-KR" sz="1200" b="1"/>
+              <a:t>();     //</a:t>
+            </a:r>
+            <a:r>
+              <a:rPr lang="ko-KR" altLang="en-US" sz="1200" b="1"/>
+              <a:t>눈 올 때 패딩을 입는 코드</a:t>
+            </a:r>
+            <a:br>
+              <a:rPr lang="en-US" altLang="ko-KR" sz="1200" b="1"/>
+            </a:br>
+            <a:r>
+              <a:rPr lang="en-US" altLang="ko-KR" sz="1200" b="1"/>
+              <a:t>}</a:t>
+            </a:r>
+            <a:br>
+              <a:rPr lang="en-US" altLang="ko-KR" sz="1200" b="1"/>
+            </a:br>
+            <a:r>
+              <a:rPr lang="en-US" altLang="ko-KR" sz="1200" b="1"/>
+              <a:t>else {</a:t>
+            </a:r>
+            <a:br>
+              <a:rPr lang="en-US" altLang="ko-KR" sz="1200" b="1"/>
+            </a:br>
+            <a:r>
+              <a:rPr lang="en-US" altLang="ko-KR" sz="1200" b="1"/>
+              <a:t>	</a:t>
+            </a:r>
+            <a:r>
+              <a:rPr lang="ko-KR" altLang="en-US" sz="1200" b="1"/>
+              <a:t>그냥 놀러 나간다</a:t>
+            </a:r>
+            <a:r>
+              <a:rPr lang="en-US" altLang="ko-KR" sz="1200" b="1"/>
+              <a:t>(); //</a:t>
+            </a:r>
+            <a:r>
+              <a:rPr lang="ko-KR" altLang="en-US" sz="1200" b="1"/>
+              <a:t>날씨가 좋을 때 그냥 나가는 코드</a:t>
+            </a:r>
+          </a:p>
+          <a:p>
+            <a:pPr lvl="0">
+              <a:defRPr/>
+            </a:pPr>
+            <a:r>
+              <a:rPr lang="en-US" altLang="ko-KR" sz="1200" b="1"/>
+              <a:t>}</a:t>
+            </a:r>
+          </a:p>
+        </p:txBody>
+      </p:sp>
+    </p:spTree>
+  </p:cSld>
+  <p:clrMapOvr>
+    <a:masterClrMapping/>
+  </p:clrMapOvr>
+  <mc:AlternateContent xmlns:mc="http://schemas.openxmlformats.org/markup-compatibility/2006" xmlns:p14="http://schemas.microsoft.com/office/powerpoint/2010/main">
+    <mc:Choice Requires="p14">
+      <p:transition/>
+    </mc:Choice>
+    <mc:Fallback xmlns:dsp="http://schemas.microsoft.com/office/drawing/2008/diagram" xmlns:dgm="http://schemas.openxmlformats.org/drawingml/2006/diagram" xmlns:c="http://schemas.openxmlformats.org/drawingml/2006/chart" xmlns="">
+      <p:transition/>
+    </mc:Fallback>
+  </mc:AlternateContent>
+</p:sld>
+</file>
+
+<file path=ppt/slides/slide13.xml><?xml version="1.0" encoding="utf-8"?>
+<p:sld xmlns:a="http://schemas.openxmlformats.org/drawingml/2006/main" xmlns:r="http://schemas.openxmlformats.org/officeDocument/2006/relationships" xmlns:p="http://schemas.openxmlformats.org/presentationml/2006/main">
+  <p:cSld>
+    <p:spTree>
+      <p:nvGrpSpPr>
+        <p:cNvPr id="1" name=""/>
+        <p:cNvGrpSpPr/>
+        <p:nvPr/>
+      </p:nvGrpSpPr>
+      <p:grpSpPr>
+        <a:xfrm>
+          <a:off x="0" y="0"/>
+          <a:ext cx="0" cy="0"/>
+          <a:chOff x="0" y="0"/>
+          <a:chExt cx="0" cy="0"/>
+        </a:xfrm>
+      </p:grpSpPr>
+      <p:sp>
+        <p:nvSpPr>
+          <p:cNvPr id="2" name="제목 1"/>
+          <p:cNvSpPr>
+            <a:spLocks noGrp="1"/>
+          </p:cNvSpPr>
+          <p:nvPr>
+            <p:ph type="title"/>
+          </p:nvPr>
+        </p:nvSpPr>
+        <p:spPr/>
+        <p:txBody>
+          <a:bodyPr/>
+          <a:lstStyle/>
+          <a:p>
+            <a:pPr lvl="0">
+              <a:defRPr/>
+            </a:pPr>
+            <a:r>
+              <a:rPr lang="ko-KR" altLang="en-US"/>
+              <a:t>문제 풀이</a:t>
+            </a:r>
+          </a:p>
+        </p:txBody>
+      </p:sp>
+      <p:sp>
+        <p:nvSpPr>
+          <p:cNvPr id="3" name="내용 개체 틀 2"/>
+          <p:cNvSpPr>
+            <a:spLocks noGrp="1"/>
+          </p:cNvSpPr>
+          <p:nvPr>
+            <p:ph idx="1"/>
+          </p:nvPr>
+        </p:nvSpPr>
+        <p:spPr>
+          <a:xfrm>
+            <a:off x="3751636" y="2095799"/>
+            <a:ext cx="4688728" cy="2666402"/>
+          </a:xfrm>
+        </p:spPr>
+        <p:txBody>
+          <a:bodyPr>
+            <a:normAutofit fontScale="92500"/>
+          </a:bodyPr>
+          <a:lstStyle/>
+          <a:p>
+            <a:pPr marL="0" lvl="0" indent="0" algn="ctr">
+              <a:lnSpc>
+                <a:spcPct val="300000"/>
+              </a:lnSpc>
+              <a:buNone/>
+              <a:defRPr/>
+            </a:pPr>
+            <a:r>
+              <a:rPr lang="en-US" altLang="ko-KR" dirty="0" err="1"/>
+              <a:t>Codeup</a:t>
+            </a:r>
+            <a:r>
+              <a:rPr lang="en-US" altLang="ko-KR" dirty="0"/>
+              <a:t> </a:t>
+            </a:r>
+            <a:r>
+              <a:rPr lang="ko-KR" altLang="en-US" dirty="0"/>
+              <a:t>풀이하기</a:t>
+            </a:r>
+          </a:p>
+          <a:p>
+            <a:pPr marL="0" lvl="0" indent="0" algn="ctr">
+              <a:lnSpc>
+                <a:spcPct val="300000"/>
+              </a:lnSpc>
+              <a:buNone/>
+              <a:defRPr/>
+            </a:pPr>
+            <a:r>
+              <a:rPr lang="en-US" altLang="ko-KR" dirty="0"/>
+              <a:t>1049,</a:t>
+            </a:r>
+            <a:r>
+              <a:rPr lang="ko-KR" altLang="en-US" dirty="0"/>
+              <a:t> </a:t>
+            </a:r>
+            <a:r>
+              <a:rPr lang="en-US" altLang="ko-KR" dirty="0"/>
+              <a:t>1051,</a:t>
+            </a:r>
+            <a:r>
+              <a:rPr lang="ko-KR" altLang="en-US" dirty="0"/>
+              <a:t> </a:t>
+            </a:r>
+            <a:r>
+              <a:rPr lang="en-US" altLang="ko-KR" dirty="0"/>
+              <a:t>1053</a:t>
+            </a:r>
+            <a:r>
+              <a:rPr lang="ko-KR" altLang="en-US" dirty="0"/>
+              <a:t>번까지 풀기</a:t>
+            </a:r>
+          </a:p>
+        </p:txBody>
+      </p:sp>
+    </p:spTree>
+  </p:cSld>
+  <p:clrMapOvr>
+    <a:masterClrMapping/>
+  </p:clrMapOvr>
+  <mc:AlternateContent xmlns:mc="http://schemas.openxmlformats.org/markup-compatibility/2006" xmlns:p14="http://schemas.microsoft.com/office/powerpoint/2010/main">
+    <mc:Choice Requires="p14">
+      <p:transition/>
+    </mc:Choice>
+    <mc:Fallback xmlns:dsp="http://schemas.microsoft.com/office/drawing/2008/diagram" xmlns:dgm="http://schemas.openxmlformats.org/drawingml/2006/diagram" xmlns:c="http://schemas.openxmlformats.org/drawingml/2006/chart" xmlns="">
+      <p:transition/>
+    </mc:Fallback>
+  </mc:AlternateContent>
+</p:sld>
+</file>
+
+<file path=ppt/slides/slide14.xml><?xml version="1.0" encoding="utf-8"?>
+<p:sld xmlns:a="http://schemas.openxmlformats.org/drawingml/2006/main" xmlns:r="http://schemas.openxmlformats.org/officeDocument/2006/relationships" xmlns:p="http://schemas.openxmlformats.org/presentationml/2006/main">
+  <p:cSld>
+    <p:spTree>
+      <p:nvGrpSpPr>
+        <p:cNvPr id="1" name=""/>
+        <p:cNvGrpSpPr/>
+        <p:nvPr/>
+      </p:nvGrpSpPr>
+      <p:grpSpPr>
+        <a:xfrm>
+          <a:off x="0" y="0"/>
+          <a:ext cx="0" cy="0"/>
+          <a:chOff x="0" y="0"/>
+          <a:chExt cx="0" cy="0"/>
+        </a:xfrm>
+      </p:grpSpPr>
+      <p:sp>
+        <p:nvSpPr>
+          <p:cNvPr id="2" name="제목 1">
+            <a:extLst>
+              <a:ext uri="{FF2B5EF4-FFF2-40B4-BE49-F238E27FC236}">
+                <a16:creationId xmlns:a16="http://schemas.microsoft.com/office/drawing/2014/main" id="{0743F23E-AA9A-39EE-9ACF-C121FC7EC016}"/>
+              </a:ext>
+            </a:extLst>
+          </p:cNvPr>
+          <p:cNvSpPr>
+            <a:spLocks noGrp="1"/>
+          </p:cNvSpPr>
+          <p:nvPr>
+            <p:ph type="title"/>
+          </p:nvPr>
+        </p:nvSpPr>
+        <p:spPr/>
+        <p:txBody>
+          <a:bodyPr>
+            <a:normAutofit fontScale="90000"/>
+          </a:bodyPr>
+          <a:lstStyle/>
+          <a:p>
+            <a:r>
+              <a:rPr lang="ko-KR" altLang="en-US" dirty="0" err="1"/>
+              <a:t>제어문</a:t>
+            </a:r>
+            <a:r>
+              <a:rPr lang="en-US" altLang="ko-KR" dirty="0"/>
+              <a:t>2</a:t>
+            </a:r>
+            <a:r>
+              <a:rPr lang="ko-KR" altLang="en-US" dirty="0"/>
+              <a:t> </a:t>
+            </a:r>
+            <a:r>
+              <a:rPr lang="en-US" altLang="ko-KR" dirty="0"/>
+              <a:t>: </a:t>
+            </a:r>
+            <a:r>
+              <a:rPr lang="ko-KR" altLang="en-US" sz="4000" dirty="0"/>
+              <a:t>프로그램의 실행흐름을 제어하는 문장</a:t>
+            </a:r>
+            <a:endParaRPr lang="ko-KR" altLang="en-US" dirty="0"/>
+          </a:p>
+        </p:txBody>
+      </p:sp>
+      <p:sp>
+        <p:nvSpPr>
+          <p:cNvPr id="3" name="내용 개체 틀 2">
+            <a:extLst>
+              <a:ext uri="{FF2B5EF4-FFF2-40B4-BE49-F238E27FC236}">
+                <a16:creationId xmlns:a16="http://schemas.microsoft.com/office/drawing/2014/main" id="{2E722D8F-488B-F34F-058E-5E9EA42959C1}"/>
+              </a:ext>
+            </a:extLst>
+          </p:cNvPr>
+          <p:cNvSpPr>
+            <a:spLocks noGrp="1"/>
+          </p:cNvSpPr>
+          <p:nvPr>
+            <p:ph idx="1"/>
+          </p:nvPr>
+        </p:nvSpPr>
+        <p:spPr>
+          <a:xfrm>
+            <a:off x="369849" y="1269845"/>
+            <a:ext cx="11452301" cy="5223509"/>
+          </a:xfrm>
+        </p:spPr>
+        <p:txBody>
+          <a:bodyPr>
+            <a:normAutofit/>
+          </a:bodyPr>
+          <a:lstStyle/>
+          <a:p>
+            <a:r>
+              <a:rPr lang="en-US" altLang="ko-KR" sz="2400" dirty="0"/>
+              <a:t>For </a:t>
+            </a:r>
+            <a:r>
+              <a:rPr lang="ko-KR" altLang="en-US" sz="2400" dirty="0"/>
+              <a:t>문 </a:t>
+            </a:r>
+            <a:r>
+              <a:rPr lang="en-US" altLang="ko-KR" sz="2400" dirty="0"/>
+              <a:t>: c</a:t>
+            </a:r>
+            <a:r>
+              <a:rPr lang="ko-KR" altLang="en-US" sz="2400" dirty="0"/>
+              <a:t>언어의 대표적인 </a:t>
+            </a:r>
+            <a:r>
+              <a:rPr lang="ko-KR" altLang="en-US" sz="2400" dirty="0" err="1"/>
+              <a:t>반복문</a:t>
+            </a:r>
+            <a:r>
+              <a:rPr lang="en-US" altLang="ko-KR" sz="2400" dirty="0"/>
+              <a:t>. </a:t>
+            </a:r>
+            <a:r>
+              <a:rPr lang="ko-KR" altLang="en-US" sz="2400" dirty="0"/>
+              <a:t>다양한 곳에서 사용된다</a:t>
+            </a:r>
+            <a:r>
+              <a:rPr lang="en-US" altLang="ko-KR" sz="2400" dirty="0"/>
+              <a:t>.</a:t>
+            </a:r>
+          </a:p>
+          <a:p>
+            <a:r>
+              <a:rPr lang="ko-KR" altLang="en-US" sz="2400" dirty="0"/>
+              <a:t>기본형식으로는 </a:t>
+            </a:r>
+            <a:r>
+              <a:rPr lang="en-US" altLang="ko-KR" sz="2400" dirty="0"/>
+              <a:t>for(</a:t>
+            </a:r>
+            <a:r>
+              <a:rPr lang="ko-KR" altLang="en-US" sz="2400" dirty="0"/>
+              <a:t>초기값</a:t>
+            </a:r>
+            <a:r>
+              <a:rPr lang="en-US" altLang="ko-KR" sz="2400" dirty="0"/>
+              <a:t>; </a:t>
+            </a:r>
+            <a:r>
+              <a:rPr lang="ko-KR" altLang="en-US" sz="2400" dirty="0"/>
+              <a:t>조건식</a:t>
+            </a:r>
+            <a:r>
+              <a:rPr lang="en-US" altLang="ko-KR" sz="2400" dirty="0"/>
+              <a:t>; </a:t>
+            </a:r>
+            <a:r>
+              <a:rPr lang="ko-KR" altLang="en-US" sz="2400" dirty="0" err="1"/>
+              <a:t>증감식</a:t>
+            </a:r>
+            <a:r>
+              <a:rPr lang="en-US" altLang="ko-KR" sz="2400" dirty="0"/>
+              <a:t>)</a:t>
+            </a:r>
+            <a:r>
+              <a:rPr lang="ko-KR" altLang="en-US" sz="2400" dirty="0"/>
+              <a:t>의 형태를 지님</a:t>
+            </a:r>
+            <a:r>
+              <a:rPr lang="en-US" altLang="ko-KR" sz="2400" dirty="0"/>
+              <a:t>.</a:t>
+            </a:r>
+          </a:p>
+          <a:p>
+            <a:endParaRPr lang="en-US" altLang="ko-KR" sz="2400" dirty="0"/>
+          </a:p>
+          <a:p>
+            <a:r>
+              <a:rPr lang="en-US" altLang="ko-KR" sz="2400" dirty="0"/>
+              <a:t>Ex) for(int </a:t>
+            </a:r>
+            <a:r>
+              <a:rPr lang="en-US" altLang="ko-KR" sz="2400" dirty="0" err="1"/>
+              <a:t>i</a:t>
+            </a:r>
+            <a:r>
+              <a:rPr lang="en-US" altLang="ko-KR" sz="2400" dirty="0"/>
+              <a:t>=0; </a:t>
+            </a:r>
+            <a:r>
+              <a:rPr lang="en-US" altLang="ko-KR" sz="2400" dirty="0" err="1"/>
+              <a:t>i</a:t>
+            </a:r>
+            <a:r>
+              <a:rPr lang="en-US" altLang="ko-KR" sz="2400" dirty="0"/>
+              <a:t>&gt;10; </a:t>
+            </a:r>
+            <a:r>
+              <a:rPr lang="en-US" altLang="ko-KR" sz="2400" dirty="0" err="1"/>
+              <a:t>i</a:t>
+            </a:r>
+            <a:r>
+              <a:rPr lang="en-US" altLang="ko-KR" sz="2400" dirty="0"/>
+              <a:t>++){</a:t>
+            </a:r>
+            <a:br>
+              <a:rPr lang="en-US" altLang="ko-KR" sz="2400" dirty="0"/>
+            </a:br>
+            <a:r>
+              <a:rPr lang="en-US" altLang="ko-KR" sz="2400" dirty="0"/>
+              <a:t>	</a:t>
+            </a:r>
+            <a:r>
+              <a:rPr lang="en-US" altLang="ko-KR" sz="2400" dirty="0" err="1"/>
+              <a:t>printf</a:t>
+            </a:r>
+            <a:r>
+              <a:rPr lang="en-US" altLang="ko-KR" sz="2400" dirty="0"/>
+              <a:t>(“</a:t>
+            </a:r>
+            <a:r>
+              <a:rPr lang="ko-KR" altLang="en-US" sz="2400" dirty="0"/>
+              <a:t>안녕하세요</a:t>
+            </a:r>
+            <a:r>
+              <a:rPr lang="en-US" altLang="ko-KR" sz="2400" dirty="0"/>
+              <a:t>”);	//</a:t>
+            </a:r>
+            <a:r>
+              <a:rPr lang="en-US" altLang="ko-KR" sz="2400" dirty="0" err="1"/>
+              <a:t>i</a:t>
+            </a:r>
+            <a:r>
+              <a:rPr lang="ko-KR" altLang="en-US" sz="2400" dirty="0"/>
+              <a:t>가 </a:t>
+            </a:r>
+            <a:r>
+              <a:rPr lang="en-US" altLang="ko-KR" sz="2400" dirty="0"/>
+              <a:t>10</a:t>
+            </a:r>
+            <a:r>
+              <a:rPr lang="ko-KR" altLang="en-US" sz="2400" dirty="0"/>
+              <a:t>보다 클 때까지 안녕하세요 출력</a:t>
+            </a:r>
+            <a:r>
+              <a:rPr lang="en-US" altLang="ko-KR" sz="2400" dirty="0"/>
+              <a:t>.</a:t>
+            </a:r>
+            <a:br>
+              <a:rPr lang="en-US" altLang="ko-KR" sz="2400" dirty="0"/>
+            </a:br>
+            <a:r>
+              <a:rPr lang="en-US" altLang="ko-KR" sz="2400" dirty="0"/>
+              <a:t>     }</a:t>
+            </a:r>
+          </a:p>
+          <a:p>
+            <a:r>
+              <a:rPr lang="en-US" altLang="ko-KR" sz="2400" dirty="0"/>
+              <a:t>Ex) for(</a:t>
+            </a:r>
+            <a:r>
+              <a:rPr lang="en-US" altLang="ko-KR" sz="2400" dirty="0" err="1"/>
+              <a:t>int</a:t>
+            </a:r>
+            <a:r>
+              <a:rPr lang="en-US" altLang="ko-KR" sz="2400" dirty="0"/>
+              <a:t> x=1; x&gt;10; x++){	//x</a:t>
+            </a:r>
+            <a:r>
+              <a:rPr lang="ko-KR" altLang="en-US" sz="2400" dirty="0"/>
+              <a:t>를 </a:t>
+            </a:r>
+            <a:r>
+              <a:rPr lang="en-US" altLang="ko-KR" sz="2400" dirty="0"/>
+              <a:t>1</a:t>
+            </a:r>
+            <a:r>
+              <a:rPr lang="ko-KR" altLang="en-US" sz="2400" dirty="0"/>
+              <a:t>부터 </a:t>
+            </a:r>
+            <a:r>
+              <a:rPr lang="en-US" altLang="ko-KR" sz="2400" dirty="0"/>
+              <a:t>9</a:t>
+            </a:r>
+            <a:r>
+              <a:rPr lang="ko-KR" altLang="en-US" sz="2400" dirty="0"/>
+              <a:t>까지 실행</a:t>
+            </a:r>
+            <a:br>
+              <a:rPr lang="en-US" altLang="ko-KR" sz="2400" dirty="0"/>
+            </a:br>
+            <a:r>
+              <a:rPr lang="en-US" altLang="ko-KR" sz="2400" dirty="0"/>
+              <a:t>	for(</a:t>
+            </a:r>
+            <a:r>
+              <a:rPr lang="en-US" altLang="ko-KR" sz="2400" dirty="0" err="1"/>
+              <a:t>int</a:t>
+            </a:r>
+            <a:r>
+              <a:rPr lang="en-US" altLang="ko-KR" sz="2400" dirty="0"/>
+              <a:t> y=1; y&gt;10; y++){	//y</a:t>
+            </a:r>
+            <a:r>
+              <a:rPr lang="ko-KR" altLang="en-US" sz="2400" dirty="0"/>
+              <a:t>를 </a:t>
+            </a:r>
+            <a:r>
+              <a:rPr lang="en-US" altLang="ko-KR" sz="2400" dirty="0"/>
+              <a:t>1</a:t>
+            </a:r>
+            <a:r>
+              <a:rPr lang="ko-KR" altLang="en-US" sz="2400" dirty="0"/>
+              <a:t>부터 </a:t>
+            </a:r>
+            <a:r>
+              <a:rPr lang="en-US" altLang="ko-KR" sz="2400" dirty="0"/>
+              <a:t>9</a:t>
+            </a:r>
+            <a:r>
+              <a:rPr lang="ko-KR" altLang="en-US" sz="2400" dirty="0"/>
+              <a:t>까지 실행</a:t>
+            </a:r>
+            <a:br>
+              <a:rPr lang="en-US" altLang="ko-KR" sz="2400" dirty="0"/>
+            </a:br>
+            <a:r>
+              <a:rPr lang="en-US" altLang="ko-KR" sz="2400" dirty="0"/>
+              <a:t>		</a:t>
+            </a:r>
+            <a:r>
+              <a:rPr lang="en-US" altLang="ko-KR" sz="2400" dirty="0" err="1"/>
+              <a:t>printf</a:t>
+            </a:r>
+            <a:r>
+              <a:rPr lang="en-US" altLang="ko-KR" sz="2400" dirty="0"/>
+              <a:t>(“%d * %d = %d\n”, x, y, x*y);	//x</a:t>
+            </a:r>
+            <a:r>
+              <a:rPr lang="ko-KR" altLang="en-US" sz="2400" dirty="0"/>
+              <a:t>와 </a:t>
+            </a:r>
+            <a:r>
+              <a:rPr lang="en-US" altLang="ko-KR" sz="2400" dirty="0"/>
+              <a:t>y</a:t>
+            </a:r>
+            <a:r>
+              <a:rPr lang="ko-KR" altLang="en-US" sz="2400" dirty="0"/>
+              <a:t>값을 </a:t>
+            </a:r>
+            <a:r>
+              <a:rPr lang="ko-KR" altLang="en-US" sz="2400" dirty="0" err="1"/>
+              <a:t>곱한값을</a:t>
+            </a:r>
+            <a:r>
+              <a:rPr lang="ko-KR" altLang="en-US" sz="2400" dirty="0"/>
+              <a:t> 출력</a:t>
+            </a:r>
+            <a:r>
+              <a:rPr lang="en-US" altLang="ko-KR" sz="2400" dirty="0"/>
+              <a:t>.</a:t>
+            </a:r>
+            <a:br>
+              <a:rPr lang="en-US" altLang="ko-KR" sz="1600" dirty="0"/>
+            </a:br>
+            <a:r>
+              <a:rPr lang="en-US" altLang="ko-KR" sz="1600" dirty="0"/>
+              <a:t>	</a:t>
+            </a:r>
+            <a:r>
+              <a:rPr lang="en-US" altLang="ko-KR" sz="2400" dirty="0"/>
+              <a:t>}</a:t>
+            </a:r>
+            <a:br>
+              <a:rPr lang="en-US" altLang="ko-KR" sz="2400" dirty="0"/>
+            </a:br>
+            <a:r>
+              <a:rPr lang="en-US" altLang="ko-KR" sz="2400" dirty="0"/>
+              <a:t>	</a:t>
+            </a:r>
+            <a:r>
+              <a:rPr lang="en-US" altLang="ko-KR" sz="2400" dirty="0" err="1"/>
+              <a:t>printf</a:t>
+            </a:r>
+            <a:r>
+              <a:rPr lang="en-US" altLang="ko-KR" sz="2400" dirty="0"/>
+              <a:t>(“\n”);	   //n</a:t>
+            </a:r>
+            <a:r>
+              <a:rPr lang="ko-KR" altLang="en-US" sz="2400" dirty="0"/>
+              <a:t>단 나누기</a:t>
+            </a:r>
+            <a:br>
+              <a:rPr lang="en-US" altLang="ko-KR" sz="2400" dirty="0"/>
+            </a:br>
+            <a:r>
+              <a:rPr lang="en-US" altLang="ko-KR" sz="2400" dirty="0"/>
+              <a:t>     }</a:t>
+            </a:r>
+          </a:p>
+        </p:txBody>
+      </p:sp>
+    </p:spTree>
+    <p:extLst>
+      <p:ext uri="{BB962C8B-B14F-4D97-AF65-F5344CB8AC3E}">
+        <p14:creationId xmlns:p14="http://schemas.microsoft.com/office/powerpoint/2010/main" val="2122886516"/>
+      </p:ext>
+    </p:extLst>
+  </p:cSld>
+  <p:clrMapOvr>
+    <a:masterClrMapping/>
+  </p:clrMapOvr>
+</p:sld>
+</file>
+
+<file path=ppt/slides/slide15.xml><?xml version="1.0" encoding="utf-8"?>
+<p:sld xmlns:a="http://schemas.openxmlformats.org/drawingml/2006/main" xmlns:r="http://schemas.openxmlformats.org/officeDocument/2006/relationships" xmlns:p="http://schemas.openxmlformats.org/presentationml/2006/main">
+  <p:cSld>
+    <p:spTree>
+      <p:nvGrpSpPr>
+        <p:cNvPr id="1" name=""/>
+        <p:cNvGrpSpPr/>
+        <p:nvPr/>
+      </p:nvGrpSpPr>
+      <p:grpSpPr>
+        <a:xfrm>
+          <a:off x="0" y="0"/>
+          <a:ext cx="0" cy="0"/>
+          <a:chOff x="0" y="0"/>
+          <a:chExt cx="0" cy="0"/>
+        </a:xfrm>
+      </p:grpSpPr>
+      <p:sp>
+        <p:nvSpPr>
+          <p:cNvPr id="2" name="제목 1">
+            <a:extLst>
+              <a:ext uri="{FF2B5EF4-FFF2-40B4-BE49-F238E27FC236}">
+                <a16:creationId xmlns:a16="http://schemas.microsoft.com/office/drawing/2014/main" id="{0743F23E-AA9A-39EE-9ACF-C121FC7EC016}"/>
+              </a:ext>
+            </a:extLst>
+          </p:cNvPr>
+          <p:cNvSpPr>
+            <a:spLocks noGrp="1"/>
+          </p:cNvSpPr>
+          <p:nvPr>
+            <p:ph type="title"/>
+          </p:nvPr>
+        </p:nvSpPr>
+        <p:spPr/>
+        <p:txBody>
+          <a:bodyPr>
+            <a:normAutofit fontScale="90000"/>
+          </a:bodyPr>
+          <a:lstStyle/>
+          <a:p>
+            <a:r>
+              <a:rPr lang="ko-KR" altLang="en-US" dirty="0" err="1"/>
+              <a:t>제어문</a:t>
+            </a:r>
+            <a:r>
+              <a:rPr lang="en-US" altLang="ko-KR" dirty="0"/>
+              <a:t>3</a:t>
+            </a:r>
+            <a:r>
+              <a:rPr lang="ko-KR" altLang="en-US" dirty="0"/>
+              <a:t> </a:t>
+            </a:r>
+            <a:r>
+              <a:rPr lang="en-US" altLang="ko-KR" dirty="0"/>
+              <a:t>: </a:t>
+            </a:r>
+            <a:r>
+              <a:rPr lang="ko-KR" altLang="en-US" sz="4000" dirty="0"/>
+              <a:t>프로그램의 실행 흐름을 제어하는 문장</a:t>
+            </a:r>
+            <a:endParaRPr lang="ko-KR" altLang="en-US" dirty="0"/>
+          </a:p>
+        </p:txBody>
+      </p:sp>
+      <p:sp>
+        <p:nvSpPr>
+          <p:cNvPr id="3" name="내용 개체 틀 2">
+            <a:extLst>
+              <a:ext uri="{FF2B5EF4-FFF2-40B4-BE49-F238E27FC236}">
+                <a16:creationId xmlns:a16="http://schemas.microsoft.com/office/drawing/2014/main" id="{2E722D8F-488B-F34F-058E-5E9EA42959C1}"/>
+              </a:ext>
+            </a:extLst>
+          </p:cNvPr>
+          <p:cNvSpPr>
+            <a:spLocks noGrp="1"/>
+          </p:cNvSpPr>
+          <p:nvPr>
+            <p:ph idx="1"/>
+          </p:nvPr>
+        </p:nvSpPr>
+        <p:spPr>
+          <a:xfrm>
+            <a:off x="369849" y="1269845"/>
+            <a:ext cx="11452301" cy="5223509"/>
+          </a:xfrm>
+        </p:spPr>
+        <p:txBody>
+          <a:bodyPr>
+            <a:normAutofit/>
+          </a:bodyPr>
+          <a:lstStyle/>
+          <a:p>
+            <a:r>
+              <a:rPr lang="en-US" altLang="ko-KR" sz="2400" dirty="0"/>
+              <a:t>While</a:t>
+            </a:r>
+            <a:r>
+              <a:rPr lang="ko-KR" altLang="en-US" sz="2400" dirty="0"/>
+              <a:t> 문</a:t>
+            </a:r>
+            <a:r>
+              <a:rPr lang="en-US" altLang="ko-KR" sz="2400" dirty="0"/>
+              <a:t> : </a:t>
+            </a:r>
+            <a:r>
+              <a:rPr lang="ko-KR" altLang="en-US" sz="2400" dirty="0"/>
+              <a:t>조건식이 거짓이 될 때 까지 실행</a:t>
+            </a:r>
+            <a:r>
+              <a:rPr lang="en-US" altLang="ko-KR" sz="2400" dirty="0"/>
+              <a:t>. </a:t>
+            </a:r>
+          </a:p>
+          <a:p>
+            <a:r>
+              <a:rPr lang="ko-KR" altLang="en-US" sz="2400" dirty="0"/>
+              <a:t>기본적으로 </a:t>
+            </a:r>
+            <a:r>
+              <a:rPr lang="en-US" altLang="ko-KR" sz="2400" dirty="0"/>
+              <a:t>while(</a:t>
+            </a:r>
+            <a:r>
+              <a:rPr lang="ko-KR" altLang="en-US" sz="2400" dirty="0"/>
+              <a:t>조건식</a:t>
+            </a:r>
+            <a:r>
+              <a:rPr lang="en-US" altLang="ko-KR" sz="2400" dirty="0"/>
+              <a:t>){</a:t>
+            </a:r>
+            <a:r>
+              <a:rPr lang="ko-KR" altLang="en-US" sz="2400" dirty="0"/>
+              <a:t>실행 시킬 작업 코드</a:t>
+            </a:r>
+            <a:r>
+              <a:rPr lang="en-US" altLang="ko-KR" sz="2400" dirty="0"/>
+              <a:t>} </a:t>
+            </a:r>
+            <a:r>
+              <a:rPr lang="ko-KR" altLang="en-US" sz="2400" dirty="0"/>
+              <a:t>의 형식을 지님</a:t>
+            </a:r>
+            <a:r>
+              <a:rPr lang="en-US" altLang="ko-KR" sz="2400" dirty="0"/>
+              <a:t>.</a:t>
+            </a:r>
+          </a:p>
+          <a:p>
+            <a:r>
+              <a:rPr lang="en-US" altLang="ko-KR" sz="1600" b="1" dirty="0"/>
+              <a:t>For </a:t>
+            </a:r>
+            <a:r>
+              <a:rPr lang="ko-KR" altLang="en-US" sz="1600" b="1" dirty="0"/>
+              <a:t>문 과는 다르게 </a:t>
+            </a:r>
+            <a:r>
+              <a:rPr lang="ko-KR" altLang="en-US" sz="1600" b="1" dirty="0" err="1"/>
+              <a:t>증감식이</a:t>
+            </a:r>
+            <a:r>
+              <a:rPr lang="ko-KR" altLang="en-US" sz="1600" b="1" dirty="0"/>
+              <a:t> 존재하지 않아 </a:t>
+            </a:r>
+            <a:r>
+              <a:rPr lang="ko-KR" altLang="en-US" sz="1600" b="1" dirty="0" err="1"/>
+              <a:t>증감식이</a:t>
+            </a:r>
+            <a:r>
+              <a:rPr lang="ko-KR" altLang="en-US" sz="1600" b="1" dirty="0"/>
+              <a:t> 없거나 반복에서 나올 코드를 짜지 않으면 무한 반복하게 된다</a:t>
+            </a:r>
+            <a:r>
+              <a:rPr lang="en-US" altLang="ko-KR" sz="1600" b="1" dirty="0"/>
+              <a:t>.</a:t>
+            </a:r>
+          </a:p>
+          <a:p>
+            <a:endParaRPr lang="en-US" altLang="ko-KR" sz="1050" dirty="0"/>
+          </a:p>
+          <a:p>
+            <a:r>
+              <a:rPr lang="en-US" altLang="ko-KR" sz="2400" dirty="0"/>
+              <a:t>Ex1)while(1){</a:t>
+            </a:r>
+            <a:br>
+              <a:rPr lang="en-US" altLang="ko-KR" sz="2400" dirty="0"/>
+            </a:br>
+            <a:r>
+              <a:rPr lang="en-US" altLang="ko-KR" sz="2400" dirty="0"/>
+              <a:t>	</a:t>
+            </a:r>
+            <a:r>
+              <a:rPr lang="en-US" altLang="ko-KR" sz="2400" dirty="0" err="1"/>
+              <a:t>printf</a:t>
+            </a:r>
+            <a:r>
+              <a:rPr lang="en-US" altLang="ko-KR" sz="2400" dirty="0"/>
+              <a:t>(“hello”);	//</a:t>
+            </a:r>
+            <a:r>
+              <a:rPr lang="ko-KR" altLang="en-US" sz="2400" dirty="0"/>
+              <a:t>조건식에 </a:t>
+            </a:r>
+            <a:r>
+              <a:rPr lang="en-US" altLang="ko-KR" sz="2400" dirty="0"/>
+              <a:t>1(</a:t>
+            </a:r>
+            <a:r>
+              <a:rPr lang="ko-KR" altLang="en-US" sz="2400" dirty="0"/>
+              <a:t>참</a:t>
+            </a:r>
+            <a:r>
+              <a:rPr lang="en-US" altLang="ko-KR" sz="2400" dirty="0"/>
+              <a:t>,True)</a:t>
+            </a:r>
+            <a:r>
+              <a:rPr lang="ko-KR" altLang="en-US" sz="2400" dirty="0"/>
+              <a:t>을 넣음으로 무한 반복</a:t>
+            </a:r>
+            <a:r>
+              <a:rPr lang="en-US" altLang="ko-KR" sz="2400" dirty="0"/>
+              <a:t>.</a:t>
+            </a:r>
+            <a:br>
+              <a:rPr lang="en-US" altLang="ko-KR" sz="2400" dirty="0"/>
+            </a:br>
+            <a:r>
+              <a:rPr lang="en-US" altLang="ko-KR" sz="2400" dirty="0"/>
+              <a:t>    }</a:t>
+            </a:r>
+          </a:p>
+          <a:p>
+            <a:r>
+              <a:rPr lang="en-US" altLang="ko-KR" sz="2400" dirty="0"/>
+              <a:t>Ex2) </a:t>
+            </a:r>
+            <a:r>
+              <a:rPr lang="en-US" altLang="ko-KR" sz="2400" dirty="0" err="1"/>
+              <a:t>int</a:t>
+            </a:r>
+            <a:r>
+              <a:rPr lang="en-US" altLang="ko-KR" sz="2400" dirty="0"/>
+              <a:t> a=0;</a:t>
+            </a:r>
+            <a:br>
+              <a:rPr lang="en-US" altLang="ko-KR" sz="2400" dirty="0"/>
+            </a:br>
+            <a:r>
+              <a:rPr lang="en-US" altLang="ko-KR" sz="2400" dirty="0"/>
+              <a:t>	while(a){		//a</a:t>
+            </a:r>
+            <a:r>
+              <a:rPr lang="ko-KR" altLang="en-US" sz="2400" dirty="0"/>
+              <a:t>가 거짓이 될 때 까지 실행</a:t>
+            </a:r>
+            <a:r>
+              <a:rPr lang="en-US" altLang="ko-KR" sz="2400" dirty="0"/>
+              <a:t>.</a:t>
+            </a:r>
+            <a:br>
+              <a:rPr lang="en-US" altLang="ko-KR" sz="2400" dirty="0"/>
+            </a:br>
+            <a:r>
+              <a:rPr lang="en-US" altLang="ko-KR" sz="2400" dirty="0"/>
+              <a:t>	  if(a &gt; 10){		//a</a:t>
+            </a:r>
+            <a:r>
+              <a:rPr lang="ko-KR" altLang="en-US" sz="2400" dirty="0"/>
+              <a:t>가 </a:t>
+            </a:r>
+            <a:r>
+              <a:rPr lang="en-US" altLang="ko-KR" sz="2400" dirty="0"/>
+              <a:t>9 </a:t>
+            </a:r>
+            <a:r>
+              <a:rPr lang="ko-KR" altLang="en-US" sz="2400" dirty="0"/>
+              <a:t>이상이라면</a:t>
+            </a:r>
+            <a:br>
+              <a:rPr lang="en-US" altLang="ko-KR" sz="2400" dirty="0"/>
+            </a:br>
+            <a:r>
+              <a:rPr lang="en-US" altLang="ko-KR" sz="2400" dirty="0"/>
+              <a:t>	 	break;		//while </a:t>
+            </a:r>
+            <a:r>
+              <a:rPr lang="ko-KR" altLang="en-US" sz="2400" dirty="0"/>
+              <a:t>탈출</a:t>
+            </a:r>
+            <a:r>
+              <a:rPr lang="en-US" altLang="ko-KR" sz="2400" dirty="0"/>
+              <a:t>.</a:t>
+            </a:r>
+            <a:br>
+              <a:rPr lang="en-US" altLang="ko-KR" sz="2400" dirty="0"/>
+            </a:br>
+            <a:r>
+              <a:rPr lang="en-US" altLang="ko-KR" sz="2400" dirty="0"/>
+              <a:t>	  }</a:t>
+            </a:r>
+            <a:br>
+              <a:rPr lang="en-US" altLang="ko-KR" sz="2400" dirty="0"/>
+            </a:br>
+            <a:r>
+              <a:rPr lang="en-US" altLang="ko-KR" sz="2400" dirty="0"/>
+              <a:t>	  else </a:t>
+            </a:r>
+            <a:r>
+              <a:rPr lang="en-US" altLang="ko-KR" sz="2400" dirty="0" err="1"/>
+              <a:t>printf</a:t>
+            </a:r>
+            <a:r>
+              <a:rPr lang="en-US" altLang="ko-KR" sz="2400" dirty="0"/>
+              <a:t>(“hello”); //</a:t>
+            </a:r>
+            <a:r>
+              <a:rPr lang="ko-KR" altLang="en-US" sz="2400" dirty="0"/>
+              <a:t>만약에 아니면 </a:t>
+            </a:r>
+            <a:r>
+              <a:rPr lang="en-US" altLang="ko-KR" sz="2400" dirty="0"/>
+              <a:t>hello </a:t>
+            </a:r>
+            <a:r>
+              <a:rPr lang="ko-KR" altLang="en-US" sz="2400" dirty="0"/>
+              <a:t>출력</a:t>
+            </a:r>
+            <a:r>
+              <a:rPr lang="en-US" altLang="ko-KR" sz="2400" dirty="0"/>
+              <a:t>.</a:t>
+            </a:r>
+            <a:br>
+              <a:rPr lang="en-US" altLang="ko-KR" sz="2400" dirty="0"/>
+            </a:br>
+            <a:r>
+              <a:rPr lang="en-US" altLang="ko-KR" sz="2400" dirty="0"/>
+              <a:t>    	}</a:t>
+            </a:r>
+          </a:p>
+        </p:txBody>
+      </p:sp>
+    </p:spTree>
+    <p:extLst>
+      <p:ext uri="{BB962C8B-B14F-4D97-AF65-F5344CB8AC3E}">
+        <p14:creationId xmlns:p14="http://schemas.microsoft.com/office/powerpoint/2010/main" val="2511495453"/>
+      </p:ext>
+    </p:extLst>
+  </p:cSld>
+  <p:clrMapOvr>
+    <a:masterClrMapping/>
+  </p:clrMapOvr>
+</p:sld>
+</file>
+
+<file path=ppt/slides/slide16.xml><?xml version="1.0" encoding="utf-8"?>
+<p:sld xmlns:a="http://schemas.openxmlformats.org/drawingml/2006/main" xmlns:r="http://schemas.openxmlformats.org/officeDocument/2006/relationships" xmlns:p="http://schemas.openxmlformats.org/presentationml/2006/main">
+  <p:cSld>
+    <p:spTree>
+      <p:nvGrpSpPr>
+        <p:cNvPr id="1" name=""/>
+        <p:cNvGrpSpPr/>
+        <p:nvPr/>
+      </p:nvGrpSpPr>
+      <p:grpSpPr>
+        <a:xfrm>
+          <a:off x="0" y="0"/>
+          <a:ext cx="0" cy="0"/>
+          <a:chOff x="0" y="0"/>
+          <a:chExt cx="0" cy="0"/>
+        </a:xfrm>
+      </p:grpSpPr>
+      <p:sp>
+        <p:nvSpPr>
+          <p:cNvPr id="2" name="제목 1"/>
+          <p:cNvSpPr>
+            <a:spLocks noGrp="1"/>
+          </p:cNvSpPr>
+          <p:nvPr>
+            <p:ph type="title"/>
+          </p:nvPr>
+        </p:nvSpPr>
+        <p:spPr/>
+        <p:txBody>
+          <a:bodyPr/>
+          <a:lstStyle/>
+          <a:p>
+            <a:pPr lvl="0">
+              <a:defRPr/>
+            </a:pPr>
+            <a:r>
+              <a:rPr lang="ko-KR" altLang="en-US"/>
+              <a:t>문제 풀이</a:t>
+            </a:r>
+          </a:p>
+        </p:txBody>
+      </p:sp>
+      <p:sp>
+        <p:nvSpPr>
+          <p:cNvPr id="3" name="내용 개체 틀 2"/>
+          <p:cNvSpPr>
+            <a:spLocks noGrp="1"/>
+          </p:cNvSpPr>
+          <p:nvPr>
+            <p:ph idx="1"/>
+          </p:nvPr>
+        </p:nvSpPr>
+        <p:spPr>
+          <a:xfrm>
+            <a:off x="4324643" y="2250832"/>
+            <a:ext cx="3557954" cy="2470638"/>
+          </a:xfrm>
+        </p:spPr>
+        <p:txBody>
+          <a:bodyPr>
+            <a:normAutofit fontScale="92500" lnSpcReduction="20000"/>
+          </a:bodyPr>
+          <a:lstStyle/>
+          <a:p>
+            <a:pPr marL="0" lvl="0" indent="0" algn="ctr">
+              <a:lnSpc>
+                <a:spcPct val="300000"/>
+              </a:lnSpc>
+              <a:buNone/>
+              <a:defRPr/>
+            </a:pPr>
+            <a:r>
+              <a:rPr lang="en-US" altLang="ko-KR"/>
+              <a:t>Codeup </a:t>
+            </a:r>
+            <a:r>
+              <a:rPr lang="ko-KR" altLang="en-US"/>
+              <a:t>풀이하기</a:t>
+            </a:r>
+          </a:p>
+          <a:p>
+            <a:pPr marL="0" lvl="0" indent="0" algn="ctr">
+              <a:lnSpc>
+                <a:spcPct val="300000"/>
+              </a:lnSpc>
+              <a:buNone/>
+              <a:defRPr/>
+            </a:pPr>
+            <a:r>
+              <a:rPr lang="en-US" altLang="ko-KR"/>
+              <a:t>1265</a:t>
+            </a:r>
+            <a:r>
+              <a:rPr lang="ko-KR" altLang="en-US"/>
+              <a:t>번 풀기</a:t>
+            </a:r>
+          </a:p>
+        </p:txBody>
+      </p:sp>
+    </p:spTree>
+  </p:cSld>
+  <p:clrMapOvr>
+    <a:masterClrMapping/>
+  </p:clrMapOvr>
+  <mc:AlternateContent xmlns:mc="http://schemas.openxmlformats.org/markup-compatibility/2006" xmlns:p14="http://schemas.microsoft.com/office/powerpoint/2010/main">
+    <mc:Choice Requires="p14">
+      <p:transition/>
+    </mc:Choice>
+    <mc:Fallback xmlns:dsp="http://schemas.microsoft.com/office/drawing/2008/diagram" xmlns:dgm="http://schemas.openxmlformats.org/drawingml/2006/diagram" xmlns:c="http://schemas.openxmlformats.org/drawingml/2006/chart" xmlns="">
+      <p:transition/>
+    </mc:Fallback>
+  </mc:AlternateContent>
+</p:sld>
+</file>
+
+<file path=ppt/slides/slide17.xml><?xml version="1.0" encoding="utf-8"?>
+<p:sld xmlns:a="http://schemas.openxmlformats.org/drawingml/2006/main" xmlns:r="http://schemas.openxmlformats.org/officeDocument/2006/relationships" xmlns:p="http://schemas.openxmlformats.org/presentationml/2006/main">
+  <p:cSld>
+    <p:spTree>
+      <p:nvGrpSpPr>
+        <p:cNvPr id="1" name=""/>
+        <p:cNvGrpSpPr/>
+        <p:nvPr/>
+      </p:nvGrpSpPr>
+      <p:grpSpPr>
+        <a:xfrm>
+          <a:off x="0" y="0"/>
+          <a:ext cx="0" cy="0"/>
+          <a:chOff x="0" y="0"/>
+          <a:chExt cx="0" cy="0"/>
+        </a:xfrm>
+      </p:grpSpPr>
+      <p:sp>
+        <p:nvSpPr>
+          <p:cNvPr id="2" name="제목 1"/>
+          <p:cNvSpPr>
+            <a:spLocks noGrp="1"/>
+          </p:cNvSpPr>
+          <p:nvPr>
+            <p:ph type="title"/>
+          </p:nvPr>
+        </p:nvSpPr>
+        <p:spPr>
+          <a:xfrm>
+            <a:off x="838200" y="1092876"/>
+            <a:ext cx="10515600" cy="713423"/>
+          </a:xfrm>
+        </p:spPr>
+        <p:txBody>
+          <a:bodyPr/>
+          <a:lstStyle/>
+          <a:p>
+            <a:pPr lvl="0" algn="ctr">
+              <a:defRPr/>
+            </a:pPr>
+            <a:r>
+              <a:rPr lang="ko-KR" altLang="en-US"/>
+              <a:t>끝인사</a:t>
+            </a:r>
+          </a:p>
+        </p:txBody>
+      </p:sp>
+      <p:sp>
+        <p:nvSpPr>
+          <p:cNvPr id="3" name="내용 개체 틀 2"/>
+          <p:cNvSpPr>
+            <a:spLocks noGrp="1"/>
+          </p:cNvSpPr>
+          <p:nvPr>
+            <p:ph idx="1"/>
+          </p:nvPr>
+        </p:nvSpPr>
+        <p:spPr>
+          <a:xfrm>
+            <a:off x="4297752" y="3180523"/>
+            <a:ext cx="3596496" cy="496952"/>
+          </a:xfrm>
+        </p:spPr>
+        <p:txBody>
+          <a:bodyPr/>
+          <a:lstStyle/>
+          <a:p>
+            <a:pPr marL="0" lvl="0" indent="0">
+              <a:buNone/>
+              <a:defRPr/>
+            </a:pPr>
+            <a:r>
+              <a:rPr lang="ko-KR" altLang="en-US"/>
+              <a:t>다들 수고하셨습니다</a:t>
+            </a:r>
+            <a:r>
+              <a:rPr lang="en-US" altLang="ko-KR"/>
+              <a:t>!</a:t>
+            </a:r>
+          </a:p>
+        </p:txBody>
+      </p:sp>
+    </p:spTree>
+  </p:cSld>
+  <p:clrMapOvr>
+    <a:masterClrMapping/>
+  </p:clrMapOvr>
+  <mc:AlternateContent xmlns:mc="http://schemas.openxmlformats.org/markup-compatibility/2006" xmlns:p14="http://schemas.microsoft.com/office/powerpoint/2010/main">
+    <mc:Choice Requires="p14">
+      <p:transition/>
+    </mc:Choice>
+    <mc:Fallback xmlns:dsp="http://schemas.microsoft.com/office/drawing/2008/diagram" xmlns:dgm="http://schemas.openxmlformats.org/drawingml/2006/diagram" xmlns:c="http://schemas.openxmlformats.org/drawingml/2006/chart" xmlns="">
+      <p:transition/>
+    </mc:Fallback>
+  </mc:AlternateContent>
 </p:sld>
 </file>
 
@@ -3881,13 +6153,7 @@
       </p:grpSpPr>
       <p:sp>
         <p:nvSpPr>
-          <p:cNvPr id="2" name="제목 1">
-            <a:extLst>
-              <a:ext uri="{FF2B5EF4-FFF2-40B4-BE49-F238E27FC236}">
-                <a16:creationId xmlns:a16="http://schemas.microsoft.com/office/drawing/2014/main" id="{0743F23E-AA9A-39EE-9ACF-C121FC7EC016}"/>
-              </a:ext>
-            </a:extLst>
-          </p:cNvPr>
+          <p:cNvPr id="2" name="제목 1"/>
           <p:cNvSpPr>
             <a:spLocks noGrp="1"/>
           </p:cNvSpPr>
@@ -3900,22 +6166,23 @@
           <a:bodyPr/>
           <a:lstStyle/>
           <a:p>
-            <a:r>
-              <a:rPr lang="ko-KR" altLang="en-US" dirty="0"/>
-              <a:t>자료형과 변수 선언</a:t>
-            </a:r>
-          </a:p>
-        </p:txBody>
-      </p:sp>
-      <p:sp>
-        <p:nvSpPr>
-          <p:cNvPr id="3" name="내용 개체 틀 2">
-            <a:extLst>
-              <a:ext uri="{FF2B5EF4-FFF2-40B4-BE49-F238E27FC236}">
-                <a16:creationId xmlns:a16="http://schemas.microsoft.com/office/drawing/2014/main" id="{2E722D8F-488B-F34F-058E-5E9EA42959C1}"/>
-              </a:ext>
-            </a:extLst>
-          </p:cNvPr>
+            <a:pPr lvl="0">
+              <a:defRPr/>
+            </a:pPr>
+            <a:r>
+              <a:rPr lang="en-US" altLang="ko-KR"/>
+              <a:t>C</a:t>
+            </a:r>
+            <a:r>
+              <a:rPr lang="ko-KR" altLang="en-US"/>
+              <a:t>언어의 기본 형태</a:t>
+            </a:r>
+          </a:p>
+        </p:txBody>
+      </p:sp>
+      <p:sp>
+        <p:nvSpPr>
+          <p:cNvPr id="3" name="내용 개체 틀 2"/>
           <p:cNvSpPr>
             <a:spLocks noGrp="1"/>
           </p:cNvSpPr>
@@ -3925,316 +6192,397 @@
         </p:nvSpPr>
         <p:spPr>
           <a:xfrm>
-            <a:off x="838200" y="1177290"/>
-            <a:ext cx="10515600" cy="5424232"/>
+            <a:off x="845820" y="1642748"/>
+            <a:ext cx="6186855" cy="444012"/>
           </a:xfrm>
         </p:spPr>
         <p:txBody>
-          <a:bodyPr/>
-          <a:lstStyle/>
-          <a:p>
-            <a:r>
-              <a:rPr lang="en-US" altLang="ko-KR" sz="2400" dirty="0"/>
+          <a:bodyPr>
+            <a:normAutofit fontScale="92500"/>
+          </a:bodyPr>
+          <a:lstStyle/>
+          <a:p>
+            <a:pPr lvl="0">
+              <a:defRPr/>
+            </a:pPr>
+            <a:r>
+              <a:rPr lang="en-US" altLang="ko-KR"/>
               <a:t>C</a:t>
             </a:r>
             <a:r>
-              <a:rPr lang="ko-KR" altLang="en-US" sz="2400" dirty="0"/>
-              <a:t>언어의 대표 자료형</a:t>
-            </a:r>
-            <a:endParaRPr lang="en-US" altLang="ko-KR" sz="2400" dirty="0"/>
-          </a:p>
-          <a:p>
-            <a:r>
-              <a:rPr lang="en-US" altLang="ko-KR" sz="1800" dirty="0"/>
-              <a:t>Int : </a:t>
-            </a:r>
-            <a:r>
-              <a:rPr lang="ko-KR" altLang="en-US" sz="1800" dirty="0"/>
-              <a:t>정수형</a:t>
-            </a:r>
-            <a:r>
-              <a:rPr lang="en-US" altLang="ko-KR" sz="1800" dirty="0"/>
-              <a:t>. 1</a:t>
-            </a:r>
-            <a:r>
-              <a:rPr lang="ko-KR" altLang="en-US" sz="1800" dirty="0"/>
-              <a:t>이나 </a:t>
-            </a:r>
-            <a:r>
-              <a:rPr lang="en-US" altLang="ko-KR" sz="1800" dirty="0"/>
-              <a:t>-100</a:t>
-            </a:r>
-            <a:r>
-              <a:rPr lang="ko-KR" altLang="en-US" sz="1800" dirty="0"/>
-              <a:t>과 같은 정수를 표현할 때 씀</a:t>
-            </a:r>
-            <a:r>
-              <a:rPr lang="en-US" altLang="ko-KR" sz="1800" dirty="0"/>
-              <a:t>(4</a:t>
-            </a:r>
-            <a:r>
-              <a:rPr lang="ko-KR" altLang="en-US" sz="1800" dirty="0"/>
-              <a:t>바이트</a:t>
-            </a:r>
-            <a:r>
-              <a:rPr lang="en-US" altLang="ko-KR" sz="1800" dirty="0"/>
-              <a:t>(32bit)).</a:t>
-            </a:r>
-          </a:p>
-          <a:p>
-            <a:r>
-              <a:rPr lang="en-US" altLang="ko-KR" sz="1800" dirty="0"/>
-              <a:t>Float : 32bit</a:t>
-            </a:r>
-            <a:r>
-              <a:rPr lang="ko-KR" altLang="en-US" sz="1800" dirty="0"/>
-              <a:t> 실수형</a:t>
-            </a:r>
-            <a:r>
-              <a:rPr lang="en-US" altLang="ko-KR" sz="1800" dirty="0"/>
-              <a:t>. 3.1</a:t>
-            </a:r>
-            <a:r>
-              <a:rPr lang="ko-KR" altLang="en-US" sz="1800" dirty="0"/>
-              <a:t>이나 </a:t>
-            </a:r>
-            <a:r>
-              <a:rPr lang="en-US" altLang="ko-KR" sz="1800" dirty="0"/>
-              <a:t>-283.1</a:t>
-            </a:r>
-            <a:r>
-              <a:rPr lang="ko-KR" altLang="en-US" sz="1800" dirty="0"/>
-              <a:t>과 같은 소수를 표현할 때 사용</a:t>
-            </a:r>
-            <a:r>
-              <a:rPr lang="en-US" altLang="ko-KR" sz="1800" dirty="0"/>
-              <a:t>. Float</a:t>
-            </a:r>
-            <a:r>
-              <a:rPr lang="ko-KR" altLang="en-US" sz="1800" dirty="0"/>
-              <a:t>의 경우 최대 </a:t>
-            </a:r>
-            <a:r>
-              <a:rPr lang="en-US" altLang="ko-KR" sz="1800" dirty="0"/>
-              <a:t>4</a:t>
-            </a:r>
-            <a:r>
-              <a:rPr lang="ko-KR" altLang="en-US" sz="1800" dirty="0"/>
-              <a:t>바이트</a:t>
-            </a:r>
-            <a:r>
-              <a:rPr lang="en-US" altLang="ko-KR" sz="1800" dirty="0"/>
-              <a:t>(32bit)</a:t>
-            </a:r>
-            <a:r>
-              <a:rPr lang="ko-KR" altLang="en-US" sz="1800" dirty="0"/>
-              <a:t>의 수까지 표현 가능</a:t>
-            </a:r>
-            <a:r>
-              <a:rPr lang="en-US" altLang="ko-KR" sz="1800" dirty="0"/>
+              <a:rPr lang="ko-KR" altLang="en-US"/>
+              <a:t>언어는 대부분 이러한 형태를 띄운다</a:t>
+            </a:r>
+            <a:r>
+              <a:rPr lang="en-US" altLang="ko-KR"/>
               <a:t>.</a:t>
             </a:r>
-          </a:p>
-          <a:p>
-            <a:r>
-              <a:rPr lang="en-US" altLang="ko-KR" sz="1800" dirty="0"/>
-              <a:t>Double : Float</a:t>
-            </a:r>
-            <a:r>
-              <a:rPr lang="ko-KR" altLang="en-US" sz="1800" dirty="0"/>
-              <a:t>와 같은 실수형</a:t>
-            </a:r>
-            <a:r>
-              <a:rPr lang="en-US" altLang="ko-KR" sz="1800" dirty="0"/>
-              <a:t>. Double</a:t>
-            </a:r>
-            <a:r>
-              <a:rPr lang="ko-KR" altLang="en-US" sz="1800" dirty="0"/>
-              <a:t>의 경우 최대 </a:t>
-            </a:r>
-            <a:r>
-              <a:rPr lang="en-US" altLang="ko-KR" sz="1800" dirty="0"/>
-              <a:t>8</a:t>
-            </a:r>
-            <a:r>
-              <a:rPr lang="ko-KR" altLang="en-US" sz="1800" dirty="0"/>
-              <a:t>바이트</a:t>
-            </a:r>
-            <a:r>
-              <a:rPr lang="en-US" altLang="ko-KR" sz="1800" dirty="0"/>
-              <a:t>(64bit)</a:t>
-            </a:r>
-            <a:r>
-              <a:rPr lang="ko-KR" altLang="en-US" sz="1800" dirty="0"/>
-              <a:t>까지 표현할 수 있음</a:t>
-            </a:r>
-            <a:r>
-              <a:rPr lang="en-US" altLang="ko-KR" sz="1800" dirty="0"/>
-              <a:t>. </a:t>
-            </a:r>
-            <a:r>
-              <a:rPr lang="ko-KR" altLang="en-US" sz="1800" dirty="0"/>
-              <a:t>무한 소수를 </a:t>
-            </a:r>
-            <a:r>
-              <a:rPr lang="en-US" altLang="ko-KR" sz="1800" dirty="0"/>
-              <a:t>Float</a:t>
-            </a:r>
-            <a:r>
-              <a:rPr lang="ko-KR" altLang="en-US" sz="1800" dirty="0"/>
-              <a:t>보다 정확히 표현 가능</a:t>
-            </a:r>
-            <a:r>
-              <a:rPr lang="en-US" altLang="ko-KR" sz="1800" dirty="0"/>
-              <a:t>.</a:t>
-            </a:r>
-          </a:p>
-          <a:p>
-            <a:r>
-              <a:rPr lang="en-US" altLang="ko-KR" sz="1800" dirty="0"/>
-              <a:t>Char : </a:t>
-            </a:r>
-            <a:r>
-              <a:rPr lang="ko-KR" altLang="en-US" sz="1800" dirty="0"/>
-              <a:t>문자나 문자열을 나타낼 때 쓰는 정수형</a:t>
-            </a:r>
-            <a:r>
-              <a:rPr lang="en-US" altLang="ko-KR" sz="1800" dirty="0"/>
-              <a:t>. 1</a:t>
-            </a:r>
-            <a:r>
-              <a:rPr lang="ko-KR" altLang="en-US" sz="1800" dirty="0"/>
-              <a:t>바이트</a:t>
-            </a:r>
-            <a:r>
-              <a:rPr lang="en-US" altLang="ko-KR" sz="1800" dirty="0"/>
-              <a:t>(8bit)</a:t>
-            </a:r>
-            <a:r>
-              <a:rPr lang="ko-KR" altLang="en-US" sz="1800" dirty="0"/>
-              <a:t>이다</a:t>
-            </a:r>
-            <a:r>
-              <a:rPr lang="en-US" altLang="ko-KR" sz="1800" dirty="0"/>
-              <a:t>. (character </a:t>
-            </a:r>
-            <a:r>
-              <a:rPr lang="ko-KR" altLang="en-US" sz="1800" dirty="0"/>
-              <a:t>의</a:t>
-            </a:r>
-            <a:r>
-              <a:rPr lang="en-US" altLang="ko-KR" sz="1800" dirty="0"/>
+            <a:endParaRPr lang="ko-KR" altLang="en-US"/>
+          </a:p>
+        </p:txBody>
+      </p:sp>
+      <p:sp>
+        <p:nvSpPr>
+          <p:cNvPr id="4" name="object 4"/>
+          <p:cNvSpPr txBox="1"/>
+          <p:nvPr/>
+        </p:nvSpPr>
+        <p:spPr>
+          <a:xfrm>
+            <a:off x="1861908" y="2685505"/>
+            <a:ext cx="2815249" cy="332614"/>
+          </a:xfrm>
+          <a:prstGeom prst="rect">
+            <a:avLst/>
+          </a:prstGeom>
+        </p:spPr>
+        <p:txBody>
+          <a:bodyPr vert="horz" wrap="square" lIns="0" tIns="12700" rIns="0" bIns="0">
+            <a:spAutoFit/>
+          </a:bodyPr>
+          <a:lstStyle/>
+          <a:p>
+            <a:pPr marL="12700" lvl="0">
+              <a:lnSpc>
+                <a:spcPct val="100000"/>
+              </a:lnSpc>
+              <a:spcBef>
+                <a:spcPts val="100"/>
+              </a:spcBef>
+              <a:defRPr/>
+            </a:pPr>
+            <a:r>
+              <a:rPr sz="2000" b="1" spc="360">
+                <a:latin typeface="한컴산뜻돋움"/>
+                <a:cs typeface="한컴산뜻돋움"/>
+              </a:rPr>
+              <a:t>#include&lt;std</a:t>
+            </a:r>
+            <a:r>
+              <a:rPr sz="2000" b="1" spc="360">
+                <a:solidFill>
+                  <a:srgbClr val="9A0000"/>
+                </a:solidFill>
+                <a:latin typeface="한컴산뜻돋움"/>
+                <a:cs typeface="한컴산뜻돋움"/>
+              </a:rPr>
+              <a:t>io.h</a:t>
+            </a:r>
+            <a:r>
+              <a:rPr sz="2000" b="1" spc="360">
+                <a:latin typeface="한컴산뜻돋움"/>
+                <a:cs typeface="한컴산뜻돋움"/>
+              </a:rPr>
+              <a:t>&gt;</a:t>
+            </a:r>
+            <a:endParaRPr sz="2000">
+              <a:latin typeface="한컴산뜻돋움"/>
+              <a:cs typeface="한컴산뜻돋움"/>
+            </a:endParaRPr>
+          </a:p>
+        </p:txBody>
+      </p:sp>
+      <p:sp>
+        <p:nvSpPr>
+          <p:cNvPr id="5" name="object 5"/>
+          <p:cNvSpPr txBox="1"/>
+          <p:nvPr/>
+        </p:nvSpPr>
+        <p:spPr>
+          <a:xfrm>
+            <a:off x="1881554" y="3803702"/>
+            <a:ext cx="2126211" cy="1166544"/>
+          </a:xfrm>
+          <a:prstGeom prst="rect">
+            <a:avLst/>
+          </a:prstGeom>
+        </p:spPr>
+        <p:txBody>
+          <a:bodyPr vert="horz" wrap="square" lIns="0" tIns="12700" rIns="0" bIns="0">
+            <a:spAutoFit/>
+          </a:bodyPr>
+          <a:lstStyle/>
+          <a:p>
+            <a:pPr marL="12700" marR="5080" lvl="0">
+              <a:lnSpc>
+                <a:spcPct val="115799"/>
+              </a:lnSpc>
+              <a:spcBef>
+                <a:spcPts val="100"/>
+              </a:spcBef>
+              <a:defRPr/>
+            </a:pPr>
+            <a:r>
+              <a:rPr sz="2000" b="1" spc="204">
+                <a:latin typeface="한컴산뜻돋움"/>
+                <a:cs typeface="한컴산뜻돋움"/>
+              </a:rPr>
+              <a:t>int</a:t>
+            </a:r>
+            <a:r>
+              <a:rPr sz="2000" b="1" spc="50">
+                <a:latin typeface="한컴산뜻돋움"/>
+                <a:cs typeface="한컴산뜻돋움"/>
+              </a:rPr>
               <a:t> </a:t>
             </a:r>
             <a:r>
-              <a:rPr lang="ko-KR" altLang="en-US" sz="1800" dirty="0"/>
-              <a:t>준말</a:t>
-            </a:r>
-            <a:r>
-              <a:rPr lang="en-US" altLang="ko-KR" sz="1800" dirty="0"/>
-              <a:t>.)</a:t>
-            </a:r>
-          </a:p>
-          <a:p>
-            <a:endParaRPr lang="en-US" altLang="ko-KR" sz="1800" dirty="0"/>
-          </a:p>
-          <a:p>
-            <a:r>
-              <a:rPr lang="ko-KR" altLang="en-US" sz="2400" dirty="0"/>
-              <a:t>변수 선언</a:t>
-            </a:r>
-            <a:endParaRPr lang="en-US" altLang="ko-KR" sz="2400" dirty="0"/>
-          </a:p>
-          <a:p>
-            <a:r>
-              <a:rPr lang="ko-KR" altLang="en-US" sz="2400" dirty="0"/>
-              <a:t>값을 넣는 상자를 변수라고 하며</a:t>
-            </a:r>
-            <a:r>
-              <a:rPr lang="en-US" altLang="ko-KR" sz="2400" dirty="0"/>
-              <a:t>, </a:t>
-            </a:r>
-            <a:r>
-              <a:rPr lang="ko-KR" altLang="en-US" sz="2400" dirty="0"/>
-              <a:t>변수를 생성하는 작업을 선언이라 한다</a:t>
-            </a:r>
-            <a:r>
-              <a:rPr lang="en-US" altLang="ko-KR" sz="2400" dirty="0"/>
-              <a:t>.</a:t>
-            </a:r>
-          </a:p>
-          <a:p>
-            <a:r>
-              <a:rPr lang="ko-KR" altLang="en-US" sz="2400" dirty="0"/>
-              <a:t>변수 선언 시</a:t>
-            </a:r>
-            <a:r>
-              <a:rPr lang="en-US" altLang="ko-KR" sz="2400" dirty="0"/>
-              <a:t>, </a:t>
-            </a:r>
-            <a:r>
-              <a:rPr lang="ko-KR" altLang="en-US" sz="2400" dirty="0"/>
-              <a:t>자료형과 변수 이름을 지정해야 함</a:t>
-            </a:r>
-            <a:r>
-              <a:rPr lang="en-US" altLang="ko-KR" sz="2400" dirty="0"/>
-              <a:t>.</a:t>
-            </a:r>
-          </a:p>
-          <a:p>
-            <a:r>
-              <a:rPr lang="en-US" altLang="ko-KR" sz="2400" dirty="0"/>
-              <a:t>Ex) int</a:t>
-            </a:r>
-            <a:r>
-              <a:rPr lang="ko-KR" altLang="en-US" sz="2400" dirty="0"/>
+              <a:rPr sz="2000" b="1" spc="80">
+                <a:latin typeface="한컴산뜻돋움"/>
+                <a:cs typeface="한컴산뜻돋움"/>
+              </a:rPr>
+              <a:t>main(){ </a:t>
+            </a:r>
+          </a:p>
+          <a:p>
+            <a:pPr marL="12700" marR="5080" lvl="0">
+              <a:lnSpc>
+                <a:spcPct val="115799"/>
+              </a:lnSpc>
+              <a:spcBef>
+                <a:spcPts val="100"/>
+              </a:spcBef>
+              <a:defRPr/>
+            </a:pPr>
+            <a:r>
+              <a:rPr sz="2000" b="1" spc="135">
+                <a:latin typeface="한컴산뜻돋움"/>
+                <a:cs typeface="한컴산뜻돋움"/>
+              </a:rPr>
+              <a:t>(처리할</a:t>
+            </a:r>
+            <a:r>
+              <a:rPr sz="2000" b="1" spc="65">
+                <a:latin typeface="한컴산뜻돋움"/>
+                <a:cs typeface="한컴산뜻돋움"/>
+              </a:rPr>
               <a:t> </a:t>
             </a:r>
             <a:r>
-              <a:rPr lang="en-US" altLang="ko-KR" sz="2400" dirty="0"/>
-              <a:t>a=1; =&gt; a</a:t>
-            </a:r>
-            <a:r>
-              <a:rPr lang="ko-KR" altLang="en-US" sz="2400" dirty="0"/>
-              <a:t>라는 정수형 변수에 </a:t>
-            </a:r>
-            <a:r>
-              <a:rPr lang="en-US" altLang="ko-KR" sz="2400" dirty="0"/>
-              <a:t>1</a:t>
-            </a:r>
-            <a:r>
-              <a:rPr lang="ko-KR" altLang="en-US" sz="2400" dirty="0"/>
-              <a:t>이라는 값을 넣음</a:t>
-            </a:r>
-            <a:r>
-              <a:rPr lang="en-US" altLang="ko-KR" sz="2400" dirty="0"/>
-              <a:t>.</a:t>
-            </a:r>
-            <a:br>
-              <a:rPr lang="en-US" altLang="ko-KR" sz="2400" dirty="0"/>
-            </a:br>
-            <a:r>
-              <a:rPr lang="en-US" altLang="ko-KR" sz="2400" dirty="0"/>
-              <a:t>char b=“hello”; =&gt; b</a:t>
-            </a:r>
-            <a:r>
-              <a:rPr lang="ko-KR" altLang="en-US" sz="2400" dirty="0"/>
-              <a:t>라는 문자열 정수형 변</a:t>
-            </a:r>
-            <a:endParaRPr lang="en-US" altLang="ko-KR" sz="2400" dirty="0"/>
+              <a:rPr sz="2000" b="1" spc="75">
+                <a:latin typeface="한컴산뜻돋움"/>
+                <a:cs typeface="한컴산뜻돋움"/>
+              </a:rPr>
+              <a:t>명령문);</a:t>
+            </a:r>
+          </a:p>
+          <a:p>
+            <a:pPr marL="12700" lvl="0">
+              <a:lnSpc>
+                <a:spcPct val="100000"/>
+              </a:lnSpc>
+              <a:spcBef>
+                <a:spcPts val="645"/>
+              </a:spcBef>
+              <a:defRPr/>
+            </a:pPr>
+            <a:r>
+              <a:rPr sz="2000" b="1" spc="140">
+                <a:latin typeface="한컴산뜻돋움"/>
+                <a:cs typeface="한컴산뜻돋움"/>
+              </a:rPr>
+              <a:t>}</a:t>
+            </a:r>
+            <a:endParaRPr sz="2000">
+              <a:latin typeface="한컴산뜻돋움"/>
+              <a:cs typeface="한컴산뜻돋움"/>
+            </a:endParaRPr>
+          </a:p>
+        </p:txBody>
+      </p:sp>
+      <p:sp>
+        <p:nvSpPr>
+          <p:cNvPr id="6" name="object 6"/>
+          <p:cNvSpPr txBox="1"/>
+          <p:nvPr/>
+        </p:nvSpPr>
+        <p:spPr>
+          <a:xfrm>
+            <a:off x="4704522" y="2685505"/>
+            <a:ext cx="4262899" cy="293029"/>
+          </a:xfrm>
+          <a:prstGeom prst="rect">
+            <a:avLst/>
+          </a:prstGeom>
+        </p:spPr>
+        <p:txBody>
+          <a:bodyPr vert="horz" wrap="square" lIns="0" tIns="15875" rIns="0" bIns="0">
+            <a:spAutoFit/>
+          </a:bodyPr>
+          <a:lstStyle/>
+          <a:p>
+            <a:pPr marL="12700" lvl="0">
+              <a:lnSpc>
+                <a:spcPct val="100000"/>
+              </a:lnSpc>
+              <a:spcBef>
+                <a:spcPts val="125"/>
+              </a:spcBef>
+              <a:tabLst>
+                <a:tab pos="673100" algn="l"/>
+              </a:tabLst>
+              <a:defRPr/>
+            </a:pPr>
+            <a:r>
+              <a:rPr spc="55">
+                <a:cs typeface="함초롬바탕"/>
+              </a:rPr>
+              <a:t>←</a:t>
+            </a:r>
+            <a:r>
+              <a:rPr lang="en-US">
+                <a:cs typeface="함초롬바탕"/>
+              </a:rPr>
+              <a:t> </a:t>
+            </a:r>
+            <a:r>
+              <a:rPr lang="ko-KR" altLang="en-US">
+                <a:cs typeface="함초롬바탕"/>
+              </a:rPr>
+              <a:t>인</a:t>
+            </a:r>
+            <a:r>
+              <a:rPr spc="-204">
+                <a:cs typeface="함초롬바탕"/>
+              </a:rPr>
+              <a:t>풋&amp;아웃풋의</a:t>
+            </a:r>
+            <a:r>
+              <a:rPr spc="-10">
+                <a:cs typeface="함초롬바탕"/>
+              </a:rPr>
+              <a:t> </a:t>
+            </a:r>
+            <a:r>
+              <a:rPr spc="-215">
+                <a:cs typeface="함초롬바탕"/>
+              </a:rPr>
+              <a:t>헤더파일들을</a:t>
+            </a:r>
+            <a:r>
+              <a:rPr spc="-5">
+                <a:cs typeface="함초롬바탕"/>
+              </a:rPr>
+              <a:t> </a:t>
+            </a:r>
+            <a:r>
+              <a:rPr spc="-10">
+                <a:cs typeface="함초롬바탕"/>
+              </a:rPr>
+              <a:t>포함한다!</a:t>
+            </a:r>
+            <a:endParaRPr>
+              <a:cs typeface="함초롬바탕"/>
+            </a:endParaRPr>
+          </a:p>
+        </p:txBody>
+      </p:sp>
+      <p:sp>
+        <p:nvSpPr>
+          <p:cNvPr id="7" name="object 7"/>
+          <p:cNvSpPr txBox="1"/>
+          <p:nvPr/>
+        </p:nvSpPr>
+        <p:spPr>
+          <a:xfrm>
+            <a:off x="3419618" y="3829345"/>
+            <a:ext cx="3405390" cy="293029"/>
+          </a:xfrm>
+          <a:prstGeom prst="rect">
+            <a:avLst/>
+          </a:prstGeom>
+        </p:spPr>
+        <p:txBody>
+          <a:bodyPr vert="horz" wrap="square" lIns="0" tIns="15875" rIns="0" bIns="0">
+            <a:spAutoFit/>
+          </a:bodyPr>
+          <a:lstStyle/>
+          <a:p>
+            <a:pPr marL="12700" lvl="0">
+              <a:lnSpc>
+                <a:spcPct val="100000"/>
+              </a:lnSpc>
+              <a:spcBef>
+                <a:spcPts val="125"/>
+              </a:spcBef>
+              <a:tabLst>
+                <a:tab pos="673100" algn="l"/>
+              </a:tabLst>
+              <a:defRPr/>
+            </a:pPr>
+            <a:r>
+              <a:rPr spc="55">
+                <a:cs typeface="함초롬바탕"/>
+              </a:rPr>
+              <a:t>←</a:t>
+            </a:r>
+            <a:r>
+              <a:rPr lang="en-US">
+                <a:cs typeface="함초롬바탕"/>
+              </a:rPr>
+              <a:t> </a:t>
+            </a:r>
+            <a:r>
+              <a:rPr spc="-114">
+                <a:cs typeface="함초롬바탕"/>
+              </a:rPr>
+              <a:t>main</a:t>
+            </a:r>
+            <a:r>
+              <a:rPr lang="en-US" spc="-114">
+                <a:cs typeface="함초롬바탕"/>
+              </a:rPr>
+              <a:t> </a:t>
+            </a:r>
+            <a:r>
+              <a:rPr spc="-114">
+                <a:cs typeface="함초롬바탕"/>
+              </a:rPr>
+              <a:t>이라는</a:t>
+            </a:r>
+            <a:r>
+              <a:rPr spc="-60">
+                <a:cs typeface="함초롬바탕"/>
+              </a:rPr>
+              <a:t> </a:t>
+            </a:r>
+            <a:r>
+              <a:rPr spc="-295">
+                <a:cs typeface="함초롬바탕"/>
+              </a:rPr>
+              <a:t>함수를</a:t>
+            </a:r>
+            <a:r>
+              <a:rPr spc="-50">
+                <a:cs typeface="함초롬바탕"/>
+              </a:rPr>
+              <a:t> </a:t>
+            </a:r>
+            <a:r>
+              <a:rPr spc="-40">
+                <a:cs typeface="함초롬바탕"/>
+              </a:rPr>
+              <a:t>선언한다.</a:t>
+            </a:r>
+            <a:endParaRPr>
+              <a:cs typeface="함초롬바탕"/>
+            </a:endParaRPr>
           </a:p>
         </p:txBody>
       </p:sp>
     </p:spTree>
-    <p:extLst>
-      <p:ext uri="{BB962C8B-B14F-4D97-AF65-F5344CB8AC3E}">
-        <p14:creationId xmlns:p14="http://schemas.microsoft.com/office/powerpoint/2010/main" val="2221890180"/>
-      </p:ext>
-    </p:extLst>
   </p:cSld>
   <p:clrMapOvr>
     <a:masterClrMapping/>
   </p:clrMapOvr>
+  <mc:AlternateContent xmlns:mc="http://schemas.openxmlformats.org/markup-compatibility/2006" xmlns:p14="http://schemas.microsoft.com/office/powerpoint/2010/main">
+    <mc:Choice Requires="p14">
+      <p:transition/>
+    </mc:Choice>
+    <mc:Fallback xmlns:dsp="http://schemas.microsoft.com/office/drawing/2008/diagram" xmlns:dgm="http://schemas.openxmlformats.org/drawingml/2006/diagram" xmlns:c="http://schemas.openxmlformats.org/drawingml/2006/chart" xmlns="">
+      <p:transition/>
+    </mc:Fallback>
+  </mc:AlternateContent>
 </p:sld>
 </file>
 
@@ -4257,13 +6605,7 @@
       </p:grpSpPr>
       <p:sp>
         <p:nvSpPr>
-          <p:cNvPr id="2" name="제목 1">
-            <a:extLst>
-              <a:ext uri="{FF2B5EF4-FFF2-40B4-BE49-F238E27FC236}">
-                <a16:creationId xmlns:a16="http://schemas.microsoft.com/office/drawing/2014/main" id="{0743F23E-AA9A-39EE-9ACF-C121FC7EC016}"/>
-              </a:ext>
-            </a:extLst>
-          </p:cNvPr>
+          <p:cNvPr id="2" name="제목 1"/>
           <p:cNvSpPr>
             <a:spLocks noGrp="1"/>
           </p:cNvSpPr>
@@ -4273,234 +6615,317 @@
         </p:nvSpPr>
         <p:spPr/>
         <p:txBody>
+          <a:bodyPr/>
+          <a:lstStyle/>
+          <a:p>
+            <a:pPr lvl="0">
+              <a:defRPr/>
+            </a:pPr>
+            <a:r>
+              <a:rPr lang="en-US" altLang="ko-KR"/>
+              <a:t>Printf : </a:t>
+            </a:r>
+            <a:r>
+              <a:rPr lang="ko-KR" altLang="en-US"/>
+              <a:t>출력</a:t>
+            </a:r>
+            <a:r>
+              <a:rPr lang="en-US" altLang="ko-KR"/>
+              <a:t>, output</a:t>
+            </a:r>
+            <a:endParaRPr lang="ko-KR" altLang="en-US"/>
+          </a:p>
+        </p:txBody>
+      </p:sp>
+      <p:sp>
+        <p:nvSpPr>
+          <p:cNvPr id="3" name="내용 개체 틀 2"/>
+          <p:cNvSpPr>
+            <a:spLocks noGrp="1"/>
+          </p:cNvSpPr>
+          <p:nvPr>
+            <p:ph idx="1"/>
+          </p:nvPr>
+        </p:nvSpPr>
+        <p:spPr/>
+        <p:txBody>
           <a:bodyPr>
-            <a:normAutofit fontScale="90000"/>
+            <a:normAutofit/>
           </a:bodyPr>
           <a:lstStyle/>
           <a:p>
-            <a:r>
-              <a:rPr lang="ko-KR" altLang="en-US" dirty="0"/>
-              <a:t>연산자 </a:t>
-            </a:r>
-            <a:r>
-              <a:rPr lang="en-US" altLang="ko-KR" dirty="0"/>
-              <a:t>: </a:t>
-            </a:r>
-            <a:r>
-              <a:rPr lang="ko-KR" altLang="en-US" dirty="0"/>
-              <a:t>변수나 값들을 연산하는 기호를 의미</a:t>
-            </a:r>
-          </a:p>
-        </p:txBody>
-      </p:sp>
-      <p:sp>
-        <p:nvSpPr>
-          <p:cNvPr id="3" name="내용 개체 틀 2">
-            <a:extLst>
-              <a:ext uri="{FF2B5EF4-FFF2-40B4-BE49-F238E27FC236}">
-                <a16:creationId xmlns:a16="http://schemas.microsoft.com/office/drawing/2014/main" id="{2E722D8F-488B-F34F-058E-5E9EA42959C1}"/>
-              </a:ext>
-            </a:extLst>
-          </p:cNvPr>
-          <p:cNvSpPr>
-            <a:spLocks noGrp="1"/>
-          </p:cNvSpPr>
-          <p:nvPr>
-            <p:ph idx="1"/>
-          </p:nvPr>
-        </p:nvSpPr>
-        <p:spPr/>
-        <p:txBody>
-          <a:bodyPr/>
-          <a:lstStyle/>
-          <a:p>
-            <a:r>
-              <a:rPr lang="ko-KR" altLang="en-US" dirty="0"/>
-              <a:t>사칙연산 </a:t>
-            </a:r>
-            <a:r>
-              <a:rPr lang="en-US" altLang="ko-KR" dirty="0"/>
-              <a:t>: </a:t>
-            </a:r>
-            <a:r>
-              <a:rPr lang="ko-KR" altLang="en-US" dirty="0"/>
-              <a:t>우리가 수학에서 배우는 </a:t>
-            </a:r>
-            <a:r>
-              <a:rPr lang="ko-KR" altLang="en-US" dirty="0" err="1"/>
-              <a:t>그거임</a:t>
-            </a:r>
-            <a:r>
-              <a:rPr lang="en-US" altLang="ko-KR" dirty="0"/>
+            <a:pPr lvl="0">
+              <a:defRPr/>
+            </a:pPr>
+            <a:r>
+              <a:rPr lang="en-US" altLang="ko-KR"/>
+              <a:t>Printf : </a:t>
+            </a:r>
+            <a:r>
+              <a:rPr lang="ko-KR" altLang="en-US"/>
+              <a:t>문자나 수를 출력할때 사용하는 함수</a:t>
+            </a:r>
+            <a:r>
+              <a:rPr lang="en-US" altLang="ko-KR"/>
               <a:t>.</a:t>
             </a:r>
           </a:p>
           <a:p>
-            <a:r>
-              <a:rPr lang="en-US" altLang="ko-KR" sz="2400" dirty="0"/>
-              <a:t>+, -, *, / </a:t>
-            </a:r>
-            <a:r>
-              <a:rPr lang="ko-KR" altLang="en-US" sz="2400" dirty="0"/>
-              <a:t>가 있고</a:t>
-            </a:r>
-            <a:r>
-              <a:rPr lang="en-US" altLang="ko-KR" sz="2400" dirty="0"/>
-              <a:t>, </a:t>
-            </a:r>
-            <a:r>
-              <a:rPr lang="ko-KR" altLang="en-US" sz="2400" dirty="0"/>
-              <a:t>추가적으로 나누기를 했을 때 </a:t>
-            </a:r>
-            <a:r>
-              <a:rPr lang="ko-KR" altLang="en-US" sz="2400" dirty="0" err="1"/>
-              <a:t>정수값만</a:t>
-            </a:r>
-            <a:r>
-              <a:rPr lang="ko-KR" altLang="en-US" sz="2400" dirty="0"/>
-              <a:t> 출력하는 </a:t>
-            </a:r>
-            <a:r>
-              <a:rPr lang="en-US" altLang="ko-KR" sz="2400" dirty="0"/>
-              <a:t>// </a:t>
-            </a:r>
-            <a:r>
-              <a:rPr lang="ko-KR" altLang="en-US" sz="2400" dirty="0"/>
-              <a:t>과 나누기 값에 나머지만 출력하는 </a:t>
-            </a:r>
-            <a:r>
-              <a:rPr lang="en-US" altLang="ko-KR" sz="2400" dirty="0"/>
-              <a:t>%</a:t>
-            </a:r>
-            <a:r>
-              <a:rPr lang="ko-KR" altLang="en-US" sz="2400" dirty="0"/>
-              <a:t>가</a:t>
-            </a:r>
-            <a:r>
-              <a:rPr lang="en-US" altLang="ko-KR" sz="2400" dirty="0"/>
+            <a:pPr lvl="0">
+              <a:defRPr/>
+            </a:pPr>
+            <a:endParaRPr lang="en-US" altLang="ko-KR" sz="1050"/>
+          </a:p>
+          <a:p>
+            <a:pPr lvl="0">
+              <a:defRPr/>
+            </a:pPr>
+            <a:r>
+              <a:rPr lang="ko-KR" altLang="en-US" sz="2400"/>
+              <a:t>예시 문제 </a:t>
+            </a:r>
+            <a:r>
+              <a:rPr lang="en-US" altLang="ko-KR" sz="2400"/>
+              <a:t>(char a=“hello</a:t>
+            </a:r>
+            <a:r>
+              <a:rPr lang="ko-KR" altLang="en-US" sz="2400"/>
               <a:t> </a:t>
             </a:r>
             <a:r>
-              <a:rPr lang="ko-KR" altLang="en-US" sz="2400" dirty="0"/>
-              <a:t>있음</a:t>
-            </a:r>
-            <a:r>
-              <a:rPr lang="en-US" altLang="ko-KR" sz="2400" dirty="0"/>
-              <a:t>.</a:t>
-            </a:r>
-          </a:p>
-          <a:p>
-            <a:endParaRPr lang="en-US" altLang="ko-KR" sz="2000" dirty="0"/>
-          </a:p>
-          <a:p>
-            <a:r>
-              <a:rPr lang="ko-KR" altLang="en-US" dirty="0"/>
-              <a:t>논리연산 </a:t>
-            </a:r>
-            <a:r>
-              <a:rPr lang="en-US" altLang="ko-KR" dirty="0"/>
-              <a:t>: LOGIC GATE</a:t>
-            </a:r>
-            <a:r>
-              <a:rPr lang="ko-KR" altLang="en-US" dirty="0"/>
-              <a:t>를 이용한 연산자</a:t>
-            </a:r>
-            <a:r>
-              <a:rPr lang="en-US" altLang="ko-KR" dirty="0"/>
-              <a:t>.</a:t>
-            </a:r>
-          </a:p>
-          <a:p>
-            <a:r>
-              <a:rPr lang="en-US" altLang="ko-KR" sz="2400" dirty="0"/>
-              <a:t>&amp;&amp; : and, || : or, ! : not </a:t>
-            </a:r>
-            <a:r>
-              <a:rPr lang="ko-KR" altLang="en-US" sz="2400" dirty="0"/>
-              <a:t>이 있음</a:t>
-            </a:r>
-            <a:r>
-              <a:rPr lang="en-US" altLang="ko-KR" sz="2400" dirty="0"/>
-              <a:t>.</a:t>
-            </a:r>
-          </a:p>
-          <a:p>
-            <a:endParaRPr lang="en-US" altLang="ko-KR" sz="2000" dirty="0"/>
-          </a:p>
-          <a:p>
-            <a:r>
-              <a:rPr lang="ko-KR" altLang="en-US" dirty="0"/>
-              <a:t>대입연산 </a:t>
-            </a:r>
-            <a:r>
-              <a:rPr lang="en-US" altLang="ko-KR" dirty="0"/>
-              <a:t>: A = 13, </a:t>
-            </a:r>
-            <a:r>
-              <a:rPr lang="ko-KR" altLang="en-US" dirty="0"/>
-              <a:t>이처럼 어떤 변수에 값을 할당하는 연산자</a:t>
-            </a:r>
-            <a:r>
-              <a:rPr lang="en-US" altLang="ko-KR" dirty="0"/>
-              <a:t>.</a:t>
-            </a:r>
-          </a:p>
-          <a:p>
-            <a:r>
-              <a:rPr lang="en-US" altLang="ko-KR" sz="2400" dirty="0"/>
-              <a:t>= : </a:t>
-            </a:r>
-            <a:r>
-              <a:rPr lang="ko-KR" altLang="en-US" sz="2400" dirty="0"/>
-              <a:t>값을 할당하거나 저장할 때 주로 사용</a:t>
-            </a:r>
-            <a:r>
-              <a:rPr lang="en-US" altLang="ko-KR" sz="2400" dirty="0"/>
-              <a:t>.</a:t>
-            </a:r>
-          </a:p>
-          <a:p>
-            <a:r>
-              <a:rPr lang="en-US" altLang="ko-KR" sz="2400" dirty="0"/>
-              <a:t>+= : A+=13 =&gt; A=13+A</a:t>
-            </a:r>
-            <a:r>
-              <a:rPr lang="ko-KR" altLang="en-US" sz="2400" dirty="0"/>
-              <a:t>와 같음</a:t>
-            </a:r>
-            <a:r>
-              <a:rPr lang="en-US" altLang="ko-KR" sz="2400" dirty="0"/>
-              <a:t>. </a:t>
-            </a:r>
-            <a:r>
-              <a:rPr lang="ko-KR" altLang="en-US" sz="2400" dirty="0"/>
-              <a:t>이와 비슷한 </a:t>
-            </a:r>
-            <a:r>
-              <a:rPr lang="en-US" altLang="ko-KR" sz="2400" dirty="0"/>
-              <a:t>-=, *=, /= </a:t>
-            </a:r>
-            <a:r>
-              <a:rPr lang="ko-KR" altLang="en-US" sz="2400" dirty="0"/>
-              <a:t>가 있음</a:t>
-            </a:r>
-            <a:r>
-              <a:rPr lang="en-US" altLang="ko-KR" sz="2400" dirty="0"/>
-              <a:t>.</a:t>
-            </a:r>
+              <a:rPr lang="en-US" altLang="ko-KR" sz="2400"/>
+              <a:t>world!”, int b=10, double c=3.14159265358979)</a:t>
+            </a:r>
+          </a:p>
+          <a:p>
+            <a:pPr lvl="0">
+              <a:defRPr/>
+            </a:pPr>
+            <a:r>
+              <a:rPr lang="en-US" altLang="ko-KR" sz="1800"/>
+              <a:t>Ex1)printf(“%d”, b);	</a:t>
+            </a:r>
+            <a:r>
+              <a:rPr lang="ko-KR" altLang="en-US" sz="1800"/>
+              <a:t>	</a:t>
+            </a:r>
+            <a:r>
+              <a:rPr lang="en-US" altLang="ko-KR" sz="1800"/>
+              <a:t>//b</a:t>
+            </a:r>
+            <a:r>
+              <a:rPr lang="ko-KR" altLang="en-US" sz="1800"/>
+              <a:t>의 저장 된 </a:t>
+            </a:r>
+            <a:r>
+              <a:rPr lang="en-US" altLang="ko-KR" sz="1800"/>
+              <a:t>10 </a:t>
+            </a:r>
+            <a:r>
+              <a:rPr lang="ko-KR" altLang="en-US" sz="1800"/>
+              <a:t>출력</a:t>
+            </a:r>
+          </a:p>
+          <a:p>
+            <a:pPr lvl="0">
+              <a:defRPr/>
+            </a:pPr>
+            <a:r>
+              <a:rPr lang="en-US" altLang="ko-KR" sz="1800"/>
+              <a:t>Ex2)printf(“%s”, a);	</a:t>
+            </a:r>
+            <a:r>
+              <a:rPr lang="ko-KR" altLang="en-US" sz="1800"/>
+              <a:t>	</a:t>
+            </a:r>
+            <a:r>
+              <a:rPr lang="en-US" altLang="ko-KR" sz="1800"/>
+              <a:t>//a</a:t>
+            </a:r>
+            <a:r>
+              <a:rPr lang="ko-KR" altLang="en-US" sz="1800"/>
+              <a:t>의 저장 된 </a:t>
+            </a:r>
+            <a:r>
+              <a:rPr lang="en-US" altLang="ko-KR" sz="1800"/>
+              <a:t>hello</a:t>
+            </a:r>
+            <a:r>
+              <a:rPr lang="ko-KR" altLang="en-US" sz="1800"/>
+              <a:t> </a:t>
+            </a:r>
+            <a:r>
+              <a:rPr lang="en-US" altLang="ko-KR" sz="1800"/>
+              <a:t>world! </a:t>
+            </a:r>
+            <a:r>
+              <a:rPr lang="ko-KR" altLang="en-US" sz="1800"/>
+              <a:t>출력</a:t>
+            </a:r>
+          </a:p>
+          <a:p>
+            <a:pPr lvl="0">
+              <a:defRPr/>
+            </a:pPr>
+            <a:r>
+              <a:rPr lang="en-US" altLang="ko-KR" sz="1800"/>
+              <a:t>Ex3)printf(“%lf”, c);	</a:t>
+            </a:r>
+            <a:r>
+              <a:rPr lang="ko-KR" altLang="en-US" sz="1800"/>
+              <a:t>	</a:t>
+            </a:r>
+            <a:r>
+              <a:rPr lang="en-US" altLang="ko-KR" sz="1800"/>
+              <a:t>//c</a:t>
+            </a:r>
+            <a:r>
+              <a:rPr lang="ko-KR" altLang="en-US" sz="1800"/>
+              <a:t>의 저장 된</a:t>
+            </a:r>
+            <a:r>
+              <a:rPr lang="en-US" altLang="ko-KR" sz="1800"/>
+              <a:t>3.14159265358979 </a:t>
+            </a:r>
+            <a:r>
+              <a:rPr lang="ko-KR" altLang="en-US" sz="1800"/>
+              <a:t>출력</a:t>
+            </a:r>
+          </a:p>
+          <a:p>
+            <a:pPr lvl="0">
+              <a:defRPr/>
+            </a:pPr>
+            <a:r>
+              <a:rPr lang="en-US" altLang="ko-KR" sz="1800"/>
+              <a:t>Ex4)printf(“hello</a:t>
+            </a:r>
+            <a:r>
+              <a:rPr lang="ko-KR" altLang="en-US" sz="1800"/>
+              <a:t> </a:t>
+            </a:r>
+            <a:r>
+              <a:rPr lang="en-US" altLang="ko-KR" sz="1800"/>
+              <a:t>world!”);	//hello world! </a:t>
+            </a:r>
+            <a:r>
+              <a:rPr lang="ko-KR" altLang="en-US" sz="1800"/>
+              <a:t>출력</a:t>
+            </a:r>
+          </a:p>
+          <a:p>
+            <a:pPr lvl="0">
+              <a:defRPr/>
+            </a:pPr>
+            <a:r>
+              <a:rPr lang="en-US" altLang="ko-KR" sz="1800"/>
+              <a:t>Ex5)printf(“%d”, 10);	</a:t>
+            </a:r>
+            <a:r>
+              <a:rPr lang="ko-KR" altLang="en-US" sz="1800"/>
+              <a:t>	</a:t>
+            </a:r>
+            <a:r>
+              <a:rPr lang="en-US" altLang="ko-KR" sz="1800"/>
+              <a:t>//10 </a:t>
+            </a:r>
+            <a:r>
+              <a:rPr lang="ko-KR" altLang="en-US" sz="1800"/>
+              <a:t>출력</a:t>
+            </a:r>
+          </a:p>
+          <a:p>
+            <a:pPr lvl="0">
+              <a:defRPr/>
+            </a:pPr>
+            <a:endParaRPr lang="en-US" altLang="ko-KR" sz="1050"/>
+          </a:p>
+          <a:p>
+            <a:pPr lvl="0">
+              <a:defRPr/>
+            </a:pPr>
+            <a:r>
+              <a:rPr lang="ko-KR" altLang="en-US"/>
+              <a:t>출력 시 사용하는 인자 값</a:t>
+            </a:r>
+          </a:p>
+          <a:p>
+            <a:pPr lvl="0">
+              <a:defRPr/>
+            </a:pPr>
+            <a:r>
+              <a:rPr lang="en-US" altLang="ko-KR" sz="1800"/>
+              <a:t>%d : </a:t>
+            </a:r>
+            <a:r>
+              <a:rPr lang="ko-KR" altLang="en-US" sz="1800"/>
+              <a:t>정수형 </a:t>
+            </a:r>
+            <a:r>
+              <a:rPr lang="en-US" altLang="ko-KR" sz="1800"/>
+              <a:t>/ %lf : double</a:t>
+            </a:r>
+            <a:r>
+              <a:rPr lang="ko-KR" altLang="en-US" sz="1800"/>
+              <a:t> 실수형</a:t>
+            </a:r>
+            <a:r>
+              <a:rPr lang="en-US" altLang="ko-KR" sz="1800"/>
+              <a:t> / %s : </a:t>
+            </a:r>
+            <a:r>
+              <a:rPr lang="ko-KR" altLang="en-US" sz="1800" b="1"/>
+              <a:t>문자</a:t>
+            </a:r>
+            <a:r>
+              <a:rPr lang="ko-KR" altLang="en-US" sz="1800" b="1">
+                <a:solidFill>
+                  <a:srgbClr val="FF0000"/>
+                </a:solidFill>
+              </a:rPr>
+              <a:t>열</a:t>
+            </a:r>
+            <a:r>
+              <a:rPr lang="ko-KR" altLang="en-US" sz="1800"/>
+              <a:t> 정수형</a:t>
+            </a:r>
+            <a:r>
+              <a:rPr lang="en-US" altLang="ko-KR" sz="1800"/>
+              <a:t> / %c : </a:t>
+            </a:r>
+            <a:r>
+              <a:rPr lang="ko-KR" altLang="en-US" sz="1800" b="1"/>
+              <a:t>문자</a:t>
+            </a:r>
+            <a:r>
+              <a:rPr lang="ko-KR" altLang="en-US" sz="1800"/>
+              <a:t> 정수형</a:t>
+            </a:r>
+            <a:r>
+              <a:rPr lang="en-US" altLang="ko-KR" sz="1800"/>
+              <a:t> / %f : float </a:t>
+            </a:r>
+            <a:r>
+              <a:rPr lang="ko-KR" altLang="en-US" sz="1800"/>
+              <a:t>실수형</a:t>
+            </a:r>
+            <a:endParaRPr lang="en-US" altLang="ko-KR" sz="1800"/>
           </a:p>
         </p:txBody>
       </p:sp>
     </p:spTree>
-    <p:extLst>
-      <p:ext uri="{BB962C8B-B14F-4D97-AF65-F5344CB8AC3E}">
-        <p14:creationId xmlns:p14="http://schemas.microsoft.com/office/powerpoint/2010/main" val="1006168419"/>
-      </p:ext>
-    </p:extLst>
   </p:cSld>
   <p:clrMapOvr>
     <a:masterClrMapping/>
   </p:clrMapOvr>
+  <mc:AlternateContent xmlns:mc="http://schemas.openxmlformats.org/markup-compatibility/2006" xmlns:p14="http://schemas.microsoft.com/office/powerpoint/2010/main">
+    <mc:Choice Requires="p14">
+      <p:transition/>
+    </mc:Choice>
+    <mc:Fallback xmlns:dsp="http://schemas.microsoft.com/office/drawing/2008/diagram" xmlns:dgm="http://schemas.openxmlformats.org/drawingml/2006/diagram" xmlns:c="http://schemas.openxmlformats.org/drawingml/2006/chart" xmlns="">
+      <p:transition/>
+    </mc:Fallback>
+  </mc:AlternateContent>
 </p:sld>
 </file>
 
@@ -4539,32 +6964,13 @@
         </p:nvSpPr>
         <p:spPr/>
         <p:txBody>
-          <a:bodyPr>
-            <a:normAutofit fontScale="90000"/>
-          </a:bodyPr>
-          <a:lstStyle/>
-          <a:p>
-            <a:r>
-              <a:rPr lang="ko-KR" altLang="en-US" dirty="0" err="1"/>
-              <a:t>제어문</a:t>
-            </a:r>
-            <a:r>
-              <a:rPr lang="en-US" altLang="ko-KR" dirty="0"/>
-              <a:t>1</a:t>
-            </a:r>
+          <a:bodyPr/>
+          <a:lstStyle/>
+          <a:p>
             <a:r>
               <a:rPr lang="ko-KR" altLang="en-US" dirty="0"/>
-              <a:t> </a:t>
-            </a:r>
-            <a:r>
-              <a:rPr lang="en-US" altLang="ko-KR" dirty="0"/>
-              <a:t>: </a:t>
-            </a:r>
-            <a:r>
-              <a:rPr lang="ko-KR" altLang="en-US" sz="4000" dirty="0"/>
-              <a:t>프로그램의 실행 흐름을 제어하는 문장</a:t>
-            </a:r>
-            <a:endParaRPr lang="ko-KR" altLang="en-US" dirty="0"/>
+              <a:t>문제 풀이</a:t>
+            </a:r>
           </a:p>
         </p:txBody>
       </p:sp>
@@ -4586,375 +6992,59 @@
         </p:nvSpPr>
         <p:spPr>
           <a:xfrm>
-            <a:off x="369849" y="1269845"/>
-            <a:ext cx="11452301" cy="5223509"/>
+            <a:off x="3896260" y="2119126"/>
+            <a:ext cx="4399480" cy="2619748"/>
           </a:xfrm>
         </p:spPr>
         <p:txBody>
-          <a:bodyPr/>
-          <a:lstStyle/>
-          <a:p>
-            <a:r>
-              <a:rPr lang="en-US" altLang="ko-KR" sz="2000" dirty="0"/>
-              <a:t>If</a:t>
-            </a:r>
-            <a:r>
-              <a:rPr lang="ko-KR" altLang="en-US" sz="2000" dirty="0"/>
-              <a:t> 문 </a:t>
-            </a:r>
-            <a:r>
-              <a:rPr lang="en-US" altLang="ko-KR" sz="2000" dirty="0"/>
-              <a:t>(</a:t>
-            </a:r>
-            <a:r>
-              <a:rPr lang="ko-KR" altLang="en-US" sz="2000" dirty="0"/>
-              <a:t>만약에 </a:t>
-            </a:r>
-            <a:r>
-              <a:rPr lang="en-US" altLang="ko-KR" sz="2000" dirty="0"/>
-              <a:t>~ </a:t>
-            </a:r>
-            <a:r>
-              <a:rPr lang="ko-KR" altLang="en-US" sz="2000" dirty="0"/>
-              <a:t>라면</a:t>
-            </a:r>
-            <a:r>
-              <a:rPr lang="en-US" altLang="ko-KR" sz="2000" dirty="0"/>
-              <a:t>) : </a:t>
-            </a:r>
-            <a:r>
-              <a:rPr lang="ko-KR" altLang="en-US" sz="2000" dirty="0"/>
-              <a:t>어떤 조건이 참인지 거짓인지 확인하고 맞는 조건의 작업을 수행하는 도구</a:t>
-            </a:r>
-            <a:r>
-              <a:rPr lang="en-US" altLang="ko-KR" sz="2000" dirty="0"/>
-              <a:t>.</a:t>
-            </a:r>
-          </a:p>
-          <a:p>
-            <a:r>
-              <a:rPr lang="en-US" altLang="ko-KR" sz="2000" dirty="0"/>
-              <a:t>Ex)</a:t>
-            </a:r>
-            <a:r>
-              <a:rPr lang="ko-KR" altLang="en-US" sz="2000" dirty="0"/>
-              <a:t>오늘 비가 오는가</a:t>
-            </a:r>
-            <a:r>
-              <a:rPr lang="en-US" altLang="ko-KR" sz="2000" dirty="0"/>
-              <a:t>? / </a:t>
-            </a:r>
-            <a:r>
-              <a:rPr lang="ko-KR" altLang="en-US" sz="2000" dirty="0"/>
-              <a:t>참 </a:t>
-            </a:r>
-            <a:r>
-              <a:rPr lang="en-US" altLang="ko-KR" sz="2000" dirty="0"/>
-              <a:t>=&gt; </a:t>
-            </a:r>
-            <a:r>
-              <a:rPr lang="ko-KR" altLang="en-US" sz="2000" dirty="0"/>
-              <a:t>우산을 챙긴다</a:t>
-            </a:r>
-            <a:r>
-              <a:rPr lang="en-US" altLang="ko-KR" sz="2000" dirty="0"/>
-              <a:t>. </a:t>
-            </a:r>
-          </a:p>
-          <a:p>
-            <a:endParaRPr lang="en-US" altLang="ko-KR" sz="1050" dirty="0"/>
-          </a:p>
-          <a:p>
-            <a:r>
-              <a:rPr lang="en-US" altLang="ko-KR" sz="2000" dirty="0"/>
-              <a:t>Else</a:t>
-            </a:r>
-            <a:r>
-              <a:rPr lang="ko-KR" altLang="en-US" sz="2000" dirty="0"/>
+          <a:bodyPr>
+            <a:normAutofit/>
+          </a:bodyPr>
+          <a:lstStyle/>
+          <a:p>
+            <a:pPr marL="0" indent="0" algn="ctr">
+              <a:lnSpc>
+                <a:spcPct val="300000"/>
+              </a:lnSpc>
+              <a:buNone/>
+            </a:pPr>
+            <a:r>
+              <a:rPr lang="en-US" altLang="ko-KR" dirty="0" err="1"/>
+              <a:t>Codeup</a:t>
+            </a:r>
+            <a:r>
+              <a:rPr lang="en-US" altLang="ko-KR" dirty="0"/>
               <a:t> </a:t>
             </a:r>
             <a:r>
-              <a:rPr lang="en-US" altLang="ko-KR" sz="2000" dirty="0"/>
-              <a:t>: </a:t>
-            </a:r>
-            <a:r>
-              <a:rPr lang="ko-KR" altLang="en-US" sz="2000" dirty="0"/>
-              <a:t>위 </a:t>
-            </a:r>
-            <a:r>
-              <a:rPr lang="en-US" altLang="ko-KR" sz="2000" dirty="0"/>
-              <a:t>If</a:t>
-            </a:r>
-            <a:r>
-              <a:rPr lang="ko-KR" altLang="en-US" sz="2000" dirty="0"/>
-              <a:t>문에서 거짓일 경우</a:t>
-            </a:r>
-            <a:r>
-              <a:rPr lang="en-US" altLang="ko-KR" sz="2000" dirty="0"/>
-              <a:t>, </a:t>
-            </a:r>
-            <a:r>
-              <a:rPr lang="ko-KR" altLang="en-US" sz="2000" dirty="0"/>
-              <a:t>추가적인 조건 없이 정해진 작업을 수행하는 도구</a:t>
-            </a:r>
-            <a:r>
-              <a:rPr lang="en-US" altLang="ko-KR" sz="2000" dirty="0"/>
-              <a:t>.</a:t>
-            </a:r>
-          </a:p>
-          <a:p>
-            <a:r>
-              <a:rPr lang="en-US" altLang="ko-KR" sz="2000" dirty="0"/>
-              <a:t>Ex)</a:t>
-            </a:r>
-            <a:r>
-              <a:rPr lang="ko-KR" altLang="en-US" sz="2000" dirty="0"/>
-              <a:t>오늘 비가 오는가</a:t>
-            </a:r>
-            <a:r>
-              <a:rPr lang="en-US" altLang="ko-KR" sz="2000" dirty="0"/>
-              <a:t>?</a:t>
-            </a:r>
-            <a:r>
-              <a:rPr lang="en-US" altLang="ko-KR" sz="2400" dirty="0"/>
-              <a:t> / </a:t>
-            </a:r>
-            <a:r>
-              <a:rPr lang="ko-KR" altLang="en-US" sz="2000" dirty="0"/>
-              <a:t>거짓 </a:t>
-            </a:r>
-            <a:r>
-              <a:rPr lang="en-US" altLang="ko-KR" sz="2000" dirty="0"/>
-              <a:t>=&gt; </a:t>
-            </a:r>
-            <a:r>
-              <a:rPr lang="ko-KR" altLang="en-US" sz="2000" dirty="0"/>
-              <a:t>그냥 놀러 나간다</a:t>
-            </a:r>
-            <a:r>
-              <a:rPr lang="en-US" altLang="ko-KR" sz="2000" dirty="0"/>
-              <a:t>.</a:t>
-            </a:r>
-          </a:p>
-          <a:p>
-            <a:endParaRPr lang="en-US" altLang="ko-KR" sz="1050" dirty="0"/>
-          </a:p>
-          <a:p>
-            <a:pPr algn="just"/>
-            <a:r>
-              <a:rPr lang="en-US" altLang="ko-KR" sz="2000" dirty="0"/>
-              <a:t>Else if</a:t>
-            </a:r>
-            <a:r>
-              <a:rPr lang="ko-KR" altLang="en-US" sz="2000" dirty="0"/>
-              <a:t> </a:t>
-            </a:r>
-            <a:r>
-              <a:rPr lang="en-US" altLang="ko-KR" sz="2000" dirty="0"/>
-              <a:t>: </a:t>
-            </a:r>
-            <a:r>
-              <a:rPr lang="ko-KR" altLang="en-US" sz="2000" dirty="0"/>
-              <a:t>위 </a:t>
-            </a:r>
-            <a:r>
-              <a:rPr lang="en-US" altLang="ko-KR" sz="2000" dirty="0"/>
-              <a:t>If</a:t>
-            </a:r>
-            <a:r>
-              <a:rPr lang="ko-KR" altLang="en-US" sz="2000" dirty="0"/>
-              <a:t>문에서 거짓일 경우</a:t>
-            </a:r>
-            <a:r>
-              <a:rPr lang="en-US" altLang="ko-KR" sz="2000" dirty="0"/>
-              <a:t>, </a:t>
-            </a:r>
-            <a:r>
-              <a:rPr lang="ko-KR" altLang="en-US" sz="2000" dirty="0"/>
-              <a:t>다른 조건에 충족하는지에 따라 참이면 작업을 수행하는 도구</a:t>
-            </a:r>
-            <a:r>
-              <a:rPr lang="en-US" altLang="ko-KR" sz="2000" dirty="0"/>
-              <a:t>.</a:t>
-            </a:r>
-          </a:p>
-          <a:p>
-            <a:r>
-              <a:rPr lang="en-US" altLang="ko-KR" sz="2000" dirty="0"/>
-              <a:t>Ex)</a:t>
-            </a:r>
-            <a:r>
-              <a:rPr lang="ko-KR" altLang="en-US" sz="2000" dirty="0"/>
-              <a:t>오늘 비가 오는가</a:t>
-            </a:r>
-            <a:r>
-              <a:rPr lang="en-US" altLang="ko-KR" sz="2000" dirty="0"/>
-              <a:t>? / </a:t>
-            </a:r>
-            <a:r>
-              <a:rPr lang="ko-KR" altLang="en-US" sz="2000" dirty="0"/>
-              <a:t>거짓 </a:t>
-            </a:r>
-            <a:r>
-              <a:rPr lang="en-US" altLang="ko-KR" sz="2000" dirty="0"/>
-              <a:t>=&gt; </a:t>
-            </a:r>
-            <a:r>
-              <a:rPr lang="ko-KR" altLang="en-US" sz="2000" dirty="0"/>
-              <a:t>오늘 눈이 오는가</a:t>
-            </a:r>
-            <a:r>
-              <a:rPr lang="en-US" altLang="ko-KR" sz="2000" dirty="0"/>
-              <a:t>? / </a:t>
-            </a:r>
-            <a:r>
-              <a:rPr lang="ko-KR" altLang="en-US" sz="2000" dirty="0"/>
-              <a:t>참 </a:t>
-            </a:r>
-            <a:r>
-              <a:rPr lang="en-US" altLang="ko-KR" sz="2000" dirty="0"/>
-              <a:t>=&gt; </a:t>
-            </a:r>
-            <a:r>
-              <a:rPr lang="ko-KR" altLang="en-US" sz="2000" dirty="0"/>
-              <a:t>패딩을 입는다</a:t>
-            </a:r>
-            <a:r>
-              <a:rPr lang="en-US" altLang="ko-KR" sz="2000" dirty="0"/>
-              <a:t>.</a:t>
-            </a:r>
-          </a:p>
-          <a:p>
-            <a:r>
-              <a:rPr lang="en-US" altLang="ko-KR" sz="2000" dirty="0"/>
-              <a:t># </a:t>
-            </a:r>
-            <a:r>
-              <a:rPr lang="ko-KR" altLang="en-US" sz="2000" dirty="0"/>
-              <a:t>예제 코드</a:t>
-            </a:r>
-            <a:endParaRPr lang="en-US" altLang="ko-KR" sz="2000" dirty="0"/>
-          </a:p>
-          <a:p>
-            <a:r>
-              <a:rPr lang="en-US" altLang="ko-KR" sz="1200" b="1" dirty="0"/>
-              <a:t>If (</a:t>
-            </a:r>
-            <a:r>
-              <a:rPr lang="ko-KR" altLang="en-US" sz="1200" b="1" dirty="0"/>
-              <a:t>비가 오는가</a:t>
-            </a:r>
-            <a:r>
-              <a:rPr lang="en-US" altLang="ko-KR" sz="1200" b="1" dirty="0"/>
-              <a:t>?) {</a:t>
-            </a:r>
-            <a:br>
-              <a:rPr lang="en-US" altLang="ko-KR" sz="1200" b="1" dirty="0"/>
-            </a:br>
-            <a:r>
-              <a:rPr lang="en-US" altLang="ko-KR" sz="1200" b="1" dirty="0"/>
-              <a:t>	</a:t>
-            </a:r>
-            <a:r>
-              <a:rPr lang="ko-KR" altLang="en-US" sz="1200" b="1" dirty="0"/>
-              <a:t>우산을 가져간다</a:t>
-            </a:r>
-            <a:r>
-              <a:rPr lang="en-US" altLang="ko-KR" sz="1200" b="1" dirty="0"/>
-              <a:t>();  //</a:t>
-            </a:r>
-            <a:r>
-              <a:rPr lang="ko-KR" altLang="en-US" sz="1200" b="1" dirty="0"/>
-              <a:t>비 올 때 우산을 가져가는 코드</a:t>
-            </a:r>
-            <a:br>
-              <a:rPr lang="en-US" altLang="ko-KR" sz="1200" b="1" dirty="0"/>
-            </a:br>
-            <a:r>
-              <a:rPr lang="en-US" altLang="ko-KR" sz="1200" b="1" dirty="0"/>
-              <a:t>}</a:t>
-            </a:r>
-            <a:br>
-              <a:rPr lang="en-US" altLang="ko-KR" sz="1200" b="1" dirty="0"/>
-            </a:br>
-            <a:r>
-              <a:rPr lang="en-US" altLang="ko-KR" sz="1200" b="1" dirty="0"/>
-              <a:t>Else if (</a:t>
-            </a:r>
-            <a:r>
-              <a:rPr lang="ko-KR" altLang="en-US" sz="1200" b="1" dirty="0"/>
-              <a:t>눈이 오는가</a:t>
-            </a:r>
-            <a:r>
-              <a:rPr lang="en-US" altLang="ko-KR" sz="1200" b="1" dirty="0"/>
-              <a:t>?) {</a:t>
-            </a:r>
-            <a:br>
-              <a:rPr lang="en-US" altLang="ko-KR" sz="1200" b="1" dirty="0"/>
-            </a:br>
-            <a:r>
-              <a:rPr lang="en-US" altLang="ko-KR" sz="1200" b="1" dirty="0"/>
-              <a:t>	</a:t>
-            </a:r>
-            <a:r>
-              <a:rPr lang="ko-KR" altLang="en-US" sz="1200" b="1" dirty="0"/>
-              <a:t>패딩을 입는다</a:t>
-            </a:r>
-            <a:r>
-              <a:rPr lang="en-US" altLang="ko-KR" sz="1200" b="1" dirty="0"/>
-              <a:t>();     //</a:t>
-            </a:r>
-            <a:r>
-              <a:rPr lang="ko-KR" altLang="en-US" sz="1200" b="1" dirty="0"/>
-              <a:t>눈 올 때 패딩을 입는 코드</a:t>
-            </a:r>
-            <a:br>
-              <a:rPr lang="en-US" altLang="ko-KR" sz="1200" b="1" dirty="0"/>
-            </a:br>
-            <a:r>
-              <a:rPr lang="en-US" altLang="ko-KR" sz="1200" b="1" dirty="0"/>
-              <a:t>}</a:t>
-            </a:r>
-            <a:br>
-              <a:rPr lang="en-US" altLang="ko-KR" sz="1200" b="1" dirty="0"/>
-            </a:br>
-            <a:r>
-              <a:rPr lang="en-US" altLang="ko-KR" sz="1200" b="1" dirty="0"/>
-              <a:t>else {</a:t>
-            </a:r>
-            <a:br>
-              <a:rPr lang="en-US" altLang="ko-KR" sz="1200" b="1" dirty="0"/>
-            </a:br>
-            <a:r>
-              <a:rPr lang="en-US" altLang="ko-KR" sz="1200" b="1" dirty="0"/>
-              <a:t>	</a:t>
-            </a:r>
-            <a:r>
-              <a:rPr lang="ko-KR" altLang="en-US" sz="1200" b="1" dirty="0"/>
-              <a:t>그냥 놀러 나간다</a:t>
-            </a:r>
-            <a:r>
-              <a:rPr lang="en-US" altLang="ko-KR" sz="1200" b="1" dirty="0"/>
-              <a:t>(); //</a:t>
-            </a:r>
-            <a:r>
-              <a:rPr lang="ko-KR" altLang="en-US" sz="1200" b="1" dirty="0"/>
-              <a:t>날씨가 좋을 때 그냥 나가는 코드</a:t>
-            </a:r>
-            <a:endParaRPr lang="en-US" altLang="ko-KR" sz="1200" b="1" dirty="0"/>
-          </a:p>
-          <a:p>
-            <a:r>
-              <a:rPr lang="en-US" altLang="ko-KR" sz="1200" b="1" dirty="0"/>
-              <a:t>}</a:t>
-            </a:r>
+              <a:rPr lang="ko-KR" altLang="en-US" dirty="0"/>
+              <a:t>풀이하기</a:t>
+            </a:r>
+            <a:endParaRPr lang="en-US" altLang="ko-KR" dirty="0"/>
+          </a:p>
+          <a:p>
+            <a:pPr marL="0" indent="0" algn="ctr">
+              <a:lnSpc>
+                <a:spcPct val="300000"/>
+              </a:lnSpc>
+              <a:buNone/>
+            </a:pPr>
+            <a:r>
+              <a:rPr lang="en-US" altLang="ko-KR" dirty="0"/>
+              <a:t>1001 ~ 1007</a:t>
+            </a:r>
+            <a:r>
+              <a:rPr lang="ko-KR" altLang="en-US" dirty="0"/>
+              <a:t>번까지 풀기</a:t>
+            </a:r>
+            <a:endParaRPr lang="en-US" altLang="ko-KR" dirty="0"/>
           </a:p>
         </p:txBody>
       </p:sp>
     </p:spTree>
     <p:extLst>
       <p:ext uri="{BB962C8B-B14F-4D97-AF65-F5344CB8AC3E}">
-        <p14:creationId xmlns:p14="http://schemas.microsoft.com/office/powerpoint/2010/main" val="4150264535"/>
+        <p14:creationId xmlns:p14="http://schemas.microsoft.com/office/powerpoint/2010/main" val="456690215"/>
       </p:ext>
     </p:extLst>
   </p:cSld>
@@ -4999,32 +7089,13 @@
         </p:nvSpPr>
         <p:spPr/>
         <p:txBody>
-          <a:bodyPr>
-            <a:normAutofit fontScale="90000"/>
-          </a:bodyPr>
-          <a:lstStyle/>
-          <a:p>
-            <a:r>
-              <a:rPr lang="ko-KR" altLang="en-US" dirty="0" err="1"/>
-              <a:t>제어문</a:t>
-            </a:r>
-            <a:r>
-              <a:rPr lang="en-US" altLang="ko-KR" dirty="0"/>
-              <a:t>2</a:t>
-            </a:r>
+          <a:bodyPr/>
+          <a:lstStyle/>
+          <a:p>
             <a:r>
               <a:rPr lang="ko-KR" altLang="en-US" dirty="0"/>
-              <a:t> </a:t>
-            </a:r>
-            <a:r>
-              <a:rPr lang="en-US" altLang="ko-KR" dirty="0"/>
-              <a:t>: </a:t>
-            </a:r>
-            <a:r>
-              <a:rPr lang="ko-KR" altLang="en-US" sz="4000" dirty="0"/>
-              <a:t>프로그램의 실행 흐름을 제어하는 문장</a:t>
-            </a:r>
-            <a:endParaRPr lang="ko-KR" altLang="en-US" dirty="0"/>
+              <a:t>자료형과 변수 선언</a:t>
+            </a:r>
           </a:p>
         </p:txBody>
       </p:sp>
@@ -5046,36 +7117,393 @@
         </p:nvSpPr>
         <p:spPr>
           <a:xfrm>
-            <a:off x="369849" y="1269845"/>
-            <a:ext cx="11452301" cy="5223509"/>
+            <a:off x="838200" y="1177290"/>
+            <a:ext cx="10515600" cy="5424232"/>
           </a:xfrm>
         </p:spPr>
         <p:txBody>
-          <a:bodyPr>
-            <a:normAutofit/>
-          </a:bodyPr>
-          <a:lstStyle/>
-          <a:p>
-            <a:r>
-              <a:rPr lang="en-US" altLang="ko-KR" sz="2400" b="1" dirty="0"/>
-              <a:t>For </a:t>
-            </a:r>
-            <a:r>
-              <a:rPr lang="ko-KR" altLang="en-US" sz="2400" b="1" dirty="0"/>
-              <a:t>문 </a:t>
-            </a:r>
-            <a:r>
-              <a:rPr lang="en-US" altLang="ko-KR" sz="2400" b="1"/>
-              <a:t>: </a:t>
-            </a:r>
-            <a:endParaRPr lang="en-US" altLang="ko-KR" sz="2400" b="1" dirty="0"/>
+          <a:bodyPr/>
+          <a:lstStyle/>
+          <a:p>
+            <a:r>
+              <a:rPr lang="en-US" altLang="ko-KR" sz="2400" dirty="0"/>
+              <a:t>C</a:t>
+            </a:r>
+            <a:r>
+              <a:rPr lang="ko-KR" altLang="en-US" sz="2400" dirty="0"/>
+              <a:t>언어의 대표 자료형</a:t>
+            </a:r>
+            <a:endParaRPr lang="en-US" altLang="ko-KR" sz="2400" dirty="0"/>
+          </a:p>
+          <a:p>
+            <a:r>
+              <a:rPr lang="en-US" altLang="ko-KR" sz="1800" dirty="0"/>
+              <a:t>Int : </a:t>
+            </a:r>
+            <a:r>
+              <a:rPr lang="ko-KR" altLang="en-US" sz="1800" dirty="0"/>
+              <a:t>정수형</a:t>
+            </a:r>
+            <a:r>
+              <a:rPr lang="en-US" altLang="ko-KR" sz="1800" dirty="0"/>
+              <a:t>. 1</a:t>
+            </a:r>
+            <a:r>
+              <a:rPr lang="ko-KR" altLang="en-US" sz="1800" dirty="0"/>
+              <a:t>이나 </a:t>
+            </a:r>
+            <a:r>
+              <a:rPr lang="en-US" altLang="ko-KR" sz="1800" dirty="0"/>
+              <a:t>-100</a:t>
+            </a:r>
+            <a:r>
+              <a:rPr lang="ko-KR" altLang="en-US" sz="1800" dirty="0"/>
+              <a:t>과 같은 정수를 표현할 때 씀</a:t>
+            </a:r>
+            <a:r>
+              <a:rPr lang="en-US" altLang="ko-KR" sz="1800" dirty="0"/>
+              <a:t>(4</a:t>
+            </a:r>
+            <a:r>
+              <a:rPr lang="ko-KR" altLang="en-US" sz="1800" dirty="0"/>
+              <a:t>바이트</a:t>
+            </a:r>
+            <a:r>
+              <a:rPr lang="en-US" altLang="ko-KR" sz="1800" dirty="0"/>
+              <a:t>(32bit)). </a:t>
+            </a:r>
+            <a:r>
+              <a:rPr lang="ko-KR" altLang="en-US" sz="1800" dirty="0"/>
+              <a:t>출력 시 </a:t>
+            </a:r>
+            <a:r>
+              <a:rPr lang="en-US" altLang="ko-KR" sz="1800" dirty="0"/>
+              <a:t>‘%d’ </a:t>
+            </a:r>
+            <a:r>
+              <a:rPr lang="ko-KR" altLang="en-US" sz="1800" dirty="0"/>
+              <a:t>인자를 사용</a:t>
+            </a:r>
+            <a:r>
+              <a:rPr lang="en-US" altLang="ko-KR" sz="1800" dirty="0"/>
+              <a:t>.</a:t>
+            </a:r>
+          </a:p>
+          <a:p>
+            <a:r>
+              <a:rPr lang="en-US" altLang="ko-KR" sz="1800" dirty="0"/>
+              <a:t>Float : 32bit</a:t>
+            </a:r>
+            <a:r>
+              <a:rPr lang="ko-KR" altLang="en-US" sz="1800" dirty="0"/>
+              <a:t> 실수형</a:t>
+            </a:r>
+            <a:r>
+              <a:rPr lang="en-US" altLang="ko-KR" sz="1800" dirty="0"/>
+              <a:t>. 3.1</a:t>
+            </a:r>
+            <a:r>
+              <a:rPr lang="ko-KR" altLang="en-US" sz="1800" dirty="0"/>
+              <a:t>이나 </a:t>
+            </a:r>
+            <a:r>
+              <a:rPr lang="en-US" altLang="ko-KR" sz="1800" dirty="0"/>
+              <a:t>-283.1</a:t>
+            </a:r>
+            <a:r>
+              <a:rPr lang="ko-KR" altLang="en-US" sz="1800" dirty="0"/>
+              <a:t>과 같은 소수를 표현할 때 사용</a:t>
+            </a:r>
+            <a:r>
+              <a:rPr lang="en-US" altLang="ko-KR" sz="1800" dirty="0"/>
+              <a:t>. Float</a:t>
+            </a:r>
+            <a:r>
+              <a:rPr lang="ko-KR" altLang="en-US" sz="1800" dirty="0"/>
+              <a:t>의 경우 최대 </a:t>
+            </a:r>
+            <a:r>
+              <a:rPr lang="en-US" altLang="ko-KR" sz="1800" dirty="0"/>
+              <a:t>4</a:t>
+            </a:r>
+            <a:r>
+              <a:rPr lang="ko-KR" altLang="en-US" sz="1800" dirty="0"/>
+              <a:t>바이트</a:t>
+            </a:r>
+            <a:r>
+              <a:rPr lang="en-US" altLang="ko-KR" sz="1800" dirty="0"/>
+              <a:t>(32bit)</a:t>
+            </a:r>
+            <a:r>
+              <a:rPr lang="ko-KR" altLang="en-US" sz="1800" dirty="0"/>
+              <a:t>의 수까지 표현 가능</a:t>
+            </a:r>
+            <a:r>
+              <a:rPr lang="en-US" altLang="ko-KR" sz="1800" dirty="0"/>
+              <a:t>. </a:t>
+            </a:r>
+            <a:r>
+              <a:rPr lang="ko-KR" altLang="en-US" sz="1800" dirty="0"/>
+              <a:t>출력 시 </a:t>
+            </a:r>
+            <a:r>
+              <a:rPr lang="en-US" altLang="ko-KR" sz="1800" dirty="0"/>
+              <a:t>‘%f’</a:t>
+            </a:r>
+            <a:r>
+              <a:rPr lang="ko-KR" altLang="en-US" sz="1800" dirty="0"/>
+              <a:t>  인자 사용</a:t>
+            </a:r>
+            <a:r>
+              <a:rPr lang="en-US" altLang="ko-KR" sz="1800" dirty="0"/>
+              <a:t>.</a:t>
+            </a:r>
+          </a:p>
+          <a:p>
+            <a:r>
+              <a:rPr lang="en-US" altLang="ko-KR" sz="1800" dirty="0"/>
+              <a:t>Double : Float</a:t>
+            </a:r>
+            <a:r>
+              <a:rPr lang="ko-KR" altLang="en-US" sz="1800" dirty="0"/>
+              <a:t>와 같은 실수형</a:t>
+            </a:r>
+            <a:r>
+              <a:rPr lang="en-US" altLang="ko-KR" sz="1800" dirty="0"/>
+              <a:t>. Double</a:t>
+            </a:r>
+            <a:r>
+              <a:rPr lang="ko-KR" altLang="en-US" sz="1800" dirty="0"/>
+              <a:t>의 경우 최대 </a:t>
+            </a:r>
+            <a:r>
+              <a:rPr lang="en-US" altLang="ko-KR" sz="1800" dirty="0"/>
+              <a:t>8</a:t>
+            </a:r>
+            <a:r>
+              <a:rPr lang="ko-KR" altLang="en-US" sz="1800" dirty="0"/>
+              <a:t>바이트</a:t>
+            </a:r>
+            <a:r>
+              <a:rPr lang="en-US" altLang="ko-KR" sz="1800" dirty="0"/>
+              <a:t>(64bit)</a:t>
+            </a:r>
+            <a:r>
+              <a:rPr lang="ko-KR" altLang="en-US" sz="1800" dirty="0"/>
+              <a:t>까지 표현할 수 있음</a:t>
+            </a:r>
+            <a:r>
+              <a:rPr lang="en-US" altLang="ko-KR" sz="1800" dirty="0"/>
+              <a:t>. </a:t>
+            </a:r>
+            <a:r>
+              <a:rPr lang="ko-KR" altLang="en-US" sz="1800" dirty="0"/>
+              <a:t>무한 소수를 </a:t>
+            </a:r>
+            <a:r>
+              <a:rPr lang="en-US" altLang="ko-KR" sz="1800" dirty="0"/>
+              <a:t>Float</a:t>
+            </a:r>
+            <a:r>
+              <a:rPr lang="ko-KR" altLang="en-US" sz="1800" dirty="0"/>
+              <a:t>보다 정확히 표현 가능</a:t>
+            </a:r>
+            <a:r>
+              <a:rPr lang="en-US" altLang="ko-KR" sz="1800" dirty="0"/>
+              <a:t>. </a:t>
+            </a:r>
+            <a:r>
+              <a:rPr lang="ko-KR" altLang="en-US" sz="1800" dirty="0"/>
+              <a:t>출력 시 </a:t>
+            </a:r>
+            <a:r>
+              <a:rPr lang="en-US" altLang="ko-KR" sz="1800" dirty="0"/>
+              <a:t>‘%</a:t>
+            </a:r>
+            <a:r>
+              <a:rPr lang="en-US" altLang="ko-KR" sz="1800" dirty="0" err="1"/>
+              <a:t>lf</a:t>
+            </a:r>
+            <a:r>
+              <a:rPr lang="en-US" altLang="ko-KR" sz="1800" dirty="0"/>
+              <a:t>’</a:t>
+            </a:r>
+            <a:r>
+              <a:rPr lang="ko-KR" altLang="en-US" sz="1800" dirty="0"/>
+              <a:t>  인자 사용</a:t>
+            </a:r>
+            <a:r>
+              <a:rPr lang="en-US" altLang="ko-KR" sz="1800" dirty="0"/>
+              <a:t>.</a:t>
+            </a:r>
+          </a:p>
+          <a:p>
+            <a:r>
+              <a:rPr lang="en-US" altLang="ko-KR" sz="1800" dirty="0"/>
+              <a:t>Char : </a:t>
+            </a:r>
+            <a:r>
+              <a:rPr lang="ko-KR" altLang="en-US" sz="1800" dirty="0"/>
+              <a:t>문자나 문자열을 나타낼 때 쓰는 정수형</a:t>
+            </a:r>
+            <a:r>
+              <a:rPr lang="en-US" altLang="ko-KR" sz="1800" dirty="0"/>
+              <a:t>. 1</a:t>
+            </a:r>
+            <a:r>
+              <a:rPr lang="ko-KR" altLang="en-US" sz="1800" dirty="0"/>
+              <a:t>바이트</a:t>
+            </a:r>
+            <a:r>
+              <a:rPr lang="en-US" altLang="ko-KR" sz="1800" dirty="0"/>
+              <a:t>(8bit)</a:t>
+            </a:r>
+            <a:r>
+              <a:rPr lang="ko-KR" altLang="en-US" sz="1800" dirty="0"/>
+              <a:t>이다</a:t>
+            </a:r>
+            <a:r>
+              <a:rPr lang="en-US" altLang="ko-KR" sz="1800" dirty="0"/>
+              <a:t>. (character </a:t>
+            </a:r>
+            <a:r>
+              <a:rPr lang="ko-KR" altLang="en-US" sz="1800" dirty="0"/>
+              <a:t>의</a:t>
+            </a:r>
+            <a:r>
+              <a:rPr lang="en-US" altLang="ko-KR" sz="1800" dirty="0"/>
+              <a:t> </a:t>
+            </a:r>
+            <a:r>
+              <a:rPr lang="ko-KR" altLang="en-US" sz="1800" dirty="0"/>
+              <a:t>준말</a:t>
+            </a:r>
+            <a:r>
+              <a:rPr lang="en-US" altLang="ko-KR" sz="1800" dirty="0"/>
+              <a:t>.)</a:t>
+            </a:r>
+            <a:br>
+              <a:rPr lang="en-US" altLang="ko-KR" sz="1800" dirty="0"/>
+            </a:br>
+            <a:r>
+              <a:rPr lang="ko-KR" altLang="en-US" sz="1800" dirty="0"/>
+              <a:t>출력 시에 </a:t>
+            </a:r>
+            <a:r>
+              <a:rPr lang="en-US" altLang="ko-KR" sz="1800" dirty="0"/>
+              <a:t>‘%c’</a:t>
+            </a:r>
+            <a:r>
+              <a:rPr lang="ko-KR" altLang="en-US" sz="1800" dirty="0"/>
+              <a:t> 또는 </a:t>
+            </a:r>
+            <a:r>
+              <a:rPr lang="en-US" altLang="ko-KR" sz="1800" dirty="0"/>
+              <a:t>‘%s’</a:t>
+            </a:r>
+            <a:r>
+              <a:rPr lang="ko-KR" altLang="en-US" sz="1800" dirty="0"/>
+              <a:t> 인자 사용</a:t>
+            </a:r>
+            <a:r>
+              <a:rPr lang="en-US" altLang="ko-KR" sz="1800" dirty="0"/>
+              <a:t>.</a:t>
+            </a:r>
+          </a:p>
+          <a:p>
+            <a:endParaRPr lang="en-US" altLang="ko-KR" sz="1800" dirty="0"/>
+          </a:p>
+          <a:p>
+            <a:r>
+              <a:rPr lang="ko-KR" altLang="en-US" sz="2400" dirty="0"/>
+              <a:t>변수 선언</a:t>
+            </a:r>
+            <a:endParaRPr lang="en-US" altLang="ko-KR" sz="2400" dirty="0"/>
+          </a:p>
+          <a:p>
+            <a:r>
+              <a:rPr lang="ko-KR" altLang="en-US" sz="2400" dirty="0"/>
+              <a:t>값을 넣는 상자를 변수라고 하며</a:t>
+            </a:r>
+            <a:r>
+              <a:rPr lang="en-US" altLang="ko-KR" sz="2400" dirty="0"/>
+              <a:t>, </a:t>
+            </a:r>
+            <a:r>
+              <a:rPr lang="ko-KR" altLang="en-US" sz="2400" dirty="0"/>
+              <a:t>변수를 생성하는 작업을 선언이라 한다</a:t>
+            </a:r>
+            <a:r>
+              <a:rPr lang="en-US" altLang="ko-KR" sz="2400" dirty="0"/>
+              <a:t>.</a:t>
+            </a:r>
+          </a:p>
+          <a:p>
+            <a:r>
+              <a:rPr lang="ko-KR" altLang="en-US" sz="2400" dirty="0"/>
+              <a:t>변수 선언 시</a:t>
+            </a:r>
+            <a:r>
+              <a:rPr lang="en-US" altLang="ko-KR" sz="2400" dirty="0"/>
+              <a:t>, </a:t>
+            </a:r>
+            <a:r>
+              <a:rPr lang="ko-KR" altLang="en-US" sz="2400" dirty="0"/>
+              <a:t>자료형과 변수 이름을 지정해야 함</a:t>
+            </a:r>
+            <a:r>
+              <a:rPr lang="en-US" altLang="ko-KR" sz="2400" dirty="0"/>
+              <a:t>.</a:t>
+            </a:r>
+          </a:p>
+          <a:p>
+            <a:r>
+              <a:rPr lang="en-US" altLang="ko-KR" sz="2400" dirty="0"/>
+              <a:t>Ex) int</a:t>
+            </a:r>
+            <a:r>
+              <a:rPr lang="ko-KR" altLang="en-US" sz="2400" dirty="0"/>
+              <a:t> </a:t>
+            </a:r>
+            <a:r>
+              <a:rPr lang="en-US" altLang="ko-KR" sz="2400" dirty="0"/>
+              <a:t>a=1; =&gt; a</a:t>
+            </a:r>
+            <a:r>
+              <a:rPr lang="ko-KR" altLang="en-US" sz="2400" dirty="0"/>
+              <a:t>라는 정수형 변수에 </a:t>
+            </a:r>
+            <a:r>
+              <a:rPr lang="en-US" altLang="ko-KR" sz="2400" dirty="0"/>
+              <a:t>1</a:t>
+            </a:r>
+            <a:r>
+              <a:rPr lang="ko-KR" altLang="en-US" sz="2400" dirty="0"/>
+              <a:t>이라는 값을 넣음</a:t>
+            </a:r>
+            <a:r>
+              <a:rPr lang="en-US" altLang="ko-KR" sz="2400" dirty="0"/>
+              <a:t>.</a:t>
+            </a:r>
+            <a:br>
+              <a:rPr lang="en-US" altLang="ko-KR" sz="2400" dirty="0"/>
+            </a:br>
+            <a:r>
+              <a:rPr lang="en-US" altLang="ko-KR" sz="2400" dirty="0"/>
+              <a:t>char b=“hello”; =&gt; b</a:t>
+            </a:r>
+            <a:r>
+              <a:rPr lang="ko-KR" altLang="en-US" sz="2400" dirty="0"/>
+              <a:t>라는 문자열 정수형 변</a:t>
+            </a:r>
+            <a:endParaRPr lang="en-US" altLang="ko-KR" sz="2400" dirty="0"/>
           </a:p>
         </p:txBody>
       </p:sp>
     </p:spTree>
     <p:extLst>
       <p:ext uri="{BB962C8B-B14F-4D97-AF65-F5344CB8AC3E}">
-        <p14:creationId xmlns:p14="http://schemas.microsoft.com/office/powerpoint/2010/main" val="2122886516"/>
+        <p14:creationId xmlns:p14="http://schemas.microsoft.com/office/powerpoint/2010/main" val="2221890180"/>
       </p:ext>
     </p:extLst>
   </p:cSld>
@@ -5104,13 +7532,7 @@
       </p:grpSpPr>
       <p:sp>
         <p:nvSpPr>
-          <p:cNvPr id="2" name="제목 1">
-            <a:extLst>
-              <a:ext uri="{FF2B5EF4-FFF2-40B4-BE49-F238E27FC236}">
-                <a16:creationId xmlns:a16="http://schemas.microsoft.com/office/drawing/2014/main" id="{0743F23E-AA9A-39EE-9ACF-C121FC7EC016}"/>
-              </a:ext>
-            </a:extLst>
-          </p:cNvPr>
+          <p:cNvPr id="2" name="제목 1"/>
           <p:cNvSpPr>
             <a:spLocks noGrp="1"/>
           </p:cNvSpPr>
@@ -5120,30 +7542,24 @@
         </p:nvSpPr>
         <p:spPr/>
         <p:txBody>
-          <a:bodyPr>
-            <a:normAutofit fontScale="90000"/>
-          </a:bodyPr>
-          <a:lstStyle/>
-          <a:p>
-            <a:r>
-              <a:rPr lang="ko-KR" altLang="en-US" dirty="0" err="1"/>
-              <a:t>제어문</a:t>
+          <a:bodyPr/>
+          <a:lstStyle/>
+          <a:p>
+            <a:r>
+              <a:rPr lang="en-US" altLang="ko-KR" dirty="0" err="1"/>
+              <a:t>scanf</a:t>
             </a:r>
             <a:r>
               <a:rPr lang="en-US" altLang="ko-KR" dirty="0"/>
-              <a:t>3</a:t>
+              <a:t> : </a:t>
             </a:r>
             <a:r>
               <a:rPr lang="ko-KR" altLang="en-US" dirty="0"/>
-              <a:t> </a:t>
+              <a:t>입력</a:t>
             </a:r>
             <a:r>
               <a:rPr lang="en-US" altLang="ko-KR" dirty="0"/>
-              <a:t>: </a:t>
-            </a:r>
-            <a:r>
-              <a:rPr lang="ko-KR" altLang="en-US" sz="4000" dirty="0"/>
-              <a:t>프로그램의 실행 흐름을 제어하는 문장</a:t>
+              <a:t>, input</a:t>
             </a:r>
             <a:endParaRPr lang="ko-KR" altLang="en-US" dirty="0"/>
           </a:p>
@@ -5151,13 +7567,7 @@
       </p:sp>
       <p:sp>
         <p:nvSpPr>
-          <p:cNvPr id="3" name="내용 개체 틀 2">
-            <a:extLst>
-              <a:ext uri="{FF2B5EF4-FFF2-40B4-BE49-F238E27FC236}">
-                <a16:creationId xmlns:a16="http://schemas.microsoft.com/office/drawing/2014/main" id="{2E722D8F-488B-F34F-058E-5E9EA42959C1}"/>
-              </a:ext>
-            </a:extLst>
-          </p:cNvPr>
+          <p:cNvPr id="3" name="내용 개체 틀 2"/>
           <p:cNvSpPr>
             <a:spLocks noGrp="1"/>
           </p:cNvSpPr>
@@ -5167,8 +7577,8 @@
         </p:nvSpPr>
         <p:spPr>
           <a:xfrm>
-            <a:off x="369849" y="1269845"/>
-            <a:ext cx="11452301" cy="5223509"/>
+            <a:off x="360485" y="1314450"/>
+            <a:ext cx="11473961" cy="5223509"/>
           </a:xfrm>
         </p:spPr>
         <p:txBody>
@@ -5176,358 +7586,253 @@
           <a:lstStyle/>
           <a:p>
             <a:r>
+              <a:rPr lang="en-US" altLang="ko-KR" dirty="0" err="1"/>
+              <a:t>scanf</a:t>
+            </a:r>
+            <a:r>
+              <a:rPr lang="en-US" altLang="ko-KR" dirty="0"/>
+              <a:t> : </a:t>
+            </a:r>
+            <a:r>
+              <a:rPr lang="ko-KR" altLang="en-US" dirty="0"/>
+              <a:t>문자나 수를 입력 받을 때 사용하는 함수</a:t>
+            </a:r>
+            <a:endParaRPr lang="en-US" altLang="ko-KR" dirty="0"/>
+          </a:p>
+          <a:p>
+            <a:r>
+              <a:rPr lang="ko-KR" altLang="en-US" sz="2400" dirty="0"/>
+              <a:t>대부분 아래와 같이 사용한다</a:t>
+            </a:r>
+            <a:r>
+              <a:rPr lang="en-US" altLang="ko-KR" sz="2400" dirty="0"/>
+              <a:t>.</a:t>
+            </a:r>
+          </a:p>
+          <a:p>
+            <a:endParaRPr lang="en-US" altLang="ko-KR" sz="1050" dirty="0"/>
+          </a:p>
+          <a:p>
+            <a:r>
+              <a:rPr lang="en-US" altLang="ko-KR" sz="2400" dirty="0" err="1"/>
+              <a:t>scanf</a:t>
+            </a:r>
+            <a:r>
+              <a:rPr lang="en-US" altLang="ko-KR" sz="2400" dirty="0"/>
+              <a:t>(“%d”, [</a:t>
+            </a:r>
+            <a:r>
+              <a:rPr lang="ko-KR" altLang="en-US" sz="2400" dirty="0" err="1"/>
+              <a:t>입력값을</a:t>
+            </a:r>
+            <a:r>
+              <a:rPr lang="ko-KR" altLang="en-US" sz="2400" dirty="0"/>
+              <a:t> 저장할 </a:t>
+            </a:r>
+            <a:r>
+              <a:rPr lang="ko-KR" altLang="en-US" sz="2400" dirty="0" err="1"/>
+              <a:t>변수명</a:t>
+            </a:r>
+            <a:r>
+              <a:rPr lang="en-US" altLang="ko-KR" sz="2400" dirty="0"/>
+              <a:t>]);</a:t>
+            </a:r>
+          </a:p>
+          <a:p>
+            <a:endParaRPr lang="en-US" altLang="ko-KR" sz="1050" dirty="0"/>
+          </a:p>
+          <a:p>
+            <a:r>
+              <a:rPr lang="ko-KR" altLang="en-US" sz="2400" dirty="0"/>
+              <a:t>예시 문제 </a:t>
+            </a:r>
+            <a:r>
+              <a:rPr lang="en-US" altLang="ko-KR" sz="2400" dirty="0"/>
+              <a:t>(</a:t>
+            </a:r>
+            <a:r>
+              <a:rPr lang="en-US" altLang="ko-KR" sz="2400" dirty="0" err="1"/>
+              <a:t>int</a:t>
+            </a:r>
+            <a:r>
+              <a:rPr lang="en-US" altLang="ko-KR" sz="2400" dirty="0"/>
+              <a:t> a; double b; char c;)</a:t>
+            </a:r>
+          </a:p>
+          <a:p>
+            <a:r>
               <a:rPr lang="en-US" altLang="ko-KR" sz="2000" dirty="0"/>
-              <a:t>If</a:t>
+              <a:t>Ex1) </a:t>
+            </a:r>
+            <a:r>
+              <a:rPr lang="en-US" altLang="ko-KR" sz="2000" dirty="0" err="1"/>
+              <a:t>scanf</a:t>
+            </a:r>
+            <a:r>
+              <a:rPr lang="en-US" altLang="ko-KR" sz="2000" dirty="0"/>
+              <a:t>(“%d”, &amp;a);	//</a:t>
             </a:r>
             <a:r>
               <a:rPr lang="ko-KR" altLang="en-US" sz="2000" dirty="0"/>
-              <a:t> 문 </a:t>
-            </a:r>
-            <a:r>
-              <a:rPr lang="en-US" altLang="ko-KR" sz="2000" dirty="0"/>
-              <a:t>(</a:t>
-            </a:r>
-            <a:r>
-              <a:rPr lang="ko-KR" altLang="en-US" sz="2000" dirty="0"/>
-              <a:t>만약에 </a:t>
-            </a:r>
-            <a:r>
-              <a:rPr lang="en-US" altLang="ko-KR" sz="2000" dirty="0"/>
-              <a:t>~ </a:t>
-            </a:r>
-            <a:r>
-              <a:rPr lang="ko-KR" altLang="en-US" sz="2000" dirty="0"/>
-              <a:t>라면</a:t>
-            </a:r>
-            <a:r>
-              <a:rPr lang="en-US" altLang="ko-KR" sz="2000" dirty="0"/>
-              <a:t>) : </a:t>
-            </a:r>
-            <a:r>
-              <a:rPr lang="ko-KR" altLang="en-US" sz="2000" dirty="0"/>
-              <a:t>어떤 조건이 참인지 거짓인지 확인하고 맞는 조건의 작업을 수행하는 도구</a:t>
-            </a:r>
-            <a:r>
-              <a:rPr lang="en-US" altLang="ko-KR" sz="2000" dirty="0"/>
-              <a:t>.</a:t>
-            </a:r>
-          </a:p>
-          <a:p>
-            <a:r>
-              <a:rPr lang="en-US" altLang="ko-KR" sz="2000" dirty="0"/>
-              <a:t>Ex)</a:t>
-            </a:r>
-            <a:r>
-              <a:rPr lang="ko-KR" altLang="en-US" sz="2000" dirty="0"/>
-              <a:t>오늘 비가 오는가</a:t>
-            </a:r>
-            <a:r>
-              <a:rPr lang="en-US" altLang="ko-KR" sz="2000" dirty="0"/>
-              <a:t>? / </a:t>
-            </a:r>
-            <a:r>
-              <a:rPr lang="ko-KR" altLang="en-US" sz="2000" dirty="0"/>
-              <a:t>참 </a:t>
-            </a:r>
-            <a:r>
-              <a:rPr lang="en-US" altLang="ko-KR" sz="2000" dirty="0"/>
-              <a:t>=&gt; </a:t>
-            </a:r>
-            <a:r>
-              <a:rPr lang="ko-KR" altLang="en-US" sz="2000" dirty="0"/>
-              <a:t>우산을 챙긴다</a:t>
+              <a:t>정수 값을 입력 받음</a:t>
             </a:r>
             <a:r>
               <a:rPr lang="en-US" altLang="ko-KR" sz="2000" dirty="0"/>
               <a:t>. </a:t>
             </a:r>
-          </a:p>
-          <a:p>
-            <a:endParaRPr lang="en-US" altLang="ko-KR" sz="1050" dirty="0"/>
+            <a:r>
+              <a:rPr lang="ko-KR" altLang="en-US" sz="2000" b="1" dirty="0"/>
+              <a:t>정수</a:t>
+            </a:r>
+            <a:r>
+              <a:rPr lang="en-US" altLang="ko-KR" sz="2000" b="1" dirty="0"/>
+              <a:t>, </a:t>
+            </a:r>
+            <a:r>
+              <a:rPr lang="ko-KR" altLang="en-US" sz="2000" b="1" dirty="0"/>
+              <a:t>실수의 경우 포인터</a:t>
+            </a:r>
+            <a:r>
+              <a:rPr lang="en-US" altLang="ko-KR" sz="2000" b="1" dirty="0"/>
+              <a:t>(&amp;)</a:t>
+            </a:r>
+            <a:r>
+              <a:rPr lang="ko-KR" altLang="en-US" sz="2000" b="1" dirty="0"/>
+              <a:t>를 </a:t>
+            </a:r>
+            <a:r>
+              <a:rPr lang="ko-KR" altLang="en-US" sz="2000" b="1" dirty="0" err="1"/>
+              <a:t>붙여야함</a:t>
+            </a:r>
+            <a:r>
+              <a:rPr lang="en-US" altLang="ko-KR" sz="2000" b="1" dirty="0"/>
+              <a:t>.</a:t>
+            </a:r>
           </a:p>
           <a:p>
             <a:r>
               <a:rPr lang="en-US" altLang="ko-KR" sz="2000" dirty="0"/>
-              <a:t>Else</a:t>
+              <a:t>Ex2) </a:t>
+            </a:r>
+            <a:r>
+              <a:rPr lang="en-US" altLang="ko-KR" sz="2000" dirty="0" err="1"/>
+              <a:t>scanf</a:t>
+            </a:r>
+            <a:r>
+              <a:rPr lang="en-US" altLang="ko-KR" sz="2000" dirty="0"/>
+              <a:t>(“%lf”, &amp;b);	//</a:t>
             </a:r>
             <a:r>
               <a:rPr lang="ko-KR" altLang="en-US" sz="2000" dirty="0"/>
-              <a:t> </a:t>
+              <a:t>실수 값을 입력 받음</a:t>
             </a:r>
             <a:r>
               <a:rPr lang="en-US" altLang="ko-KR" sz="2000" dirty="0"/>
-              <a:t>: </a:t>
+              <a:t>. </a:t>
+            </a:r>
+            <a:r>
+              <a:rPr lang="ko-KR" altLang="en-US" sz="2000" b="1" dirty="0"/>
+              <a:t>정수</a:t>
+            </a:r>
+            <a:r>
+              <a:rPr lang="en-US" altLang="ko-KR" sz="2000" b="1" dirty="0"/>
+              <a:t>, </a:t>
+            </a:r>
+            <a:r>
+              <a:rPr lang="ko-KR" altLang="en-US" sz="2000" b="1" dirty="0"/>
+              <a:t>실수의 경우 포인터</a:t>
+            </a:r>
+            <a:r>
+              <a:rPr lang="en-US" altLang="ko-KR" sz="2000" b="1" dirty="0"/>
+              <a:t>(&amp;)</a:t>
+            </a:r>
+            <a:r>
+              <a:rPr lang="ko-KR" altLang="en-US" sz="2000" b="1" dirty="0"/>
+              <a:t>를 </a:t>
+            </a:r>
+            <a:r>
+              <a:rPr lang="ko-KR" altLang="en-US" sz="2000" b="1" dirty="0" err="1"/>
+              <a:t>붙여야함</a:t>
+            </a:r>
+            <a:r>
+              <a:rPr lang="en-US" altLang="ko-KR" sz="2000" b="1" dirty="0"/>
+              <a:t>.</a:t>
+            </a:r>
+            <a:endParaRPr lang="en-US" altLang="ko-KR" sz="2000" dirty="0"/>
+          </a:p>
+          <a:p>
+            <a:r>
+              <a:rPr lang="en-US" altLang="ko-KR" sz="2000" dirty="0"/>
+              <a:t>Ex3) </a:t>
+            </a:r>
+            <a:r>
+              <a:rPr lang="en-US" altLang="ko-KR" sz="2000" dirty="0" err="1"/>
+              <a:t>scanf</a:t>
+            </a:r>
+            <a:r>
+              <a:rPr lang="en-US" altLang="ko-KR" sz="2000" dirty="0"/>
+              <a:t>(“%s”, c);	//</a:t>
             </a:r>
             <a:r>
               <a:rPr lang="ko-KR" altLang="en-US" sz="2000" dirty="0"/>
-              <a:t>위 </a:t>
+              <a:t>문자열 값을 입력 받음</a:t>
             </a:r>
             <a:r>
               <a:rPr lang="en-US" altLang="ko-KR" sz="2000" dirty="0"/>
-              <a:t>If</a:t>
-            </a:r>
-            <a:r>
-              <a:rPr lang="ko-KR" altLang="en-US" sz="2000" dirty="0"/>
-              <a:t>문에서 거짓일 경우</a:t>
-            </a:r>
-            <a:r>
-              <a:rPr lang="en-US" altLang="ko-KR" sz="2000" dirty="0"/>
-              <a:t>, </a:t>
-            </a:r>
-            <a:r>
-              <a:rPr lang="ko-KR" altLang="en-US" sz="2000" dirty="0"/>
-              <a:t>추가적인 조건 없이 정해진 작업을 수행하는 도구</a:t>
-            </a:r>
-            <a:r>
-              <a:rPr lang="en-US" altLang="ko-KR" sz="2000" dirty="0"/>
+              <a:t>. </a:t>
+            </a:r>
+            <a:r>
+              <a:rPr lang="ko-KR" altLang="en-US" sz="2000" b="1" dirty="0"/>
+              <a:t>문자열의 경우 포인터</a:t>
+            </a:r>
+            <a:r>
+              <a:rPr lang="en-US" altLang="ko-KR" sz="2000" b="1" dirty="0"/>
+              <a:t>(&amp;)</a:t>
+            </a:r>
+            <a:r>
+              <a:rPr lang="ko-KR" altLang="en-US" sz="2000" b="1" dirty="0"/>
+              <a:t>를 안 붙여도 됨</a:t>
+            </a:r>
+            <a:r>
+              <a:rPr lang="en-US" altLang="ko-KR" sz="2000" b="1" dirty="0"/>
               <a:t>.</a:t>
             </a:r>
           </a:p>
           <a:p>
-            <a:r>
-              <a:rPr lang="en-US" altLang="ko-KR" sz="2000" dirty="0"/>
-              <a:t>Ex)</a:t>
-            </a:r>
-            <a:r>
-              <a:rPr lang="ko-KR" altLang="en-US" sz="2000" dirty="0"/>
-              <a:t>오늘 비가 오는가</a:t>
-            </a:r>
-            <a:r>
-              <a:rPr lang="en-US" altLang="ko-KR" sz="2000" dirty="0"/>
-              <a:t>?</a:t>
-            </a:r>
-            <a:r>
-              <a:rPr lang="en-US" altLang="ko-KR" sz="2400" dirty="0"/>
-              <a:t> / </a:t>
-            </a:r>
-            <a:r>
-              <a:rPr lang="ko-KR" altLang="en-US" sz="2000" dirty="0"/>
-              <a:t>거짓 </a:t>
-            </a:r>
-            <a:r>
-              <a:rPr lang="en-US" altLang="ko-KR" sz="2000" dirty="0"/>
-              <a:t>=&gt; </a:t>
-            </a:r>
-            <a:r>
-              <a:rPr lang="ko-KR" altLang="en-US" sz="2000" dirty="0"/>
-              <a:t>그냥 놀러 나간다</a:t>
-            </a:r>
-            <a:r>
-              <a:rPr lang="en-US" altLang="ko-KR" sz="2000" dirty="0"/>
+            <a:endParaRPr lang="en-US" altLang="ko-KR" sz="2400" dirty="0"/>
+          </a:p>
+          <a:p>
+            <a:r>
+              <a:rPr lang="en-US" altLang="ko-KR" sz="2400" dirty="0"/>
+              <a:t># </a:t>
+            </a:r>
+            <a:r>
+              <a:rPr lang="ko-KR" altLang="en-US" sz="2400" dirty="0"/>
+              <a:t>포인터</a:t>
+            </a:r>
+            <a:r>
+              <a:rPr lang="en-US" altLang="ko-KR" sz="2400" dirty="0"/>
+              <a:t>(&amp;) : </a:t>
+            </a:r>
+            <a:r>
+              <a:rPr lang="ko-KR" altLang="en-US" sz="2400" b="1" dirty="0"/>
+              <a:t>변수의 주소</a:t>
+            </a:r>
+            <a:r>
+              <a:rPr lang="ko-KR" altLang="en-US" sz="2400" dirty="0"/>
+              <a:t>를 찾을 때 사용함</a:t>
+            </a:r>
+            <a:r>
+              <a:rPr lang="en-US" altLang="ko-KR" sz="2400" dirty="0"/>
+              <a:t>. </a:t>
+            </a:r>
+            <a:r>
+              <a:rPr lang="ko-KR" altLang="en-US" sz="2400" dirty="0"/>
+              <a:t>없으면 에러 발생</a:t>
+            </a:r>
+            <a:r>
+              <a:rPr lang="en-US" altLang="ko-KR" sz="2400" dirty="0"/>
               <a:t>.</a:t>
-            </a:r>
-          </a:p>
-          <a:p>
-            <a:endParaRPr lang="en-US" altLang="ko-KR" sz="1050" dirty="0"/>
-          </a:p>
-          <a:p>
-            <a:pPr algn="just"/>
-            <a:r>
-              <a:rPr lang="en-US" altLang="ko-KR" sz="2000" dirty="0"/>
-              <a:t>Else if</a:t>
-            </a:r>
-            <a:r>
-              <a:rPr lang="ko-KR" altLang="en-US" sz="2000" dirty="0"/>
-              <a:t> </a:t>
-            </a:r>
-            <a:r>
-              <a:rPr lang="en-US" altLang="ko-KR" sz="2000" dirty="0"/>
-              <a:t>: </a:t>
-            </a:r>
-            <a:r>
-              <a:rPr lang="ko-KR" altLang="en-US" sz="2000" dirty="0"/>
-              <a:t>위 </a:t>
-            </a:r>
-            <a:r>
-              <a:rPr lang="en-US" altLang="ko-KR" sz="2000" dirty="0"/>
-              <a:t>If</a:t>
-            </a:r>
-            <a:r>
-              <a:rPr lang="ko-KR" altLang="en-US" sz="2000" dirty="0"/>
-              <a:t>문에서 거짓일 경우</a:t>
-            </a:r>
-            <a:r>
-              <a:rPr lang="en-US" altLang="ko-KR" sz="2000" dirty="0"/>
-              <a:t>, </a:t>
-            </a:r>
-            <a:r>
-              <a:rPr lang="ko-KR" altLang="en-US" sz="2000" dirty="0"/>
-              <a:t>다른 조건에 충족하는지에 따라 참이면 작업을 수행하는 도구</a:t>
-            </a:r>
-            <a:r>
-              <a:rPr lang="en-US" altLang="ko-KR" sz="2000" dirty="0"/>
-              <a:t>.</a:t>
-            </a:r>
-          </a:p>
-          <a:p>
-            <a:r>
-              <a:rPr lang="en-US" altLang="ko-KR" sz="2000" dirty="0"/>
-              <a:t>Ex)</a:t>
-            </a:r>
-            <a:r>
-              <a:rPr lang="ko-KR" altLang="en-US" sz="2000" dirty="0"/>
-              <a:t>오늘 비가 오는가</a:t>
-            </a:r>
-            <a:r>
-              <a:rPr lang="en-US" altLang="ko-KR" sz="2000" dirty="0"/>
-              <a:t>? / </a:t>
-            </a:r>
-            <a:r>
-              <a:rPr lang="ko-KR" altLang="en-US" sz="2000" dirty="0"/>
-              <a:t>거짓 </a:t>
-            </a:r>
-            <a:r>
-              <a:rPr lang="en-US" altLang="ko-KR" sz="2000" dirty="0"/>
-              <a:t>=&gt; </a:t>
-            </a:r>
-            <a:r>
-              <a:rPr lang="ko-KR" altLang="en-US" sz="2000" dirty="0"/>
-              <a:t>오늘 눈이 오는가</a:t>
-            </a:r>
-            <a:r>
-              <a:rPr lang="en-US" altLang="ko-KR" sz="2000" dirty="0"/>
-              <a:t>? / </a:t>
-            </a:r>
-            <a:r>
-              <a:rPr lang="ko-KR" altLang="en-US" sz="2000" dirty="0"/>
-              <a:t>참 </a:t>
-            </a:r>
-            <a:r>
-              <a:rPr lang="en-US" altLang="ko-KR" sz="2000" dirty="0"/>
-              <a:t>=&gt; </a:t>
-            </a:r>
-            <a:r>
-              <a:rPr lang="ko-KR" altLang="en-US" sz="2000" dirty="0"/>
-              <a:t>패딩을 입는다</a:t>
-            </a:r>
-            <a:r>
-              <a:rPr lang="en-US" altLang="ko-KR" sz="2000" dirty="0"/>
-              <a:t>.</a:t>
-            </a:r>
-          </a:p>
-          <a:p>
-            <a:r>
-              <a:rPr lang="en-US" altLang="ko-KR" sz="2000" dirty="0"/>
-              <a:t># </a:t>
-            </a:r>
-            <a:r>
-              <a:rPr lang="ko-KR" altLang="en-US" sz="2000" dirty="0"/>
-              <a:t>예제 코드</a:t>
-            </a:r>
-            <a:endParaRPr lang="en-US" altLang="ko-KR" sz="2000" dirty="0"/>
-          </a:p>
-          <a:p>
-            <a:r>
-              <a:rPr lang="en-US" altLang="ko-KR" sz="1200" b="1" dirty="0"/>
-              <a:t>If (</a:t>
-            </a:r>
-            <a:r>
-              <a:rPr lang="ko-KR" altLang="en-US" sz="1200" b="1" dirty="0"/>
-              <a:t>비가 오는가</a:t>
-            </a:r>
-            <a:r>
-              <a:rPr lang="en-US" altLang="ko-KR" sz="1200" b="1" dirty="0"/>
-              <a:t>?) {</a:t>
-            </a:r>
-            <a:br>
-              <a:rPr lang="en-US" altLang="ko-KR" sz="1200" b="1" dirty="0"/>
-            </a:br>
-            <a:r>
-              <a:rPr lang="en-US" altLang="ko-KR" sz="1200" b="1" dirty="0"/>
-              <a:t>	</a:t>
-            </a:r>
-            <a:r>
-              <a:rPr lang="ko-KR" altLang="en-US" sz="1200" b="1" dirty="0"/>
-              <a:t>우산을 가져간다</a:t>
-            </a:r>
-            <a:r>
-              <a:rPr lang="en-US" altLang="ko-KR" sz="1200" b="1" dirty="0"/>
-              <a:t>();  //</a:t>
-            </a:r>
-            <a:r>
-              <a:rPr lang="ko-KR" altLang="en-US" sz="1200" b="1" dirty="0"/>
-              <a:t>비 올 때 우산을 가져가는 코드</a:t>
-            </a:r>
-            <a:br>
-              <a:rPr lang="en-US" altLang="ko-KR" sz="1200" b="1" dirty="0"/>
-            </a:br>
-            <a:r>
-              <a:rPr lang="en-US" altLang="ko-KR" sz="1200" b="1" dirty="0"/>
-              <a:t>}</a:t>
-            </a:r>
-            <a:br>
-              <a:rPr lang="en-US" altLang="ko-KR" sz="1200" b="1" dirty="0"/>
-            </a:br>
-            <a:r>
-              <a:rPr lang="en-US" altLang="ko-KR" sz="1200" b="1" dirty="0"/>
-              <a:t>Else if (</a:t>
-            </a:r>
-            <a:r>
-              <a:rPr lang="ko-KR" altLang="en-US" sz="1200" b="1" dirty="0"/>
-              <a:t>눈이 오는가</a:t>
-            </a:r>
-            <a:r>
-              <a:rPr lang="en-US" altLang="ko-KR" sz="1200" b="1" dirty="0"/>
-              <a:t>?) {</a:t>
-            </a:r>
-            <a:br>
-              <a:rPr lang="en-US" altLang="ko-KR" sz="1200" b="1" dirty="0"/>
-            </a:br>
-            <a:r>
-              <a:rPr lang="en-US" altLang="ko-KR" sz="1200" b="1" dirty="0"/>
-              <a:t>	</a:t>
-            </a:r>
-            <a:r>
-              <a:rPr lang="ko-KR" altLang="en-US" sz="1200" b="1" dirty="0"/>
-              <a:t>패딩을 입는다</a:t>
-            </a:r>
-            <a:r>
-              <a:rPr lang="en-US" altLang="ko-KR" sz="1200" b="1" dirty="0"/>
-              <a:t>();     //</a:t>
-            </a:r>
-            <a:r>
-              <a:rPr lang="ko-KR" altLang="en-US" sz="1200" b="1" dirty="0"/>
-              <a:t>눈 올 때 패딩을 입는 코드</a:t>
-            </a:r>
-            <a:br>
-              <a:rPr lang="en-US" altLang="ko-KR" sz="1200" b="1" dirty="0"/>
-            </a:br>
-            <a:r>
-              <a:rPr lang="en-US" altLang="ko-KR" sz="1200" b="1" dirty="0"/>
-              <a:t>}</a:t>
-            </a:r>
-            <a:br>
-              <a:rPr lang="en-US" altLang="ko-KR" sz="1200" b="1" dirty="0"/>
-            </a:br>
-            <a:r>
-              <a:rPr lang="en-US" altLang="ko-KR" sz="1200" b="1" dirty="0"/>
-              <a:t>else {</a:t>
-            </a:r>
-            <a:br>
-              <a:rPr lang="en-US" altLang="ko-KR" sz="1200" b="1" dirty="0"/>
-            </a:br>
-            <a:r>
-              <a:rPr lang="en-US" altLang="ko-KR" sz="1200" b="1" dirty="0"/>
-              <a:t>	</a:t>
-            </a:r>
-            <a:r>
-              <a:rPr lang="ko-KR" altLang="en-US" sz="1200" b="1" dirty="0"/>
-              <a:t>그냥 놀러 나간다</a:t>
-            </a:r>
-            <a:r>
-              <a:rPr lang="en-US" altLang="ko-KR" sz="1200" b="1" dirty="0"/>
-              <a:t>(); //</a:t>
-            </a:r>
-            <a:r>
-              <a:rPr lang="ko-KR" altLang="en-US" sz="1200" b="1" dirty="0"/>
-              <a:t>날씨가 좋을 때 그냥 나가는 코드</a:t>
-            </a:r>
-            <a:endParaRPr lang="en-US" altLang="ko-KR" sz="1200" b="1" dirty="0"/>
-          </a:p>
-          <a:p>
-            <a:r>
-              <a:rPr lang="en-US" altLang="ko-KR" sz="1200" b="1" dirty="0"/>
-              <a:t>}</a:t>
             </a:r>
           </a:p>
         </p:txBody>
@@ -5535,7 +7840,7 @@
     </p:spTree>
     <p:extLst>
       <p:ext uri="{BB962C8B-B14F-4D97-AF65-F5344CB8AC3E}">
-        <p14:creationId xmlns:p14="http://schemas.microsoft.com/office/powerpoint/2010/main" val="2511495453"/>
+        <p14:creationId xmlns:p14="http://schemas.microsoft.com/office/powerpoint/2010/main" val="3427881131"/>
       </p:ext>
     </p:extLst>
   </p:cSld>
@@ -5564,13 +7869,7 @@
       </p:grpSpPr>
       <p:sp>
         <p:nvSpPr>
-          <p:cNvPr id="2" name="제목 1">
-            <a:extLst>
-              <a:ext uri="{FF2B5EF4-FFF2-40B4-BE49-F238E27FC236}">
-                <a16:creationId xmlns:a16="http://schemas.microsoft.com/office/drawing/2014/main" id="{0743F23E-AA9A-39EE-9ACF-C121FC7EC016}"/>
-              </a:ext>
-            </a:extLst>
-          </p:cNvPr>
+          <p:cNvPr id="2" name="제목 1"/>
           <p:cNvSpPr>
             <a:spLocks noGrp="1"/>
           </p:cNvSpPr>
@@ -5583,19 +7882,19 @@
           <a:bodyPr/>
           <a:lstStyle/>
           <a:p>
-            <a:endParaRPr lang="ko-KR" altLang="en-US"/>
-          </a:p>
-        </p:txBody>
-      </p:sp>
-      <p:sp>
-        <p:nvSpPr>
-          <p:cNvPr id="3" name="내용 개체 틀 2">
-            <a:extLst>
-              <a:ext uri="{FF2B5EF4-FFF2-40B4-BE49-F238E27FC236}">
-                <a16:creationId xmlns:a16="http://schemas.microsoft.com/office/drawing/2014/main" id="{2E722D8F-488B-F34F-058E-5E9EA42959C1}"/>
-              </a:ext>
-            </a:extLst>
-          </p:cNvPr>
+            <a:pPr lvl="0">
+              <a:defRPr/>
+            </a:pPr>
+            <a:r>
+              <a:rPr lang="ko-KR" altLang="en-US"/>
+              <a:t>문제 풀이</a:t>
+            </a:r>
+          </a:p>
+        </p:txBody>
+      </p:sp>
+      <p:sp>
+        <p:nvSpPr>
+          <p:cNvPr id="3" name="내용 개체 틀 2"/>
           <p:cNvSpPr>
             <a:spLocks noGrp="1"/>
           </p:cNvSpPr>
@@ -5603,25 +7902,66 @@
             <p:ph idx="1"/>
           </p:nvPr>
         </p:nvSpPr>
-        <p:spPr/>
-        <p:txBody>
-          <a:bodyPr/>
-          <a:lstStyle/>
-          <a:p>
-            <a:endParaRPr lang="ko-KR" altLang="en-US"/>
+        <p:spPr>
+          <a:xfrm>
+            <a:off x="4324643" y="2250832"/>
+            <a:ext cx="3557954" cy="2470638"/>
+          </a:xfrm>
+        </p:spPr>
+        <p:txBody>
+          <a:bodyPr>
+            <a:normAutofit fontScale="77500" lnSpcReduction="20000"/>
+          </a:bodyPr>
+          <a:lstStyle/>
+          <a:p>
+            <a:pPr marL="0" lvl="0" indent="0" algn="ctr">
+              <a:lnSpc>
+                <a:spcPct val="300000"/>
+              </a:lnSpc>
+              <a:buNone/>
+              <a:defRPr/>
+            </a:pPr>
+            <a:r>
+              <a:rPr lang="en-US" altLang="ko-KR"/>
+              <a:t>Codeup </a:t>
+            </a:r>
+            <a:r>
+              <a:rPr lang="ko-KR" altLang="en-US"/>
+              <a:t>풀이하기</a:t>
+            </a:r>
+          </a:p>
+          <a:p>
+            <a:pPr marL="0" lvl="0" indent="0" algn="ctr">
+              <a:lnSpc>
+                <a:spcPct val="300000"/>
+              </a:lnSpc>
+              <a:buNone/>
+              <a:defRPr/>
+            </a:pPr>
+            <a:r>
+              <a:rPr lang="en-US" altLang="ko-KR"/>
+              <a:t>1010 ~ 1015</a:t>
+            </a:r>
+            <a:r>
+              <a:rPr lang="ko-KR" altLang="en-US"/>
+              <a:t>번까지 풀기</a:t>
+            </a:r>
           </a:p>
         </p:txBody>
       </p:sp>
     </p:spTree>
-    <p:extLst>
-      <p:ext uri="{BB962C8B-B14F-4D97-AF65-F5344CB8AC3E}">
-        <p14:creationId xmlns:p14="http://schemas.microsoft.com/office/powerpoint/2010/main" val="3588091632"/>
-      </p:ext>
-    </p:extLst>
   </p:cSld>
   <p:clrMapOvr>
     <a:masterClrMapping/>
   </p:clrMapOvr>
+  <mc:AlternateContent xmlns:mc="http://schemas.openxmlformats.org/markup-compatibility/2006" xmlns:p14="http://schemas.microsoft.com/office/powerpoint/2010/main">
+    <mc:Choice Requires="p14">
+      <p:transition/>
+    </mc:Choice>
+    <mc:Fallback xmlns:dsp="http://schemas.microsoft.com/office/drawing/2008/diagram" xmlns:dgm="http://schemas.openxmlformats.org/drawingml/2006/diagram" xmlns:c="http://schemas.openxmlformats.org/drawingml/2006/chart" xmlns="">
+      <p:transition/>
+    </mc:Fallback>
+  </mc:AlternateContent>
 </p:sld>
 </file>
 
@@ -5671,7 +8011,7 @@
         <a:latin typeface="맑은 고딕" panose="020F0302020204030204"/>
         <a:ea typeface=""/>
         <a:cs typeface=""/>
-        <a:font script="Jpan" typeface="游ゴシック Light"/>
+        <a:font script="Jpan" typeface="Yu Gothic Light"/>
         <a:font script="Hang" typeface="맑은 고딕"/>
         <a:font script="Hans" typeface="等线 Light"/>
         <a:font script="Hant" typeface="新細明體"/>
@@ -5723,7 +8063,7 @@
         <a:latin typeface="맑은 고딕" panose="020F0502020204030204"/>
         <a:ea typeface=""/>
         <a:cs typeface=""/>
-        <a:font script="Jpan" typeface="游ゴシック"/>
+        <a:font script="Jpan" typeface="Yu Gothic"/>
         <a:font script="Hang" typeface="맑은 고딕"/>
         <a:font script="Hans" typeface="等线"/>
         <a:font script="Hant" typeface="新細明體"/>
@@ -5836,21 +8176,21 @@
             <a:schemeClr val="phClr"/>
           </a:solidFill>
           <a:prstDash val="solid"/>
-          <a:miter lim="800000"/>
+          <a:miter/>
         </a:ln>
         <a:ln w="12700" cap="flat" cmpd="sng" algn="ctr">
           <a:solidFill>
             <a:schemeClr val="phClr"/>
           </a:solidFill>
           <a:prstDash val="solid"/>
-          <a:miter lim="800000"/>
+          <a:miter/>
         </a:ln>
         <a:ln w="19050" cap="flat" cmpd="sng" algn="ctr">
           <a:solidFill>
             <a:schemeClr val="phClr"/>
           </a:solidFill>
           <a:prstDash val="solid"/>
-          <a:miter lim="800000"/>
+          <a:miter/>
         </a:ln>
       </a:lnStyleLst>
       <a:effectStyleLst>
@@ -5912,10 +8252,5 @@
   </a:themeElements>
   <a:objectDefaults/>
   <a:extraClrSchemeLst/>
-  <a:extLst>
-    <a:ext uri="{05A4C25C-085E-4340-85A3-A5531E510DB2}">
-      <thm15:themeFamily xmlns:thm15="http://schemas.microsoft.com/office/thememl/2012/main" name="Office Theme" id="{62F939B6-93AF-4DB8-9C6B-D6C7DFDC589F}" vid="{4A3C46E8-61CC-4603-A589-7422A47A8E4A}"/>
-    </a:ext>
-  </a:extLst>
 </a:theme>
 </file>